--- a/Whiteboard design session/WDS trainer presentation - Data platform upgrade and migration.pptx
+++ b/Whiteboard design session/WDS trainer presentation - Data platform upgrade and migration.pptx
@@ -226,7 +226,7 @@
           <a:p>
             <a:fld id="{52A13B17-C506-4D51-BB37-16B365906619}" type="datetimeFigureOut">
               <a:rPr lang="en-US" smtClean="0"/>
-              <a:t>5/16/2018</a:t>
+              <a:t>6/21/2018</a:t>
             </a:fld>
             <a:endParaRPr lang="en-US" dirty="0"/>
           </a:p>
@@ -2779,7 +2779,7 @@
             </a:pPr>
             <a:r>
               <a:rPr lang="en-US" sz="1200" b="1" i="1" dirty="0"/>
-              <a:t>What components do we need to use to upgrade the SQL Server Data warehouse to SQL Server 2017 Enterprise?</a:t>
+              <a:t>What components do we need to use to upgrade the SQL Server Data warehouse to Azure SQL Database?</a:t>
             </a:r>
           </a:p>
           <a:p>
@@ -2888,7 +2888,7 @@
             </a:pPr>
             <a:r>
               <a:rPr lang="en-US" sz="1200" b="1" i="1" dirty="0"/>
-              <a:t>Identify the major milestones of delivery an upgraded SQL Server 2017 Enterprise upgrade.</a:t>
+              <a:t>Identify the major milestones of delivery an upgrading to Azure SQL Database.</a:t>
             </a:r>
           </a:p>
           <a:p>
@@ -3203,6 +3203,29 @@
               <a:defRPr/>
             </a:pPr>
             <a:endParaRPr lang="en-US" sz="1200" b="0" i="0" dirty="0"/>
+          </a:p>
+          <a:p>
+            <a:pPr marL="171450" marR="0" lvl="0" indent="-171450" algn="l" defTabSz="914400" rtl="0" eaLnBrk="1" fontAlgn="auto" latinLnBrk="0" hangingPunct="1">
+              <a:lnSpc>
+                <a:spcPct val="100000"/>
+              </a:lnSpc>
+              <a:spcBef>
+                <a:spcPts val="0"/>
+              </a:spcBef>
+              <a:spcAft>
+                <a:spcPts val="0"/>
+              </a:spcAft>
+              <a:buClrTx/>
+              <a:buSzTx/>
+              <a:buFont typeface="Arial" panose="020B0604020202020204" pitchFamily="34" charset="0"/>
+              <a:buChar char="•"/>
+              <a:tabLst/>
+              <a:defRPr/>
+            </a:pPr>
+            <a:r>
+              <a:rPr lang="en-US" sz="1200" b="0" i="0" dirty="0"/>
+              <a:t>Azure Database Migration Service</a:t>
+            </a:r>
           </a:p>
           <a:p>
             <a:pPr marL="171450" marR="0" lvl="0" indent="-171450" algn="l" defTabSz="914400" rtl="0" eaLnBrk="1" fontAlgn="auto" latinLnBrk="0" hangingPunct="1">
@@ -5952,7 +5975,7 @@
                   <a:prstClr val="black"/>
                 </a:solidFill>
               </a:rPr>
-              <a:t>5/16/2018 12:19 PM</a:t>
+              <a:t>6/21/2018 10:53 AM</a:t>
             </a:fld>
             <a:endParaRPr lang="en-US" dirty="0">
               <a:solidFill>
@@ -21343,10 +21366,10 @@
       </p:sp>
       <p:pic>
         <p:nvPicPr>
-          <p:cNvPr id="3" name="Picture 2" descr="This solution diagram is divided in to Microsoft Azure, and On Premises. Microsoft Azure includes SQL Server 2017 in a VM as an Always On Secondary, and Azure SQL Data Warehouse for a stretch table. On Premise includes the following elements: API App for vendor connections; Web App for Internet Sales Transactions; ASP.NET Core App for inventory management; SQL Server 2017 OLTP for Always On and JSON store; SSRS 2017 for Reporting of OLTP, Data Warehouse, and Cubes; SSIS 2017 for a Data Warehouse Load; Excel for reporting; SQL Server 2017 Enterprise for a Data Warehouse; and SSAS 2017 for a Data Warehouse. " title="Preferred solution diagram">
+          <p:cNvPr id="4" name="Picture 3" descr="This solution diagram is divided in to Microsoft Azure, and On Premises. Microsoft Azure includes SQL Server 2017 in a VM as an Always On Secondary, and Azure SQL Data Warehouse for a stretch table. On Premise includes the following elements: API App for vendor connections; Web App for Internet Sales Transactions; ASP.NET Core App for inventory management; SQL Server 2017 OLTP for Always On and JSON store; SSRS 2017 for Reporting of OLTP, Data Warehouse, and Cubes; SSIS 2017 for a Data Warehouse Load; Excel for reporting; SQL Server 2017 Enterprise for a Data Warehouse; and SSAS 2017 for a Data Warehouse. " title="Preferred solution diagram">
             <a:extLst>
               <a:ext uri="{FF2B5EF4-FFF2-40B4-BE49-F238E27FC236}">
-                <a16:creationId xmlns:a16="http://schemas.microsoft.com/office/drawing/2014/main" id="{297CE14B-CA24-46F7-8C5F-9866DD626926}"/>
+                <a16:creationId xmlns:a16="http://schemas.microsoft.com/office/drawing/2014/main" id="{AA575635-8D6F-4258-BD7A-0E428B2D346D}"/>
               </a:ext>
             </a:extLst>
           </p:cNvPr>
@@ -21363,8 +21386,8 @@
         </p:blipFill>
         <p:spPr>
           <a:xfrm>
-            <a:off x="1574127" y="1053867"/>
-            <a:ext cx="9043745" cy="5691181"/>
+            <a:off x="1372882" y="1189176"/>
+            <a:ext cx="9446236" cy="5511030"/>
           </a:xfrm>
           <a:prstGeom prst="rect">
             <a:avLst/>
@@ -22486,7 +22509,7 @@
         </p:spPr>
         <p:txBody>
           <a:bodyPr wrap="square" lIns="182880" tIns="146304" rIns="182880" bIns="146304" rtlCol="0">
-            <a:normAutofit fontScale="92500" lnSpcReduction="20000"/>
+            <a:normAutofit/>
           </a:bodyPr>
           <a:lstStyle/>
           <a:p>
@@ -22519,7 +22542,7 @@
                 <a:latin typeface="Segoe UI Semilight" panose="020B0402040204020203" pitchFamily="34" charset="0"/>
                 <a:cs typeface="Segoe UI Semilight" panose="020B0402040204020203" pitchFamily="34" charset="0"/>
               </a:rPr>
-              <a:t>This hands-on lab is designed to help attendees better understand how to build a Proof-of-Concept (POC) and conduct a site analysis for a customer to compare cost, performance, and level of effort required to migrate from Oracle to SQL Server. You will evaluate the dependent applications and reports that will need to be updated, and come up with a migration plan. In addition, attendees will help the customer take advantage of new SQL Server features to improve performance and resiliency, as well as explore ways to migrate from an old version of SQL Server to the newest version and consider the impact of migrating from on-premises to the cloud.</a:t>
+              <a:t>In this whiteboard design session, you will design a proof of concept (POC) for conducting a site analysis for a customer to compare cost, performance, and level of effort required to migrate from Oracle to SQL Server. You will evaluate the dependent applications and reports that will need to be updated, and come up with a migration plan. In addition, you will look at ways to help the customer take advantage of new SQL Server features to improve performance and resiliency, as well as explore ways to migrate from an old version of SQL Server to the latest version and consider the impact of migrating from on-premises to the cloud.</a:t>
             </a:r>
           </a:p>
           <a:p>
@@ -22531,7 +22554,10 @@
                 <a:spcPts val="600"/>
               </a:spcAft>
             </a:pPr>
-            <a:endParaRPr lang="en-US" sz="2400" dirty="0"/>
+            <a:endParaRPr lang="en-US" sz="2400" dirty="0">
+              <a:latin typeface="Segoe UI Semilight" panose="020B0402040204020203" pitchFamily="34" charset="0"/>
+              <a:cs typeface="Segoe UI Semilight" panose="020B0402040204020203" pitchFamily="34" charset="0"/>
+            </a:endParaRPr>
           </a:p>
           <a:p>
             <a:pPr>
@@ -22543,124 +22569,11 @@
               </a:spcAft>
             </a:pPr>
             <a:r>
-              <a:rPr lang="en-US" sz="3600" dirty="0">
-                <a:latin typeface="+mj-lt"/>
-              </a:rPr>
-              <a:t>Learning objectives</a:t>
-            </a:r>
-          </a:p>
-          <a:p>
-            <a:pPr marL="342900" indent="-342900">
-              <a:lnSpc>
-                <a:spcPct val="90000"/>
-              </a:lnSpc>
-              <a:spcAft>
-                <a:spcPts val="600"/>
-              </a:spcAft>
-              <a:buFont typeface="Arial" panose="020B0604020202020204" pitchFamily="34" charset="0"/>
-              <a:buChar char="•"/>
-            </a:pPr>
-            <a:r>
               <a:rPr lang="en-US" sz="2400" dirty="0">
                 <a:latin typeface="Segoe UI Semilight" panose="020B0402040204020203" pitchFamily="34" charset="0"/>
                 <a:cs typeface="Segoe UI Semilight" panose="020B0402040204020203" pitchFamily="34" charset="0"/>
               </a:rPr>
-              <a:t>Migrate from Oracle to SQL Server using SQL Server Migration Assistant</a:t>
-            </a:r>
-          </a:p>
-          <a:p>
-            <a:pPr marL="342900" indent="-342900">
-              <a:lnSpc>
-                <a:spcPct val="90000"/>
-              </a:lnSpc>
-              <a:spcAft>
-                <a:spcPts val="600"/>
-              </a:spcAft>
-              <a:buFont typeface="Arial" panose="020B0604020202020204" pitchFamily="34" charset="0"/>
-              <a:buChar char="•"/>
-            </a:pPr>
-            <a:r>
-              <a:rPr lang="en-US" sz="2400" dirty="0">
-                <a:latin typeface="Segoe UI Semilight" panose="020B0402040204020203" pitchFamily="34" charset="0"/>
-                <a:cs typeface="Segoe UI Semilight" panose="020B0402040204020203" pitchFamily="34" charset="0"/>
-              </a:rPr>
-              <a:t>Migration between different SQL Server editions using Data Migration Assistant</a:t>
-            </a:r>
-          </a:p>
-          <a:p>
-            <a:pPr marL="342900" indent="-342900">
-              <a:lnSpc>
-                <a:spcPct val="90000"/>
-              </a:lnSpc>
-              <a:spcAft>
-                <a:spcPts val="600"/>
-              </a:spcAft>
-              <a:buFont typeface="Arial" panose="020B0604020202020204" pitchFamily="34" charset="0"/>
-              <a:buChar char="•"/>
-            </a:pPr>
-            <a:r>
-              <a:rPr lang="en-US" sz="2400" dirty="0">
-                <a:latin typeface="Segoe UI Semilight" panose="020B0402040204020203" pitchFamily="34" charset="0"/>
-                <a:cs typeface="Segoe UI Semilight" panose="020B0402040204020203" pitchFamily="34" charset="0"/>
-              </a:rPr>
-              <a:t>Use advanced SQL Server features, such as JavaScript Object Notation (JSON) data store, table compression, Transparent Data Encryption, and clustered ColumnStore indexing</a:t>
-            </a:r>
-          </a:p>
-          <a:p>
-            <a:pPr marL="342900" indent="-342900">
-              <a:lnSpc>
-                <a:spcPct val="90000"/>
-              </a:lnSpc>
-              <a:spcAft>
-                <a:spcPts val="600"/>
-              </a:spcAft>
-              <a:buFont typeface="Arial" panose="020B0604020202020204" pitchFamily="34" charset="0"/>
-              <a:buChar char="•"/>
-            </a:pPr>
-            <a:r>
-              <a:rPr lang="en-US" sz="2400" dirty="0">
-                <a:latin typeface="Segoe UI Semilight" panose="020B0402040204020203" pitchFamily="34" charset="0"/>
-                <a:cs typeface="Segoe UI Semilight" panose="020B0402040204020203" pitchFamily="34" charset="0"/>
-              </a:rPr>
-              <a:t>Consider steps required to update existing apps to use new platform</a:t>
-            </a:r>
-          </a:p>
-          <a:p>
-            <a:pPr marL="342900" indent="-342900">
-              <a:lnSpc>
-                <a:spcPct val="90000"/>
-              </a:lnSpc>
-              <a:spcAft>
-                <a:spcPts val="600"/>
-              </a:spcAft>
-              <a:buFont typeface="Arial" panose="020B0604020202020204" pitchFamily="34" charset="0"/>
-              <a:buChar char="•"/>
-            </a:pPr>
-            <a:r>
-              <a:rPr lang="en-US" sz="2400" dirty="0">
-                <a:latin typeface="Segoe UI Semilight" panose="020B0402040204020203" pitchFamily="34" charset="0"/>
-                <a:cs typeface="Segoe UI Semilight" panose="020B0402040204020203" pitchFamily="34" charset="0"/>
-              </a:rPr>
-              <a:t>Analyze and improve database performance</a:t>
-            </a:r>
-          </a:p>
-          <a:p>
-            <a:pPr marL="342900" indent="-342900">
-              <a:lnSpc>
-                <a:spcPct val="90000"/>
-              </a:lnSpc>
-              <a:spcAft>
-                <a:spcPts val="600"/>
-              </a:spcAft>
-              <a:buFont typeface="Arial" panose="020B0604020202020204" pitchFamily="34" charset="0"/>
-              <a:buChar char="•"/>
-            </a:pPr>
-            <a:r>
-              <a:rPr lang="en-US" sz="2400" dirty="0">
-                <a:latin typeface="Segoe UI Semilight" panose="020B0402040204020203" pitchFamily="34" charset="0"/>
-                <a:cs typeface="Segoe UI Semilight" panose="020B0402040204020203" pitchFamily="34" charset="0"/>
-              </a:rPr>
-              <a:t>Implement high availability using Stretch Database and AlwaysOn Availability Groups</a:t>
+              <a:t>At the end of this whiteboard design session, you will be better able to design a database migration plan and implementation.</a:t>
             </a:r>
           </a:p>
         </p:txBody>

--- a/Whiteboard design session/WDS trainer presentation - Data platform upgrade and migration.pptx
+++ b/Whiteboard design session/WDS trainer presentation - Data platform upgrade and migration.pptx
@@ -6,7 +6,7 @@
     <p:sldMasterId id="2147483665" r:id="rId2"/>
   </p:sldMasterIdLst>
   <p:notesMasterIdLst>
-    <p:notesMasterId r:id="rId29"/>
+    <p:notesMasterId r:id="rId30"/>
   </p:notesMasterIdLst>
   <p:sldIdLst>
     <p:sldId id="300" r:id="rId3"/>
@@ -26,15 +26,16 @@
     <p:sldId id="317" r:id="rId17"/>
     <p:sldId id="316" r:id="rId18"/>
     <p:sldId id="319" r:id="rId19"/>
-    <p:sldId id="331" r:id="rId20"/>
-    <p:sldId id="333" r:id="rId21"/>
-    <p:sldId id="334" r:id="rId22"/>
-    <p:sldId id="336" r:id="rId23"/>
-    <p:sldId id="362" r:id="rId24"/>
-    <p:sldId id="363" r:id="rId25"/>
-    <p:sldId id="364" r:id="rId26"/>
-    <p:sldId id="318" r:id="rId27"/>
-    <p:sldId id="315" r:id="rId28"/>
+    <p:sldId id="365" r:id="rId20"/>
+    <p:sldId id="331" r:id="rId21"/>
+    <p:sldId id="333" r:id="rId22"/>
+    <p:sldId id="334" r:id="rId23"/>
+    <p:sldId id="336" r:id="rId24"/>
+    <p:sldId id="362" r:id="rId25"/>
+    <p:sldId id="363" r:id="rId26"/>
+    <p:sldId id="364" r:id="rId27"/>
+    <p:sldId id="318" r:id="rId28"/>
+    <p:sldId id="315" r:id="rId29"/>
   </p:sldIdLst>
   <p:sldSz cx="12192000" cy="6858000"/>
   <p:notesSz cx="6858000" cy="9144000"/>
@@ -226,7 +227,7 @@
           <a:p>
             <a:fld id="{52A13B17-C506-4D51-BB37-16B365906619}" type="datetimeFigureOut">
               <a:rPr lang="en-US" smtClean="0"/>
-              <a:t>6/21/2018</a:t>
+              <a:t>6/28/2018</a:t>
             </a:fld>
             <a:endParaRPr lang="en-US" dirty="0"/>
           </a:p>
@@ -1829,7 +1830,7 @@
                 <a:ea typeface="+mn-ea"/>
                 <a:cs typeface="+mn-cs"/>
               </a:rPr>
-              <a:t>How would you recommend that WWI move their data and schema into SQL Server? What services would you suggest and what are the specific steps they would need to take to prepare the data, to transfer the data, and where would the loaded data land?</a:t>
+              <a:t>How would you recommend that WWI move their data warehouse (SQL Server 2008 R2) data and schema into Azure SQL Database? What services would you suggest and what are the specific steps they would need to take to prepare the data, to transfer the data, and where would the loaded data land?</a:t>
             </a:r>
           </a:p>
           <a:p>
@@ -1857,7 +1858,7 @@
                 <a:ea typeface="+mn-ea"/>
                 <a:cs typeface="+mn-cs"/>
               </a:rPr>
-              <a:t>SQL Server Migration Assistant (SSMA) was specifically created and supported by Microsoft to help Oracle customers move their schema and data over to Microsoft SQL Server</a:t>
+              <a:t>Azure Database Migration Service (DMS) was created and supported by Microsoft to help customers migration their on-premises SQL databases into the cloud, targeting either Azure SQL Database or Managed Instance.</a:t>
             </a:r>
           </a:p>
           <a:p>
@@ -1888,22 +1889,11 @@
                 <a:ea typeface="+mn-ea"/>
                 <a:cs typeface="+mn-cs"/>
               </a:rPr>
-              <a:t>First you create a new project. Then you connect to the Oracle source database. Then connect to the SQL Server destination database. Map Oracle schemas to SQL Server schemas. Then you can load the Oracle schemas into the SQL Server schemas. Prior to synchronizing the objects into the SQL Server database, the SSMA for Oracle assemblies must be marked as trusted assemblies, so the synchronization can complete successfully. Once that is completed, synchronize all the objects. Lastly, you can move all the data into SQL Server.</a:t>
-            </a:r>
-          </a:p>
-          <a:p>
-            <a:pPr rtl="0"/>
-            <a:endParaRPr lang="en-US" sz="1200" b="0" i="0" u="none" strike="noStrike" kern="1200" baseline="0" dirty="0">
-              <a:solidFill>
-                <a:schemeClr val="tx1"/>
-              </a:solidFill>
-              <a:latin typeface="+mn-lt"/>
-              <a:ea typeface="+mn-ea"/>
-              <a:cs typeface="+mn-cs"/>
-            </a:endParaRPr>
-          </a:p>
-          <a:p>
-            <a:pPr marL="171450" indent="-171450" rtl="0">
+              <a:t>To migrate using DMS:</a:t>
+            </a:r>
+          </a:p>
+          <a:p>
+            <a:pPr marL="628650" lvl="1" indent="-171450" rtl="0">
               <a:buFont typeface="Arial" panose="020B0604020202020204" pitchFamily="34" charset="0"/>
               <a:buChar char="•"/>
             </a:pPr>
@@ -1916,25 +1906,11 @@
                 <a:ea typeface="+mn-ea"/>
                 <a:cs typeface="+mn-cs"/>
               </a:rPr>
-              <a:t>You can also use SSMA to create scripts that you can modify by hand, if you’re more comfortable looking at the objects one at a time</a:t>
-            </a:r>
-          </a:p>
-          <a:p>
-            <a:pPr marL="0" indent="0" rtl="0">
-              <a:buFont typeface="Arial" panose="020B0604020202020204" pitchFamily="34" charset="0"/>
-              <a:buNone/>
-            </a:pPr>
-            <a:endParaRPr lang="en-US" sz="1200" b="0" i="0" u="none" strike="noStrike" kern="1200" baseline="0" dirty="0">
-              <a:solidFill>
-                <a:schemeClr val="tx1"/>
-              </a:solidFill>
-              <a:latin typeface="+mn-lt"/>
-              <a:ea typeface="+mn-ea"/>
-              <a:cs typeface="+mn-cs"/>
-            </a:endParaRPr>
-          </a:p>
-          <a:p>
-            <a:pPr marL="171450" indent="-171450" rtl="0">
+              <a:t>Create target database</a:t>
+            </a:r>
+          </a:p>
+          <a:p>
+            <a:pPr marL="628650" lvl="1" indent="-171450" rtl="0">
               <a:buFont typeface="Arial" panose="020B0604020202020204" pitchFamily="34" charset="0"/>
               <a:buChar char="•"/>
             </a:pPr>
@@ -1947,7 +1923,75 @@
                 <a:ea typeface="+mn-ea"/>
                 <a:cs typeface="+mn-cs"/>
               </a:rPr>
-              <a:t>You can also use SSMA to only migrate the schema and then use another tool to load the data, like SSIS. This might be a better option if you are planning to run both databases in tandem with each other.</a:t>
+              <a:t>Perform an assessment with Data Migration Assistant (DMA) on the source database to identity any potential issues that need to be address prior to a cloud migration</a:t>
+            </a:r>
+          </a:p>
+          <a:p>
+            <a:pPr marL="628650" lvl="1" indent="-171450" rtl="0">
+              <a:buFont typeface="Arial" panose="020B0604020202020204" pitchFamily="34" charset="0"/>
+              <a:buChar char="•"/>
+            </a:pPr>
+            <a:r>
+              <a:rPr lang="en-US" sz="1200" b="0" i="0" u="none" strike="noStrike" kern="1200" baseline="0" dirty="0">
+                <a:solidFill>
+                  <a:schemeClr val="tx1"/>
+                </a:solidFill>
+                <a:latin typeface="+mn-lt"/>
+                <a:ea typeface="+mn-ea"/>
+                <a:cs typeface="+mn-cs"/>
+              </a:rPr>
+              <a:t>Create a new migration project</a:t>
+            </a:r>
+          </a:p>
+          <a:p>
+            <a:pPr marL="628650" lvl="1" indent="-171450" rtl="0">
+              <a:buFont typeface="Arial" panose="020B0604020202020204" pitchFamily="34" charset="0"/>
+              <a:buChar char="•"/>
+            </a:pPr>
+            <a:r>
+              <a:rPr lang="en-US" sz="1200" b="0" i="0" u="none" strike="noStrike" kern="1200" baseline="0" dirty="0">
+                <a:solidFill>
+                  <a:schemeClr val="tx1"/>
+                </a:solidFill>
+                <a:latin typeface="+mn-lt"/>
+                <a:ea typeface="+mn-ea"/>
+                <a:cs typeface="+mn-cs"/>
+              </a:rPr>
+              <a:t>Migrate the schema using DMA</a:t>
+            </a:r>
+          </a:p>
+          <a:p>
+            <a:pPr marL="628650" lvl="1" indent="-171450" rtl="0">
+              <a:buFont typeface="Arial" panose="020B0604020202020204" pitchFamily="34" charset="0"/>
+              <a:buChar char="•"/>
+            </a:pPr>
+            <a:r>
+              <a:rPr lang="en-US" sz="1200" b="0" i="0" u="none" strike="noStrike" kern="1200" baseline="0" dirty="0">
+                <a:solidFill>
+                  <a:schemeClr val="tx1"/>
+                </a:solidFill>
+                <a:latin typeface="+mn-lt"/>
+                <a:ea typeface="+mn-ea"/>
+                <a:cs typeface="+mn-cs"/>
+              </a:rPr>
+              <a:t>Migrate the data using DMS</a:t>
+            </a:r>
+          </a:p>
+          <a:p>
+            <a:pPr marL="628650" lvl="1" indent="-171450" rtl="0">
+              <a:buFont typeface="Arial" panose="020B0604020202020204" pitchFamily="34" charset="0"/>
+              <a:buChar char="•"/>
+            </a:pPr>
+            <a:r>
+              <a:rPr lang="en-US" sz="1200" b="0" i="0" u="none" strike="noStrike" kern="1200" baseline="0" dirty="0">
+                <a:solidFill>
+                  <a:schemeClr val="tx1"/>
+                </a:solidFill>
+                <a:latin typeface="+mn-lt"/>
+                <a:ea typeface="+mn-ea"/>
+                <a:cs typeface="+mn-cs"/>
+              </a:rPr>
+              <a:t>Perform a manual switchover of your production environment to the new cloud database</a:t>
             </a:r>
           </a:p>
         </p:txBody>
@@ -2032,440 +2076,136 @@
           <a:bodyPr/>
           <a:lstStyle/>
           <a:p>
-            <a:pPr lvl="0"/>
-            <a:r>
-              <a:rPr lang="en-US" sz="1200" b="1" i="1" kern="1200" dirty="0">
+            <a:pPr rtl="0"/>
+            <a:r>
+              <a:rPr lang="en-US" sz="1200" b="1" i="1" u="none" strike="noStrike" kern="1200" baseline="0" dirty="0">
                 <a:solidFill>
                   <a:schemeClr val="tx1"/>
                 </a:solidFill>
-                <a:effectLst/>
                 <a:latin typeface="+mn-lt"/>
                 <a:ea typeface="+mn-ea"/>
                 <a:cs typeface="+mn-cs"/>
               </a:rPr>
-              <a:t>What product would you recommend WWI to migrate their store front MVC application to the new SQL Server database?</a:t>
-            </a:r>
-            <a:endParaRPr lang="en-US" b="1" i="1" dirty="0">
-              <a:effectLst/>
+              <a:t>How would you recommend that WWI move their data and schema into SQL Server? What services would you suggest and what are the specific steps they would need to take to prepare the data, to transfer the data, and where would the loaded data land?</a:t>
+            </a:r>
+          </a:p>
+          <a:p>
+            <a:pPr rtl="0"/>
+            <a:endParaRPr lang="en-US" sz="1200" b="1" i="1" u="none" strike="noStrike" kern="1200" baseline="0" dirty="0">
+              <a:solidFill>
+                <a:schemeClr val="tx1"/>
+              </a:solidFill>
+              <a:latin typeface="+mn-lt"/>
+              <a:ea typeface="+mn-ea"/>
+              <a:cs typeface="+mn-cs"/>
             </a:endParaRPr>
           </a:p>
           <a:p>
-            <a:r>
-              <a:rPr lang="en-US" sz="1200" i="1" kern="1200" dirty="0">
+            <a:pPr marL="171450" indent="-171450" rtl="0">
+              <a:buFont typeface="Arial" panose="020B0604020202020204" pitchFamily="34" charset="0"/>
+              <a:buChar char="•"/>
+            </a:pPr>
+            <a:r>
+              <a:rPr lang="en-US" sz="1200" b="0" i="0" u="none" strike="noStrike" kern="1200" baseline="0" dirty="0">
                 <a:solidFill>
                   <a:schemeClr val="tx1"/>
                 </a:solidFill>
-                <a:effectLst/>
                 <a:latin typeface="+mn-lt"/>
                 <a:ea typeface="+mn-ea"/>
                 <a:cs typeface="+mn-cs"/>
               </a:rPr>
-              <a:t> </a:t>
-            </a:r>
-            <a:endParaRPr lang="en-US" dirty="0">
-              <a:effectLst/>
+              <a:t>SQL Server Migration Assistant (SSMA) was specifically created and supported by Microsoft to help Oracle customers move their schema and data over to Microsoft SQL Server</a:t>
+            </a:r>
+          </a:p>
+          <a:p>
+            <a:pPr marL="0" indent="0" rtl="0">
+              <a:buFont typeface="Arial" panose="020B0604020202020204" pitchFamily="34" charset="0"/>
+              <a:buNone/>
+            </a:pPr>
+            <a:endParaRPr lang="en-US" sz="1200" b="0" i="0" u="none" strike="noStrike" kern="1200" baseline="0" dirty="0">
+              <a:solidFill>
+                <a:schemeClr val="tx1"/>
+              </a:solidFill>
+              <a:latin typeface="+mn-lt"/>
+              <a:ea typeface="+mn-ea"/>
+              <a:cs typeface="+mn-cs"/>
             </a:endParaRPr>
           </a:p>
           <a:p>
-            <a:pPr marL="171450" indent="-171450">
+            <a:pPr marL="171450" indent="-171450" rtl="0">
               <a:buFont typeface="Arial" panose="020B0604020202020204" pitchFamily="34" charset="0"/>
               <a:buChar char="•"/>
             </a:pPr>
             <a:r>
-              <a:rPr lang="en-US" sz="1200" kern="1200" dirty="0">
+              <a:rPr lang="en-US" sz="1200" b="0" i="0" u="none" strike="noStrike" kern="1200" baseline="0" dirty="0">
                 <a:solidFill>
                   <a:schemeClr val="tx1"/>
                 </a:solidFill>
-                <a:effectLst/>
                 <a:latin typeface="+mn-lt"/>
                 <a:ea typeface="+mn-ea"/>
                 <a:cs typeface="+mn-cs"/>
               </a:rPr>
-              <a:t>A specific product might not be needed, but you might evaluate whether they are using an ORM or not. If they are using Entity Framework, Dapper, or nHibernate, then the application should migrate much more easily.</a:t>
-            </a:r>
-          </a:p>
-          <a:p>
-            <a:pPr marL="628650" lvl="1" indent="-171450">
+              <a:t>First you create a new project. Then you connect to the Oracle source database. Then connect to the SQL Server destination database. Map Oracle schemas to SQL Server schemas. Then you can load the Oracle schemas into the SQL Server schemas. Prior to synchronizing the objects into the SQL Server database, the SSMA for Oracle assemblies must be marked as trusted assemblies, so the synchronization can complete successfully. Once that is completed, synchronize all the objects. Lastly, you can move all the data into SQL Server.</a:t>
+            </a:r>
+          </a:p>
+          <a:p>
+            <a:pPr rtl="0"/>
+            <a:endParaRPr lang="en-US" sz="1200" b="0" i="0" u="none" strike="noStrike" kern="1200" baseline="0" dirty="0">
+              <a:solidFill>
+                <a:schemeClr val="tx1"/>
+              </a:solidFill>
+              <a:latin typeface="+mn-lt"/>
+              <a:ea typeface="+mn-ea"/>
+              <a:cs typeface="+mn-cs"/>
+            </a:endParaRPr>
+          </a:p>
+          <a:p>
+            <a:pPr marL="171450" indent="-171450" rtl="0">
               <a:buFont typeface="Arial" panose="020B0604020202020204" pitchFamily="34" charset="0"/>
               <a:buChar char="•"/>
             </a:pPr>
             <a:r>
-              <a:rPr lang="en-US" sz="1200" kern="1200" dirty="0">
+              <a:rPr lang="en-US" sz="1200" b="0" i="0" u="none" strike="noStrike" kern="1200" baseline="0" dirty="0">
                 <a:solidFill>
                   <a:schemeClr val="tx1"/>
                 </a:solidFill>
-                <a:effectLst/>
                 <a:latin typeface="+mn-lt"/>
                 <a:ea typeface="+mn-ea"/>
                 <a:cs typeface="+mn-cs"/>
               </a:rPr>
-              <a:t>If they didn’t use an ORM, then much of the data-layer code will need to be rewritten</a:t>
-            </a:r>
-          </a:p>
-          <a:p>
-            <a:pPr marL="628650" lvl="1" indent="-171450">
+              <a:t>You can also use SSMA to create scripts that you can modify by hand, if you’re more comfortable looking at the objects one at a time</a:t>
+            </a:r>
+          </a:p>
+          <a:p>
+            <a:pPr marL="0" indent="0" rtl="0">
+              <a:buFont typeface="Arial" panose="020B0604020202020204" pitchFamily="34" charset="0"/>
+              <a:buNone/>
+            </a:pPr>
+            <a:endParaRPr lang="en-US" sz="1200" b="0" i="0" u="none" strike="noStrike" kern="1200" baseline="0" dirty="0">
+              <a:solidFill>
+                <a:schemeClr val="tx1"/>
+              </a:solidFill>
+              <a:latin typeface="+mn-lt"/>
+              <a:ea typeface="+mn-ea"/>
+              <a:cs typeface="+mn-cs"/>
+            </a:endParaRPr>
+          </a:p>
+          <a:p>
+            <a:pPr marL="171450" indent="-171450" rtl="0">
               <a:buFont typeface="Arial" panose="020B0604020202020204" pitchFamily="34" charset="0"/>
               <a:buChar char="•"/>
             </a:pPr>
             <a:r>
-              <a:rPr lang="en-US" sz="1200" kern="1200" dirty="0">
+              <a:rPr lang="en-US" sz="1200" b="0" i="0" u="none" strike="noStrike" kern="1200" baseline="0" dirty="0">
                 <a:solidFill>
                   <a:schemeClr val="tx1"/>
                 </a:solidFill>
-                <a:effectLst/>
                 <a:latin typeface="+mn-lt"/>
                 <a:ea typeface="+mn-ea"/>
                 <a:cs typeface="+mn-cs"/>
               </a:rPr>
-              <a:t>If this code is consolidated, and only plain old CLR objects (POCOs) are being handed back using the repository pattern, then we might be able to replace the entire tier with Entity Framework or another object-relational mapping (ORM) tool</a:t>
-            </a:r>
-          </a:p>
-          <a:p>
-            <a:pPr marL="628650" lvl="1" indent="-171450">
-              <a:buFont typeface="Arial" panose="020B0604020202020204" pitchFamily="34" charset="0"/>
-              <a:buChar char="•"/>
-            </a:pPr>
-            <a:r>
-              <a:rPr lang="en-US" sz="1200" kern="1200" dirty="0">
-                <a:solidFill>
-                  <a:schemeClr val="tx1"/>
-                </a:solidFill>
-                <a:effectLst/>
-                <a:latin typeface="+mn-lt"/>
-                <a:ea typeface="+mn-ea"/>
-                <a:cs typeface="+mn-cs"/>
-              </a:rPr>
-              <a:t>If there has been bleeding between the layers, then this process might be significantly more difficult</a:t>
-            </a:r>
-          </a:p>
-          <a:p>
-            <a:pPr marL="171450" lvl="0" indent="-171450">
-              <a:buFont typeface="Arial" panose="020B0604020202020204" pitchFamily="34" charset="0"/>
-              <a:buChar char="•"/>
-            </a:pPr>
-            <a:r>
-              <a:rPr lang="en-US" sz="1200" kern="1200" dirty="0">
-                <a:solidFill>
-                  <a:schemeClr val="tx1"/>
-                </a:solidFill>
-                <a:effectLst/>
-                <a:latin typeface="+mn-lt"/>
-                <a:ea typeface="+mn-ea"/>
-                <a:cs typeface="+mn-cs"/>
-              </a:rPr>
-              <a:t>The entire store front application would need to be refactored and tested eventually</a:t>
-            </a:r>
-          </a:p>
-          <a:p>
-            <a:pPr marL="171450" lvl="0" indent="-171450">
-              <a:buFont typeface="Arial" panose="020B0604020202020204" pitchFamily="34" charset="0"/>
-              <a:buChar char="•"/>
-            </a:pPr>
-            <a:r>
-              <a:rPr lang="en-US" sz="1200" kern="1200" dirty="0">
-                <a:solidFill>
-                  <a:schemeClr val="tx1"/>
-                </a:solidFill>
-                <a:effectLst/>
-                <a:latin typeface="+mn-lt"/>
-                <a:ea typeface="+mn-ea"/>
-                <a:cs typeface="+mn-cs"/>
-              </a:rPr>
-              <a:t>For the POC, they are looking to switch the connection string, test several pages related to an order, and get a good idea on the work that would be necessary to get that to work.</a:t>
-            </a:r>
-            <a:endParaRPr lang="en-US" dirty="0">
-              <a:effectLst/>
-            </a:endParaRPr>
-          </a:p>
-          <a:p>
-            <a:r>
-              <a:rPr lang="en-US" sz="1200" kern="1200" dirty="0">
-                <a:solidFill>
-                  <a:schemeClr val="tx1"/>
-                </a:solidFill>
-                <a:effectLst/>
-                <a:latin typeface="+mn-lt"/>
-                <a:ea typeface="+mn-ea"/>
-                <a:cs typeface="+mn-cs"/>
-              </a:rPr>
-              <a:t> </a:t>
-            </a:r>
-            <a:endParaRPr lang="en-US" dirty="0">
-              <a:effectLst/>
-            </a:endParaRPr>
-          </a:p>
-          <a:p>
-            <a:pPr lvl="0"/>
-            <a:r>
-              <a:rPr lang="en-US" sz="1200" b="1" i="1" kern="1200" dirty="0">
-                <a:solidFill>
-                  <a:schemeClr val="tx1"/>
-                </a:solidFill>
-                <a:effectLst/>
-                <a:latin typeface="+mn-lt"/>
-                <a:ea typeface="+mn-ea"/>
-                <a:cs typeface="+mn-cs"/>
-              </a:rPr>
-              <a:t>How would you migrate the Oracle Forms applications? How would you define success? Are there any technologies the customer needs to know about?</a:t>
-            </a:r>
-            <a:endParaRPr lang="en-US" b="1" dirty="0">
-              <a:effectLst/>
-            </a:endParaRPr>
-          </a:p>
-          <a:p>
-            <a:r>
-              <a:rPr lang="en-US" sz="1200" i="1" kern="1200" dirty="0">
-                <a:solidFill>
-                  <a:schemeClr val="tx1"/>
-                </a:solidFill>
-                <a:effectLst/>
-                <a:latin typeface="+mn-lt"/>
-                <a:ea typeface="+mn-ea"/>
-                <a:cs typeface="+mn-cs"/>
-              </a:rPr>
-              <a:t> </a:t>
-            </a:r>
-            <a:endParaRPr lang="en-US" dirty="0">
-              <a:effectLst/>
-            </a:endParaRPr>
-          </a:p>
-          <a:p>
-            <a:pPr marL="171450" indent="-171450">
-              <a:buFont typeface="Arial" panose="020B0604020202020204" pitchFamily="34" charset="0"/>
-              <a:buChar char="•"/>
-            </a:pPr>
-            <a:r>
-              <a:rPr lang="en-US" sz="1200" kern="1200" dirty="0">
-                <a:solidFill>
-                  <a:schemeClr val="tx1"/>
-                </a:solidFill>
-                <a:effectLst/>
-                <a:latin typeface="+mn-lt"/>
-                <a:ea typeface="+mn-ea"/>
-                <a:cs typeface="+mn-cs"/>
-              </a:rPr>
-              <a:t>The Oracle Forms application will need to be completely rewritten</a:t>
-            </a:r>
-          </a:p>
-          <a:p>
-            <a:pPr marL="628650" lvl="1" indent="-171450">
-              <a:buFont typeface="Arial" panose="020B0604020202020204" pitchFamily="34" charset="0"/>
-              <a:buChar char="•"/>
-            </a:pPr>
-            <a:r>
-              <a:rPr lang="en-US" sz="1200" kern="1200" dirty="0">
-                <a:solidFill>
-                  <a:schemeClr val="tx1"/>
-                </a:solidFill>
-                <a:effectLst/>
-                <a:latin typeface="+mn-lt"/>
-                <a:ea typeface="+mn-ea"/>
-                <a:cs typeface="+mn-cs"/>
-              </a:rPr>
-              <a:t>There is guidance from Microsoft on how to do that to Visual Basic.NET</a:t>
-            </a:r>
-          </a:p>
-          <a:p>
-            <a:pPr marL="628650" lvl="1" indent="-171450">
-              <a:buFont typeface="Arial" panose="020B0604020202020204" pitchFamily="34" charset="0"/>
-              <a:buChar char="•"/>
-            </a:pPr>
-            <a:r>
-              <a:rPr lang="en-US" sz="1200" kern="1200" dirty="0">
-                <a:solidFill>
-                  <a:schemeClr val="tx1"/>
-                </a:solidFill>
-                <a:effectLst/>
-                <a:latin typeface="+mn-lt"/>
-                <a:ea typeface="+mn-ea"/>
-                <a:cs typeface="+mn-cs"/>
-              </a:rPr>
-              <a:t>There are third party tools that will attempt to automatically rebuild an Oracle Forms application to Windows Presentation Foundation (WPF) and Model-View-ViewModel (MVVM)</a:t>
-            </a:r>
-          </a:p>
-          <a:p>
-            <a:pPr marL="628650" lvl="1" indent="-171450">
-              <a:buFont typeface="Arial" panose="020B0604020202020204" pitchFamily="34" charset="0"/>
-              <a:buChar char="•"/>
-            </a:pPr>
-            <a:r>
-              <a:rPr lang="en-US" sz="1200" kern="1200" dirty="0">
-                <a:solidFill>
-                  <a:schemeClr val="tx1"/>
-                </a:solidFill>
-                <a:effectLst/>
-                <a:latin typeface="+mn-lt"/>
-                <a:ea typeface="+mn-ea"/>
-                <a:cs typeface="+mn-cs"/>
-              </a:rPr>
-              <a:t>You can also rewrite this by hand into any technology the client would like</a:t>
-            </a:r>
-            <a:endParaRPr lang="en-US" dirty="0">
-              <a:effectLst/>
-            </a:endParaRPr>
-          </a:p>
-          <a:p>
-            <a:pPr marL="171450" indent="-171450">
-              <a:buFont typeface="Arial" panose="020B0604020202020204" pitchFamily="34" charset="0"/>
-              <a:buChar char="•"/>
-            </a:pPr>
-            <a:r>
-              <a:rPr lang="en-US" sz="1200" kern="1200" dirty="0">
-                <a:solidFill>
-                  <a:schemeClr val="tx1"/>
-                </a:solidFill>
-                <a:effectLst/>
-                <a:latin typeface="+mn-lt"/>
-                <a:ea typeface="+mn-ea"/>
-                <a:cs typeface="+mn-cs"/>
-              </a:rPr>
-              <a:t>Oracle Forms applications cannot be easily cloud hosted. This application would eventually need to be rewritten if they’d like new experiences like a mobile experience, a tablet application, or hosted in Microsoft Azure.</a:t>
-            </a:r>
-            <a:endParaRPr lang="en-US" dirty="0">
-              <a:effectLst/>
-            </a:endParaRPr>
-          </a:p>
-          <a:p>
-            <a:r>
-              <a:rPr lang="en-US" sz="1200" kern="1200" dirty="0">
-                <a:solidFill>
-                  <a:schemeClr val="tx1"/>
-                </a:solidFill>
-                <a:effectLst/>
-                <a:latin typeface="+mn-lt"/>
-                <a:ea typeface="+mn-ea"/>
-                <a:cs typeface="+mn-cs"/>
-              </a:rPr>
-              <a:t> </a:t>
-            </a:r>
-            <a:endParaRPr lang="en-US" dirty="0">
-              <a:effectLst/>
-            </a:endParaRPr>
-          </a:p>
-          <a:p>
-            <a:pPr lvl="0"/>
-            <a:r>
-              <a:rPr lang="en-US" sz="1200" b="1" i="1" kern="1200" dirty="0">
-                <a:solidFill>
-                  <a:schemeClr val="tx1"/>
-                </a:solidFill>
-                <a:effectLst/>
-                <a:latin typeface="+mn-lt"/>
-                <a:ea typeface="+mn-ea"/>
-                <a:cs typeface="+mn-cs"/>
-              </a:rPr>
-              <a:t>What will you do about the vendor touch points? How will you recommend they store the JSON data? The REST services need to be approached the same way the MVC store front application is approached. If they’ve used an ORM, then we can just repoint the connectionStrings and redeployed.</a:t>
-            </a:r>
-            <a:endParaRPr lang="en-US" b="1" dirty="0">
-              <a:effectLst/>
-            </a:endParaRPr>
-          </a:p>
-          <a:p>
-            <a:r>
-              <a:rPr lang="en-US" sz="1200" kern="1200" dirty="0">
-                <a:solidFill>
-                  <a:schemeClr val="tx1"/>
-                </a:solidFill>
-                <a:effectLst/>
-                <a:latin typeface="+mn-lt"/>
-                <a:ea typeface="+mn-ea"/>
-                <a:cs typeface="+mn-cs"/>
-              </a:rPr>
-              <a:t> </a:t>
-            </a:r>
-            <a:endParaRPr lang="en-US" dirty="0">
-              <a:effectLst/>
-            </a:endParaRPr>
-          </a:p>
-          <a:p>
-            <a:pPr marL="171450" indent="-171450">
-              <a:buFont typeface="Arial" panose="020B0604020202020204" pitchFamily="34" charset="0"/>
-              <a:buChar char="•"/>
-            </a:pPr>
-            <a:r>
-              <a:rPr lang="en-US" sz="1200" kern="1200" dirty="0">
-                <a:solidFill>
-                  <a:schemeClr val="tx1"/>
-                </a:solidFill>
-                <a:effectLst/>
-                <a:latin typeface="+mn-lt"/>
-                <a:ea typeface="+mn-ea"/>
-                <a:cs typeface="+mn-cs"/>
-              </a:rPr>
-              <a:t>JSON data can be stored in a varchar field in SQL Server</a:t>
-            </a:r>
-          </a:p>
-          <a:p>
-            <a:pPr marL="628650" lvl="1" indent="-171450">
-              <a:buFont typeface="Arial" panose="020B0604020202020204" pitchFamily="34" charset="0"/>
-              <a:buChar char="•"/>
-            </a:pPr>
-            <a:r>
-              <a:rPr lang="en-US" sz="1200" kern="1200" dirty="0">
-                <a:solidFill>
-                  <a:schemeClr val="tx1"/>
-                </a:solidFill>
-                <a:effectLst/>
-                <a:latin typeface="+mn-lt"/>
-                <a:ea typeface="+mn-ea"/>
-                <a:cs typeface="+mn-cs"/>
-              </a:rPr>
-              <a:t>Managed through the JSON functions of SQL Server 2017</a:t>
-            </a:r>
-          </a:p>
-          <a:p>
-            <a:pPr marL="628650" lvl="1" indent="-171450">
-              <a:buFont typeface="Arial" panose="020B0604020202020204" pitchFamily="34" charset="0"/>
-              <a:buChar char="•"/>
-            </a:pPr>
-            <a:r>
-              <a:rPr lang="en-US" sz="1200" kern="1200" dirty="0">
-                <a:solidFill>
-                  <a:schemeClr val="tx1"/>
-                </a:solidFill>
-                <a:effectLst/>
-                <a:latin typeface="+mn-lt"/>
-                <a:ea typeface="+mn-ea"/>
-                <a:cs typeface="+mn-cs"/>
-              </a:rPr>
-              <a:t>They can be queried and indexed through the JSON features</a:t>
-            </a:r>
-          </a:p>
-          <a:p>
-            <a:pPr marL="171450" marR="0" lvl="0" indent="-171450" algn="l" defTabSz="914400" rtl="0" eaLnBrk="1" fontAlgn="auto" latinLnBrk="0" hangingPunct="1">
-              <a:lnSpc>
-                <a:spcPct val="100000"/>
-              </a:lnSpc>
-              <a:spcBef>
-                <a:spcPts val="0"/>
-              </a:spcBef>
-              <a:spcAft>
-                <a:spcPts val="0"/>
-              </a:spcAft>
-              <a:buClrTx/>
-              <a:buSzTx/>
-              <a:buFont typeface="Arial" panose="020B0604020202020204" pitchFamily="34" charset="0"/>
-              <a:buChar char="•"/>
-              <a:tabLst/>
-              <a:defRPr/>
-            </a:pPr>
-            <a:r>
-              <a:rPr lang="en-US" dirty="0">
-                <a:solidFill>
-                  <a:schemeClr val="bg1"/>
-                </a:solidFill>
-              </a:rPr>
-              <a:t>The REST services need to be approached the same way the MVC store front application is approached. If they’ve used an ORM, then it is likely we can repoint the connectionStrings and redeploy.</a:t>
-            </a:r>
-          </a:p>
-          <a:p>
-            <a:pPr marL="171450" indent="-171450">
-              <a:buFont typeface="Arial" panose="020B0604020202020204" pitchFamily="34" charset="0"/>
-              <a:buChar char="•"/>
-            </a:pPr>
-            <a:endParaRPr lang="en-US" dirty="0">
-              <a:effectLst/>
-            </a:endParaRPr>
+              <a:t>You can also use SSMA to only migrate the schema and then use another tool to load the data, like SSIS. This might be a better option if you are planning to run both databases in tandem with each other.</a:t>
+            </a:r>
           </a:p>
         </p:txBody>
       </p:sp>
@@ -2495,7 +2235,7 @@
     </p:spTree>
     <p:extLst>
       <p:ext uri="{BB962C8B-B14F-4D97-AF65-F5344CB8AC3E}">
-        <p14:creationId xmlns:p14="http://schemas.microsoft.com/office/powerpoint/2010/main" val="4148273760"/>
+        <p14:creationId xmlns:p14="http://schemas.microsoft.com/office/powerpoint/2010/main" val="2501101502"/>
       </p:ext>
     </p:extLst>
   </p:cSld>
@@ -2549,47 +2289,404 @@
           <a:bodyPr/>
           <a:lstStyle/>
           <a:p>
-            <a:pPr marL="0" marR="0" lvl="0" indent="0" algn="l" defTabSz="914400" rtl="0" eaLnBrk="1" fontAlgn="auto" latinLnBrk="0" hangingPunct="1">
-              <a:lnSpc>
-                <a:spcPct val="100000"/>
-              </a:lnSpc>
-              <a:spcBef>
-                <a:spcPts val="0"/>
-              </a:spcBef>
-              <a:spcAft>
-                <a:spcPts val="0"/>
-              </a:spcAft>
-              <a:buClrTx/>
-              <a:buSzTx/>
-              <a:buFontTx/>
-              <a:buNone/>
-              <a:tabLst/>
-              <a:defRPr/>
-            </a:pPr>
-            <a:r>
-              <a:rPr lang="en-US" sz="1200" b="1" i="1" dirty="0"/>
-              <a:t>How can they discover what reports and Excel spreadsheets that hit the Oracle database need to be upgraded? What’s a proper upgrade path?</a:t>
-            </a:r>
-          </a:p>
-          <a:p>
-            <a:pPr marL="0" marR="0" lvl="0" indent="0" algn="l" defTabSz="914400" rtl="0" eaLnBrk="1" fontAlgn="auto" latinLnBrk="0" hangingPunct="1">
-              <a:lnSpc>
-                <a:spcPct val="100000"/>
-              </a:lnSpc>
-              <a:spcBef>
-                <a:spcPts val="0"/>
-              </a:spcBef>
-              <a:spcAft>
-                <a:spcPts val="0"/>
-              </a:spcAft>
-              <a:buClrTx/>
-              <a:buSzTx/>
-              <a:buFontTx/>
-              <a:buNone/>
-              <a:tabLst/>
-              <a:defRPr/>
-            </a:pPr>
-            <a:endParaRPr lang="en-US" sz="1200" b="0" i="0" dirty="0"/>
+            <a:pPr lvl="0"/>
+            <a:r>
+              <a:rPr lang="en-US" sz="1200" b="1" i="1" kern="1200" dirty="0">
+                <a:solidFill>
+                  <a:schemeClr val="tx1"/>
+                </a:solidFill>
+                <a:effectLst/>
+                <a:latin typeface="+mn-lt"/>
+                <a:ea typeface="+mn-ea"/>
+                <a:cs typeface="+mn-cs"/>
+              </a:rPr>
+              <a:t>What product would you recommend WWI to migrate their store front MVC application to the new SQL Server database?</a:t>
+            </a:r>
+            <a:endParaRPr lang="en-US" b="1" i="1" dirty="0">
+              <a:effectLst/>
+            </a:endParaRPr>
+          </a:p>
+          <a:p>
+            <a:r>
+              <a:rPr lang="en-US" sz="1200" i="1" kern="1200" dirty="0">
+                <a:solidFill>
+                  <a:schemeClr val="tx1"/>
+                </a:solidFill>
+                <a:effectLst/>
+                <a:latin typeface="+mn-lt"/>
+                <a:ea typeface="+mn-ea"/>
+                <a:cs typeface="+mn-cs"/>
+              </a:rPr>
+              <a:t> </a:t>
+            </a:r>
+            <a:endParaRPr lang="en-US" dirty="0">
+              <a:effectLst/>
+            </a:endParaRPr>
+          </a:p>
+          <a:p>
+            <a:pPr marL="171450" indent="-171450">
+              <a:buFont typeface="Arial" panose="020B0604020202020204" pitchFamily="34" charset="0"/>
+              <a:buChar char="•"/>
+            </a:pPr>
+            <a:r>
+              <a:rPr lang="en-US" sz="1200" kern="1200" dirty="0">
+                <a:solidFill>
+                  <a:schemeClr val="tx1"/>
+                </a:solidFill>
+                <a:effectLst/>
+                <a:latin typeface="+mn-lt"/>
+                <a:ea typeface="+mn-ea"/>
+                <a:cs typeface="+mn-cs"/>
+              </a:rPr>
+              <a:t>A specific product might not be needed, but you might evaluate whether they are using an ORM or not. If they are using Entity Framework, Dapper, or nHibernate, then the application should migrate much more easily.</a:t>
+            </a:r>
+          </a:p>
+          <a:p>
+            <a:pPr marL="628650" lvl="1" indent="-171450">
+              <a:buFont typeface="Arial" panose="020B0604020202020204" pitchFamily="34" charset="0"/>
+              <a:buChar char="•"/>
+            </a:pPr>
+            <a:r>
+              <a:rPr lang="en-US" sz="1200" kern="1200" dirty="0">
+                <a:solidFill>
+                  <a:schemeClr val="tx1"/>
+                </a:solidFill>
+                <a:effectLst/>
+                <a:latin typeface="+mn-lt"/>
+                <a:ea typeface="+mn-ea"/>
+                <a:cs typeface="+mn-cs"/>
+              </a:rPr>
+              <a:t>If they didn’t use an ORM, then much of the data-layer code will need to be rewritten</a:t>
+            </a:r>
+          </a:p>
+          <a:p>
+            <a:pPr marL="628650" lvl="1" indent="-171450">
+              <a:buFont typeface="Arial" panose="020B0604020202020204" pitchFamily="34" charset="0"/>
+              <a:buChar char="•"/>
+            </a:pPr>
+            <a:r>
+              <a:rPr lang="en-US" sz="1200" kern="1200" dirty="0">
+                <a:solidFill>
+                  <a:schemeClr val="tx1"/>
+                </a:solidFill>
+                <a:effectLst/>
+                <a:latin typeface="+mn-lt"/>
+                <a:ea typeface="+mn-ea"/>
+                <a:cs typeface="+mn-cs"/>
+              </a:rPr>
+              <a:t>If this code is consolidated, and only plain old CLR objects (POCOs) are being handed back using the repository pattern, then we might be able to replace the entire tier with Entity Framework or another object-relational mapping (ORM) tool</a:t>
+            </a:r>
+          </a:p>
+          <a:p>
+            <a:pPr marL="628650" lvl="1" indent="-171450">
+              <a:buFont typeface="Arial" panose="020B0604020202020204" pitchFamily="34" charset="0"/>
+              <a:buChar char="•"/>
+            </a:pPr>
+            <a:r>
+              <a:rPr lang="en-US" sz="1200" kern="1200" dirty="0">
+                <a:solidFill>
+                  <a:schemeClr val="tx1"/>
+                </a:solidFill>
+                <a:effectLst/>
+                <a:latin typeface="+mn-lt"/>
+                <a:ea typeface="+mn-ea"/>
+                <a:cs typeface="+mn-cs"/>
+              </a:rPr>
+              <a:t>If there has been bleeding between the layers, then this process might be significantly more difficult</a:t>
+            </a:r>
+          </a:p>
+          <a:p>
+            <a:pPr marL="171450" lvl="0" indent="-171450">
+              <a:buFont typeface="Arial" panose="020B0604020202020204" pitchFamily="34" charset="0"/>
+              <a:buChar char="•"/>
+            </a:pPr>
+            <a:r>
+              <a:rPr lang="en-US" sz="1200" kern="1200" dirty="0">
+                <a:solidFill>
+                  <a:schemeClr val="tx1"/>
+                </a:solidFill>
+                <a:effectLst/>
+                <a:latin typeface="+mn-lt"/>
+                <a:ea typeface="+mn-ea"/>
+                <a:cs typeface="+mn-cs"/>
+              </a:rPr>
+              <a:t>The entire store front application would need to be refactored and tested eventually</a:t>
+            </a:r>
+          </a:p>
+          <a:p>
+            <a:pPr marL="171450" lvl="0" indent="-171450">
+              <a:buFont typeface="Arial" panose="020B0604020202020204" pitchFamily="34" charset="0"/>
+              <a:buChar char="•"/>
+            </a:pPr>
+            <a:r>
+              <a:rPr lang="en-US" sz="1200" kern="1200" dirty="0">
+                <a:solidFill>
+                  <a:schemeClr val="tx1"/>
+                </a:solidFill>
+                <a:effectLst/>
+                <a:latin typeface="+mn-lt"/>
+                <a:ea typeface="+mn-ea"/>
+                <a:cs typeface="+mn-cs"/>
+              </a:rPr>
+              <a:t>For the POC, they are looking to switch the connection string, test several pages related to an order, and get a good idea on the work that would be necessary to get that to work.</a:t>
+            </a:r>
+            <a:endParaRPr lang="en-US" dirty="0">
+              <a:effectLst/>
+            </a:endParaRPr>
+          </a:p>
+          <a:p>
+            <a:r>
+              <a:rPr lang="en-US" sz="1200" kern="1200" dirty="0">
+                <a:solidFill>
+                  <a:schemeClr val="tx1"/>
+                </a:solidFill>
+                <a:effectLst/>
+                <a:latin typeface="+mn-lt"/>
+                <a:ea typeface="+mn-ea"/>
+                <a:cs typeface="+mn-cs"/>
+              </a:rPr>
+              <a:t> </a:t>
+            </a:r>
+            <a:endParaRPr lang="en-US" dirty="0">
+              <a:effectLst/>
+            </a:endParaRPr>
+          </a:p>
+          <a:p>
+            <a:pPr lvl="0"/>
+            <a:r>
+              <a:rPr lang="en-US" sz="1200" b="1" i="1" kern="1200" dirty="0">
+                <a:solidFill>
+                  <a:schemeClr val="tx1"/>
+                </a:solidFill>
+                <a:effectLst/>
+                <a:latin typeface="+mn-lt"/>
+                <a:ea typeface="+mn-ea"/>
+                <a:cs typeface="+mn-cs"/>
+              </a:rPr>
+              <a:t>How would you migrate the Oracle Forms applications? How would you define success? Are there any technologies the customer needs to know about?</a:t>
+            </a:r>
+            <a:endParaRPr lang="en-US" b="1" dirty="0">
+              <a:effectLst/>
+            </a:endParaRPr>
+          </a:p>
+          <a:p>
+            <a:r>
+              <a:rPr lang="en-US" sz="1200" i="1" kern="1200" dirty="0">
+                <a:solidFill>
+                  <a:schemeClr val="tx1"/>
+                </a:solidFill>
+                <a:effectLst/>
+                <a:latin typeface="+mn-lt"/>
+                <a:ea typeface="+mn-ea"/>
+                <a:cs typeface="+mn-cs"/>
+              </a:rPr>
+              <a:t> </a:t>
+            </a:r>
+            <a:endParaRPr lang="en-US" dirty="0">
+              <a:effectLst/>
+            </a:endParaRPr>
+          </a:p>
+          <a:p>
+            <a:pPr marL="171450" indent="-171450">
+              <a:buFont typeface="Arial" panose="020B0604020202020204" pitchFamily="34" charset="0"/>
+              <a:buChar char="•"/>
+            </a:pPr>
+            <a:r>
+              <a:rPr lang="en-US" sz="1200" kern="1200" dirty="0">
+                <a:solidFill>
+                  <a:schemeClr val="tx1"/>
+                </a:solidFill>
+                <a:effectLst/>
+                <a:latin typeface="+mn-lt"/>
+                <a:ea typeface="+mn-ea"/>
+                <a:cs typeface="+mn-cs"/>
+              </a:rPr>
+              <a:t>The Oracle Forms application will need to be completely rewritten</a:t>
+            </a:r>
+          </a:p>
+          <a:p>
+            <a:pPr marL="628650" lvl="1" indent="-171450">
+              <a:buFont typeface="Arial" panose="020B0604020202020204" pitchFamily="34" charset="0"/>
+              <a:buChar char="•"/>
+            </a:pPr>
+            <a:r>
+              <a:rPr lang="en-US" sz="1200" kern="1200" dirty="0">
+                <a:solidFill>
+                  <a:schemeClr val="tx1"/>
+                </a:solidFill>
+                <a:effectLst/>
+                <a:latin typeface="+mn-lt"/>
+                <a:ea typeface="+mn-ea"/>
+                <a:cs typeface="+mn-cs"/>
+              </a:rPr>
+              <a:t>There is guidance from Microsoft on how to do that to Visual Basic.NET</a:t>
+            </a:r>
+          </a:p>
+          <a:p>
+            <a:pPr marL="628650" lvl="1" indent="-171450">
+              <a:buFont typeface="Arial" panose="020B0604020202020204" pitchFamily="34" charset="0"/>
+              <a:buChar char="•"/>
+            </a:pPr>
+            <a:r>
+              <a:rPr lang="en-US" sz="1200" kern="1200" dirty="0">
+                <a:solidFill>
+                  <a:schemeClr val="tx1"/>
+                </a:solidFill>
+                <a:effectLst/>
+                <a:latin typeface="+mn-lt"/>
+                <a:ea typeface="+mn-ea"/>
+                <a:cs typeface="+mn-cs"/>
+              </a:rPr>
+              <a:t>There are third party tools that will attempt to automatically rebuild an Oracle Forms application to Windows Presentation Foundation (WPF) and Model-View-ViewModel (MVVM)</a:t>
+            </a:r>
+          </a:p>
+          <a:p>
+            <a:pPr marL="628650" lvl="1" indent="-171450">
+              <a:buFont typeface="Arial" panose="020B0604020202020204" pitchFamily="34" charset="0"/>
+              <a:buChar char="•"/>
+            </a:pPr>
+            <a:r>
+              <a:rPr lang="en-US" sz="1200" kern="1200" dirty="0">
+                <a:solidFill>
+                  <a:schemeClr val="tx1"/>
+                </a:solidFill>
+                <a:effectLst/>
+                <a:latin typeface="+mn-lt"/>
+                <a:ea typeface="+mn-ea"/>
+                <a:cs typeface="+mn-cs"/>
+              </a:rPr>
+              <a:t>You can also rewrite this by hand into any technology the client would like</a:t>
+            </a:r>
+            <a:endParaRPr lang="en-US" dirty="0">
+              <a:effectLst/>
+            </a:endParaRPr>
+          </a:p>
+          <a:p>
+            <a:pPr marL="171450" indent="-171450">
+              <a:buFont typeface="Arial" panose="020B0604020202020204" pitchFamily="34" charset="0"/>
+              <a:buChar char="•"/>
+            </a:pPr>
+            <a:r>
+              <a:rPr lang="en-US" sz="1200" kern="1200" dirty="0">
+                <a:solidFill>
+                  <a:schemeClr val="tx1"/>
+                </a:solidFill>
+                <a:effectLst/>
+                <a:latin typeface="+mn-lt"/>
+                <a:ea typeface="+mn-ea"/>
+                <a:cs typeface="+mn-cs"/>
+              </a:rPr>
+              <a:t>Oracle Forms applications cannot be easily cloud hosted. This application would eventually need to be rewritten if they’d like new experiences like a mobile experience, a tablet application, or hosted in Microsoft Azure.</a:t>
+            </a:r>
+            <a:endParaRPr lang="en-US" dirty="0">
+              <a:effectLst/>
+            </a:endParaRPr>
+          </a:p>
+          <a:p>
+            <a:r>
+              <a:rPr lang="en-US" sz="1200" kern="1200" dirty="0">
+                <a:solidFill>
+                  <a:schemeClr val="tx1"/>
+                </a:solidFill>
+                <a:effectLst/>
+                <a:latin typeface="+mn-lt"/>
+                <a:ea typeface="+mn-ea"/>
+                <a:cs typeface="+mn-cs"/>
+              </a:rPr>
+              <a:t> </a:t>
+            </a:r>
+            <a:endParaRPr lang="en-US" dirty="0">
+              <a:effectLst/>
+            </a:endParaRPr>
+          </a:p>
+          <a:p>
+            <a:pPr lvl="0"/>
+            <a:r>
+              <a:rPr lang="en-US" sz="1200" b="1" i="1" kern="1200" dirty="0">
+                <a:solidFill>
+                  <a:schemeClr val="tx1"/>
+                </a:solidFill>
+                <a:effectLst/>
+                <a:latin typeface="+mn-lt"/>
+                <a:ea typeface="+mn-ea"/>
+                <a:cs typeface="+mn-cs"/>
+              </a:rPr>
+              <a:t>What will you do about the vendor touch points? How will you recommend they store the JSON data? The REST services need to be approached the same way the MVC store front application is approached. If they’ve used an ORM, then we can just repoint the connectionStrings and redeployed.</a:t>
+            </a:r>
+            <a:endParaRPr lang="en-US" b="1" dirty="0">
+              <a:effectLst/>
+            </a:endParaRPr>
+          </a:p>
+          <a:p>
+            <a:r>
+              <a:rPr lang="en-US" sz="1200" kern="1200" dirty="0">
+                <a:solidFill>
+                  <a:schemeClr val="tx1"/>
+                </a:solidFill>
+                <a:effectLst/>
+                <a:latin typeface="+mn-lt"/>
+                <a:ea typeface="+mn-ea"/>
+                <a:cs typeface="+mn-cs"/>
+              </a:rPr>
+              <a:t> </a:t>
+            </a:r>
+            <a:endParaRPr lang="en-US" dirty="0">
+              <a:effectLst/>
+            </a:endParaRPr>
+          </a:p>
+          <a:p>
+            <a:pPr marL="171450" indent="-171450">
+              <a:buFont typeface="Arial" panose="020B0604020202020204" pitchFamily="34" charset="0"/>
+              <a:buChar char="•"/>
+            </a:pPr>
+            <a:r>
+              <a:rPr lang="en-US" sz="1200" kern="1200" dirty="0">
+                <a:solidFill>
+                  <a:schemeClr val="tx1"/>
+                </a:solidFill>
+                <a:effectLst/>
+                <a:latin typeface="+mn-lt"/>
+                <a:ea typeface="+mn-ea"/>
+                <a:cs typeface="+mn-cs"/>
+              </a:rPr>
+              <a:t>JSON data can be stored in a varchar field in SQL Server</a:t>
+            </a:r>
+          </a:p>
+          <a:p>
+            <a:pPr marL="628650" lvl="1" indent="-171450">
+              <a:buFont typeface="Arial" panose="020B0604020202020204" pitchFamily="34" charset="0"/>
+              <a:buChar char="•"/>
+            </a:pPr>
+            <a:r>
+              <a:rPr lang="en-US" sz="1200" kern="1200" dirty="0">
+                <a:solidFill>
+                  <a:schemeClr val="tx1"/>
+                </a:solidFill>
+                <a:effectLst/>
+                <a:latin typeface="+mn-lt"/>
+                <a:ea typeface="+mn-ea"/>
+                <a:cs typeface="+mn-cs"/>
+              </a:rPr>
+              <a:t>Managed through the JSON functions of SQL Server 2017</a:t>
+            </a:r>
+          </a:p>
+          <a:p>
+            <a:pPr marL="628650" lvl="1" indent="-171450">
+              <a:buFont typeface="Arial" panose="020B0604020202020204" pitchFamily="34" charset="0"/>
+              <a:buChar char="•"/>
+            </a:pPr>
+            <a:r>
+              <a:rPr lang="en-US" sz="1200" kern="1200" dirty="0">
+                <a:solidFill>
+                  <a:schemeClr val="tx1"/>
+                </a:solidFill>
+                <a:effectLst/>
+                <a:latin typeface="+mn-lt"/>
+                <a:ea typeface="+mn-ea"/>
+                <a:cs typeface="+mn-cs"/>
+              </a:rPr>
+              <a:t>They can be queried and indexed through the JSON features</a:t>
+            </a:r>
           </a:p>
           <a:p>
             <a:pPr marL="171450" marR="0" lvl="0" indent="-171450" algn="l" defTabSz="914400" rtl="0" eaLnBrk="1" fontAlgn="auto" latinLnBrk="0" hangingPunct="1">
@@ -2610,984 +2707,22 @@
               <a:defRPr/>
             </a:pPr>
             <a:r>
-              <a:rPr lang="en-US" sz="1200" b="0" i="0" dirty="0"/>
-              <a:t>There’s an Oracle Profiler API that can be used to store trace information into tables. These tables can be queried to see if we’ve identified all reports and artifacts that we need to upgrade.</a:t>
-            </a:r>
-          </a:p>
-          <a:p>
-            <a:pPr marL="171450" marR="0" lvl="0" indent="-171450" algn="l" defTabSz="914400" rtl="0" eaLnBrk="1" fontAlgn="auto" latinLnBrk="0" hangingPunct="1">
-              <a:lnSpc>
-                <a:spcPct val="100000"/>
-              </a:lnSpc>
-              <a:spcBef>
-                <a:spcPts val="0"/>
-              </a:spcBef>
-              <a:spcAft>
-                <a:spcPts val="0"/>
-              </a:spcAft>
-              <a:buClrTx/>
-              <a:buSzTx/>
+              <a:rPr lang="en-US" dirty="0">
+                <a:solidFill>
+                  <a:schemeClr val="bg1"/>
+                </a:solidFill>
+              </a:rPr>
+              <a:t>The REST services need to be approached the same way the MVC store front application is approached. If they’ve used an ORM, then it is likely we can repoint the connectionStrings and redeploy.</a:t>
+            </a:r>
+          </a:p>
+          <a:p>
+            <a:pPr marL="171450" indent="-171450">
               <a:buFont typeface="Arial" panose="020B0604020202020204" pitchFamily="34" charset="0"/>
               <a:buChar char="•"/>
-              <a:tabLst/>
-              <a:defRPr/>
-            </a:pPr>
-            <a:r>
-              <a:rPr lang="en-US" sz="1200" b="0" i="0" dirty="0"/>
-              <a:t>We can put individual queries into stored procedures and upgrade them using SSMA. We can also use SSMA to upgrade individual queries to T-SQL</a:t>
-            </a:r>
-          </a:p>
-          <a:p>
-            <a:pPr marL="0" marR="0" lvl="0" indent="0" algn="l" defTabSz="914400" rtl="0" eaLnBrk="1" fontAlgn="auto" latinLnBrk="0" hangingPunct="1">
-              <a:lnSpc>
-                <a:spcPct val="100000"/>
-              </a:lnSpc>
-              <a:spcBef>
-                <a:spcPts val="0"/>
-              </a:spcBef>
-              <a:spcAft>
-                <a:spcPts val="0"/>
-              </a:spcAft>
-              <a:buClrTx/>
-              <a:buSzTx/>
-              <a:buFontTx/>
-              <a:buNone/>
-              <a:tabLst/>
-              <a:defRPr/>
-            </a:pPr>
-            <a:endParaRPr lang="en-US" sz="1200" b="0" i="0" dirty="0"/>
-          </a:p>
-          <a:p>
-            <a:pPr marL="0" marR="0" lvl="0" indent="0" algn="l" defTabSz="914400" rtl="0" eaLnBrk="1" fontAlgn="auto" latinLnBrk="0" hangingPunct="1">
-              <a:lnSpc>
-                <a:spcPct val="100000"/>
-              </a:lnSpc>
-              <a:spcBef>
-                <a:spcPts val="0"/>
-              </a:spcBef>
-              <a:spcAft>
-                <a:spcPts val="0"/>
-              </a:spcAft>
-              <a:buClrTx/>
-              <a:buSzTx/>
-              <a:buFontTx/>
-              <a:buNone/>
-              <a:tabLst/>
-              <a:defRPr/>
-            </a:pPr>
-            <a:r>
-              <a:rPr lang="en-US" sz="1200" b="1" i="1" dirty="0"/>
-              <a:t>What must change about the way WWI loads their data warehouse?</a:t>
-            </a:r>
-          </a:p>
-          <a:p>
-            <a:pPr marL="0" marR="0" lvl="0" indent="0" algn="l" defTabSz="914400" rtl="0" eaLnBrk="1" fontAlgn="auto" latinLnBrk="0" hangingPunct="1">
-              <a:lnSpc>
-                <a:spcPct val="100000"/>
-              </a:lnSpc>
-              <a:spcBef>
-                <a:spcPts val="0"/>
-              </a:spcBef>
-              <a:spcAft>
-                <a:spcPts val="0"/>
-              </a:spcAft>
-              <a:buClrTx/>
-              <a:buSzTx/>
-              <a:buFontTx/>
-              <a:buNone/>
-              <a:tabLst/>
-              <a:defRPr/>
-            </a:pPr>
-            <a:endParaRPr lang="en-US" sz="1200" b="0" i="0" dirty="0"/>
-          </a:p>
-          <a:p>
-            <a:pPr marL="171450" marR="0" lvl="0" indent="-171450" algn="l" defTabSz="914400" rtl="0" eaLnBrk="1" fontAlgn="auto" latinLnBrk="0" hangingPunct="1">
-              <a:lnSpc>
-                <a:spcPct val="100000"/>
-              </a:lnSpc>
-              <a:spcBef>
-                <a:spcPts val="0"/>
-              </a:spcBef>
-              <a:spcAft>
-                <a:spcPts val="0"/>
-              </a:spcAft>
-              <a:buClrTx/>
-              <a:buSzTx/>
-              <a:buFont typeface="Arial" panose="020B0604020202020204" pitchFamily="34" charset="0"/>
-              <a:buChar char="•"/>
-              <a:tabLst/>
-              <a:defRPr/>
-            </a:pPr>
-            <a:r>
-              <a:rPr lang="en-US" sz="1200" b="0" i="0" dirty="0"/>
-              <a:t>We need to identify all the </a:t>
-            </a:r>
-            <a:r>
-              <a:rPr lang="en-US" sz="1200" kern="1200" dirty="0">
-                <a:solidFill>
-                  <a:schemeClr val="tx1"/>
-                </a:solidFill>
-                <a:effectLst/>
-                <a:latin typeface="+mn-lt"/>
-                <a:ea typeface="+mn-ea"/>
-                <a:cs typeface="+mn-cs"/>
-              </a:rPr>
-              <a:t>extract, transform, and load (</a:t>
-            </a:r>
-            <a:r>
-              <a:rPr lang="en-US" sz="1200" b="0" i="0" dirty="0"/>
-              <a:t>ETL) packages that load data from Oracle to SQL Server. We will upgrade all the connection strings to load the data warehouse from the new SQL Server OLTP database to the SQL Server data warehouse. We will have to change all the data source connections to SQL Server. If collation is different, we will need to address that with data conversion tasks in the data flow.</a:t>
-            </a:r>
-          </a:p>
-          <a:p>
-            <a:pPr marL="0" marR="0" lvl="0" indent="0" algn="l" defTabSz="914400" rtl="0" eaLnBrk="1" fontAlgn="auto" latinLnBrk="0" hangingPunct="1">
-              <a:lnSpc>
-                <a:spcPct val="100000"/>
-              </a:lnSpc>
-              <a:spcBef>
-                <a:spcPts val="0"/>
-              </a:spcBef>
-              <a:spcAft>
-                <a:spcPts val="0"/>
-              </a:spcAft>
-              <a:buClrTx/>
-              <a:buSzTx/>
-              <a:buFontTx/>
-              <a:buNone/>
-              <a:tabLst/>
-              <a:defRPr/>
-            </a:pPr>
-            <a:endParaRPr lang="en-US" sz="1200" b="0" i="0" dirty="0"/>
-          </a:p>
-          <a:p>
-            <a:pPr marL="0" marR="0" lvl="0" indent="0" algn="l" defTabSz="914400" rtl="0" eaLnBrk="1" fontAlgn="auto" latinLnBrk="0" hangingPunct="1">
-              <a:lnSpc>
-                <a:spcPct val="100000"/>
-              </a:lnSpc>
-              <a:spcBef>
-                <a:spcPts val="0"/>
-              </a:spcBef>
-              <a:spcAft>
-                <a:spcPts val="0"/>
-              </a:spcAft>
-              <a:buClrTx/>
-              <a:buSzTx/>
-              <a:buFontTx/>
-              <a:buNone/>
-              <a:tabLst/>
-              <a:defRPr/>
-            </a:pPr>
-            <a:r>
-              <a:rPr lang="en-US" sz="1200" b="1" i="1" dirty="0"/>
-              <a:t>What components do we need to use to upgrade the SQL Server Data warehouse to Azure SQL Database?</a:t>
-            </a:r>
-          </a:p>
-          <a:p>
-            <a:pPr marL="0" marR="0" lvl="0" indent="0" algn="l" defTabSz="914400" rtl="0" eaLnBrk="1" fontAlgn="auto" latinLnBrk="0" hangingPunct="1">
-              <a:lnSpc>
-                <a:spcPct val="100000"/>
-              </a:lnSpc>
-              <a:spcBef>
-                <a:spcPts val="0"/>
-              </a:spcBef>
-              <a:spcAft>
-                <a:spcPts val="0"/>
-              </a:spcAft>
-              <a:buClrTx/>
-              <a:buSzTx/>
-              <a:buFontTx/>
-              <a:buNone/>
-              <a:tabLst/>
-              <a:defRPr/>
-            </a:pPr>
-            <a:endParaRPr lang="en-US" sz="1200" b="0" i="0" dirty="0"/>
-          </a:p>
-          <a:p>
-            <a:pPr marL="171450" marR="0" lvl="0" indent="-171450" algn="l" defTabSz="914400" rtl="0" eaLnBrk="1" fontAlgn="auto" latinLnBrk="0" hangingPunct="1">
-              <a:lnSpc>
-                <a:spcPct val="100000"/>
-              </a:lnSpc>
-              <a:spcBef>
-                <a:spcPts val="0"/>
-              </a:spcBef>
-              <a:spcAft>
-                <a:spcPts val="0"/>
-              </a:spcAft>
-              <a:buClrTx/>
-              <a:buSzTx/>
-              <a:buFont typeface="Arial" panose="020B0604020202020204" pitchFamily="34" charset="0"/>
-              <a:buChar char="•"/>
-              <a:tabLst/>
-              <a:defRPr/>
-            </a:pPr>
-            <a:r>
-              <a:rPr lang="en-US" sz="1200" b="0" i="0" dirty="0"/>
-              <a:t>We will have to account for SQL Server security, SQL Server agent jobs, and external applications that might be hitting the engine and SSAS</a:t>
-            </a:r>
-          </a:p>
-          <a:p>
-            <a:pPr marL="171450" marR="0" lvl="0" indent="-171450" algn="l" defTabSz="914400" rtl="0" eaLnBrk="1" fontAlgn="auto" latinLnBrk="0" hangingPunct="1">
-              <a:lnSpc>
-                <a:spcPct val="100000"/>
-              </a:lnSpc>
-              <a:spcBef>
-                <a:spcPts val="0"/>
-              </a:spcBef>
-              <a:spcAft>
-                <a:spcPts val="0"/>
-              </a:spcAft>
-              <a:buClrTx/>
-              <a:buSzTx/>
-              <a:buFont typeface="Arial" panose="020B0604020202020204" pitchFamily="34" charset="0"/>
-              <a:buChar char="•"/>
-              <a:tabLst/>
-              <a:defRPr/>
-            </a:pPr>
-            <a:r>
-              <a:rPr lang="en-US" sz="1200" b="0" i="0" dirty="0"/>
-              <a:t>SSRS, SSAS, and SSIS will need to be upgraded and redeployed. All developers who are using BI tools will need to upgrade to the latest versions of SSMS and SQL Server Data Tools (SSDT).</a:t>
-            </a:r>
-          </a:p>
-          <a:p>
-            <a:pPr marL="0" marR="0" lvl="0" indent="0" algn="l" defTabSz="914400" rtl="0" eaLnBrk="1" fontAlgn="auto" latinLnBrk="0" hangingPunct="1">
-              <a:lnSpc>
-                <a:spcPct val="100000"/>
-              </a:lnSpc>
-              <a:spcBef>
-                <a:spcPts val="0"/>
-              </a:spcBef>
-              <a:spcAft>
-                <a:spcPts val="0"/>
-              </a:spcAft>
-              <a:buClrTx/>
-              <a:buSzTx/>
-              <a:buFontTx/>
-              <a:buNone/>
-              <a:tabLst/>
-              <a:defRPr/>
-            </a:pPr>
-            <a:endParaRPr lang="en-US" sz="1200" b="0" i="0" dirty="0"/>
-          </a:p>
-          <a:p>
-            <a:pPr marL="0" marR="0" lvl="0" indent="0" algn="l" defTabSz="914400" rtl="0" eaLnBrk="1" fontAlgn="auto" latinLnBrk="0" hangingPunct="1">
-              <a:lnSpc>
-                <a:spcPct val="100000"/>
-              </a:lnSpc>
-              <a:spcBef>
-                <a:spcPts val="0"/>
-              </a:spcBef>
-              <a:spcAft>
-                <a:spcPts val="0"/>
-              </a:spcAft>
-              <a:buClrTx/>
-              <a:buSzTx/>
-              <a:buFontTx/>
-              <a:buNone/>
-              <a:tabLst/>
-              <a:defRPr/>
-            </a:pPr>
-            <a:r>
-              <a:rPr lang="en-US" sz="1200" b="1" i="1" dirty="0"/>
-              <a:t>Identify the major milestones of delivery an upgrading to Azure SQL Database.</a:t>
-            </a:r>
-          </a:p>
-          <a:p>
-            <a:pPr marL="0" marR="0" lvl="0" indent="0" algn="l" defTabSz="914400" rtl="0" eaLnBrk="1" fontAlgn="auto" latinLnBrk="0" hangingPunct="1">
-              <a:lnSpc>
-                <a:spcPct val="100000"/>
-              </a:lnSpc>
-              <a:spcBef>
-                <a:spcPts val="0"/>
-              </a:spcBef>
-              <a:spcAft>
-                <a:spcPts val="0"/>
-              </a:spcAft>
-              <a:buClrTx/>
-              <a:buSzTx/>
-              <a:buFontTx/>
-              <a:buNone/>
-              <a:tabLst/>
-              <a:defRPr/>
-            </a:pPr>
-            <a:endParaRPr lang="en-US" sz="1200" b="0" i="0" dirty="0"/>
-          </a:p>
-          <a:p>
-            <a:pPr marL="0" marR="0" lvl="0" indent="0" algn="l" defTabSz="914400" rtl="0" eaLnBrk="1" fontAlgn="auto" latinLnBrk="0" hangingPunct="1">
-              <a:lnSpc>
-                <a:spcPct val="100000"/>
-              </a:lnSpc>
-              <a:spcBef>
-                <a:spcPts val="0"/>
-              </a:spcBef>
-              <a:spcAft>
-                <a:spcPts val="0"/>
-              </a:spcAft>
-              <a:buClrTx/>
-              <a:buSzTx/>
-              <a:buFontTx/>
-              <a:buNone/>
-              <a:tabLst/>
-              <a:defRPr/>
-            </a:pPr>
-            <a:r>
-              <a:rPr lang="en-US" sz="1200" b="0" i="0" dirty="0"/>
-              <a:t>A proper upgrade plan might look something like this:</a:t>
-            </a:r>
-          </a:p>
-          <a:p>
-            <a:pPr marL="171450" marR="0" lvl="0" indent="-171450" algn="l" defTabSz="914400" rtl="0" eaLnBrk="1" fontAlgn="auto" latinLnBrk="0" hangingPunct="1">
-              <a:lnSpc>
-                <a:spcPct val="100000"/>
-              </a:lnSpc>
-              <a:spcBef>
-                <a:spcPts val="0"/>
-              </a:spcBef>
-              <a:spcAft>
-                <a:spcPts val="0"/>
-              </a:spcAft>
-              <a:buClrTx/>
-              <a:buSzTx/>
-              <a:buFont typeface="Arial" panose="020B0604020202020204" pitchFamily="34" charset="0"/>
-              <a:buChar char="•"/>
-              <a:tabLst/>
-              <a:defRPr/>
-            </a:pPr>
-            <a:r>
-              <a:rPr lang="en-US" sz="1200" b="0" i="0" dirty="0"/>
-              <a:t>Assess</a:t>
-            </a:r>
-          </a:p>
-          <a:p>
-            <a:pPr marL="628650" marR="0" lvl="1" indent="-171450" algn="l" defTabSz="914400" rtl="0" eaLnBrk="1" fontAlgn="auto" latinLnBrk="0" hangingPunct="1">
-              <a:lnSpc>
-                <a:spcPct val="100000"/>
-              </a:lnSpc>
-              <a:spcBef>
-                <a:spcPts val="0"/>
-              </a:spcBef>
-              <a:spcAft>
-                <a:spcPts val="0"/>
-              </a:spcAft>
-              <a:buClrTx/>
-              <a:buSzTx/>
-              <a:buFont typeface="Arial" panose="020B0604020202020204" pitchFamily="34" charset="0"/>
-              <a:buChar char="•"/>
-              <a:tabLst/>
-              <a:defRPr/>
-            </a:pPr>
-            <a:r>
-              <a:rPr lang="en-US" sz="1200" b="0" i="0" dirty="0"/>
-              <a:t>Identify and Understand required changes</a:t>
-            </a:r>
-          </a:p>
-          <a:p>
-            <a:pPr marL="628650" marR="0" lvl="1" indent="-171450" algn="l" defTabSz="914400" rtl="0" eaLnBrk="1" fontAlgn="auto" latinLnBrk="0" hangingPunct="1">
-              <a:lnSpc>
-                <a:spcPct val="100000"/>
-              </a:lnSpc>
-              <a:spcBef>
-                <a:spcPts val="0"/>
-              </a:spcBef>
-              <a:spcAft>
-                <a:spcPts val="0"/>
-              </a:spcAft>
-              <a:buClrTx/>
-              <a:buSzTx/>
-              <a:buFont typeface="Arial" panose="020B0604020202020204" pitchFamily="34" charset="0"/>
-              <a:buChar char="•"/>
-              <a:tabLst/>
-              <a:defRPr/>
-            </a:pPr>
-            <a:r>
-              <a:rPr lang="en-US" sz="1200" b="0" i="0" dirty="0"/>
-              <a:t>Understand how to leverage new features</a:t>
-            </a:r>
-          </a:p>
-          <a:p>
-            <a:pPr marL="171450" marR="0" lvl="0" indent="-171450" algn="l" defTabSz="914400" rtl="0" eaLnBrk="1" fontAlgn="auto" latinLnBrk="0" hangingPunct="1">
-              <a:lnSpc>
-                <a:spcPct val="100000"/>
-              </a:lnSpc>
-              <a:spcBef>
-                <a:spcPts val="0"/>
-              </a:spcBef>
-              <a:spcAft>
-                <a:spcPts val="0"/>
-              </a:spcAft>
-              <a:buClrTx/>
-              <a:buSzTx/>
-              <a:buFont typeface="Arial" panose="020B0604020202020204" pitchFamily="34" charset="0"/>
-              <a:buChar char="•"/>
-              <a:tabLst/>
-              <a:defRPr/>
-            </a:pPr>
-            <a:r>
-              <a:rPr lang="en-US" sz="1200" b="0" i="0" dirty="0"/>
-              <a:t>Plan</a:t>
-            </a:r>
-          </a:p>
-          <a:p>
-            <a:pPr marL="628650" marR="0" lvl="1" indent="-171450" algn="l" defTabSz="914400" rtl="0" eaLnBrk="1" fontAlgn="auto" latinLnBrk="0" hangingPunct="1">
-              <a:lnSpc>
-                <a:spcPct val="100000"/>
-              </a:lnSpc>
-              <a:spcBef>
-                <a:spcPts val="0"/>
-              </a:spcBef>
-              <a:spcAft>
-                <a:spcPts val="0"/>
-              </a:spcAft>
-              <a:buClrTx/>
-              <a:buSzTx/>
-              <a:buFont typeface="Arial" panose="020B0604020202020204" pitchFamily="34" charset="0"/>
-              <a:buChar char="•"/>
-              <a:tabLst/>
-              <a:defRPr/>
-            </a:pPr>
-            <a:r>
-              <a:rPr lang="en-US" sz="1200" b="0" i="0" dirty="0"/>
-              <a:t>When can I perform the migration?</a:t>
-            </a:r>
-          </a:p>
-          <a:p>
-            <a:pPr marL="628650" marR="0" lvl="1" indent="-171450" algn="l" defTabSz="914400" rtl="0" eaLnBrk="1" fontAlgn="auto" latinLnBrk="0" hangingPunct="1">
-              <a:lnSpc>
-                <a:spcPct val="100000"/>
-              </a:lnSpc>
-              <a:spcBef>
-                <a:spcPts val="0"/>
-              </a:spcBef>
-              <a:spcAft>
-                <a:spcPts val="0"/>
-              </a:spcAft>
-              <a:buClrTx/>
-              <a:buSzTx/>
-              <a:buFont typeface="Arial" panose="020B0604020202020204" pitchFamily="34" charset="0"/>
-              <a:buChar char="•"/>
-              <a:tabLst/>
-              <a:defRPr/>
-            </a:pPr>
-            <a:r>
-              <a:rPr lang="en-US" sz="1200" b="0" i="0" dirty="0"/>
-              <a:t>How will I apply required fixes?</a:t>
-            </a:r>
-          </a:p>
-          <a:p>
-            <a:pPr marL="171450" marR="0" lvl="0" indent="-171450" algn="l" defTabSz="914400" rtl="0" eaLnBrk="1" fontAlgn="auto" latinLnBrk="0" hangingPunct="1">
-              <a:lnSpc>
-                <a:spcPct val="100000"/>
-              </a:lnSpc>
-              <a:spcBef>
-                <a:spcPts val="0"/>
-              </a:spcBef>
-              <a:spcAft>
-                <a:spcPts val="0"/>
-              </a:spcAft>
-              <a:buClrTx/>
-              <a:buSzTx/>
-              <a:buFont typeface="Arial" panose="020B0604020202020204" pitchFamily="34" charset="0"/>
-              <a:buChar char="•"/>
-              <a:tabLst/>
-              <a:defRPr/>
-            </a:pPr>
-            <a:r>
-              <a:rPr lang="en-US" sz="1200" b="0" i="0" dirty="0"/>
-              <a:t>Migrate</a:t>
-            </a:r>
-          </a:p>
-          <a:p>
-            <a:pPr marL="628650" marR="0" lvl="1" indent="-171450" algn="l" defTabSz="914400" rtl="0" eaLnBrk="1" fontAlgn="auto" latinLnBrk="0" hangingPunct="1">
-              <a:lnSpc>
-                <a:spcPct val="100000"/>
-              </a:lnSpc>
-              <a:spcBef>
-                <a:spcPts val="0"/>
-              </a:spcBef>
-              <a:spcAft>
-                <a:spcPts val="0"/>
-              </a:spcAft>
-              <a:buClrTx/>
-              <a:buSzTx/>
-              <a:buFont typeface="Arial" panose="020B0604020202020204" pitchFamily="34" charset="0"/>
-              <a:buChar char="•"/>
-              <a:tabLst/>
-              <a:defRPr/>
-            </a:pPr>
-            <a:r>
-              <a:rPr lang="en-US" sz="1200" b="0" i="0" dirty="0"/>
-              <a:t>Perform schema and data movement</a:t>
-            </a:r>
-          </a:p>
-          <a:p>
-            <a:pPr marL="628650" marR="0" lvl="1" indent="-171450" algn="l" defTabSz="914400" rtl="0" eaLnBrk="1" fontAlgn="auto" latinLnBrk="0" hangingPunct="1">
-              <a:lnSpc>
-                <a:spcPct val="100000"/>
-              </a:lnSpc>
-              <a:spcBef>
-                <a:spcPts val="0"/>
-              </a:spcBef>
-              <a:spcAft>
-                <a:spcPts val="0"/>
-              </a:spcAft>
-              <a:buClrTx/>
-              <a:buSzTx/>
-              <a:buFont typeface="Arial" panose="020B0604020202020204" pitchFamily="34" charset="0"/>
-              <a:buChar char="•"/>
-              <a:tabLst/>
-              <a:defRPr/>
-            </a:pPr>
-            <a:r>
-              <a:rPr lang="en-US" sz="1200" b="0" i="0" dirty="0"/>
-              <a:t>Execute post migration fixes</a:t>
-            </a:r>
-          </a:p>
-          <a:p>
-            <a:pPr marL="0" marR="0" lvl="0" indent="0" algn="l" defTabSz="914400" rtl="0" eaLnBrk="1" fontAlgn="auto" latinLnBrk="0" hangingPunct="1">
-              <a:lnSpc>
-                <a:spcPct val="100000"/>
-              </a:lnSpc>
-              <a:spcBef>
-                <a:spcPts val="0"/>
-              </a:spcBef>
-              <a:spcAft>
-                <a:spcPts val="0"/>
-              </a:spcAft>
-              <a:buClrTx/>
-              <a:buSzTx/>
-              <a:buFontTx/>
-              <a:buNone/>
-              <a:tabLst/>
-              <a:defRPr/>
-            </a:pPr>
-            <a:endParaRPr lang="en-US" sz="1200" b="0" i="0" dirty="0"/>
-          </a:p>
-          <a:p>
-            <a:pPr marL="0" marR="0" lvl="0" indent="0" algn="l" defTabSz="914400" rtl="0" eaLnBrk="1" fontAlgn="auto" latinLnBrk="0" hangingPunct="1">
-              <a:lnSpc>
-                <a:spcPct val="100000"/>
-              </a:lnSpc>
-              <a:spcBef>
-                <a:spcPts val="0"/>
-              </a:spcBef>
-              <a:spcAft>
-                <a:spcPts val="0"/>
-              </a:spcAft>
-              <a:buClrTx/>
-              <a:buSzTx/>
-              <a:buFontTx/>
-              <a:buNone/>
-              <a:tabLst/>
-              <a:defRPr/>
-            </a:pPr>
-            <a:r>
-              <a:rPr lang="en-US" sz="1200" b="1" i="1" dirty="0"/>
-              <a:t>Are there any tools or processes that would make this easier? </a:t>
-            </a:r>
-          </a:p>
-          <a:p>
-            <a:pPr marL="0" marR="0" lvl="0" indent="0" algn="l" defTabSz="914400" rtl="0" eaLnBrk="1" fontAlgn="auto" latinLnBrk="0" hangingPunct="1">
-              <a:lnSpc>
-                <a:spcPct val="100000"/>
-              </a:lnSpc>
-              <a:spcBef>
-                <a:spcPts val="0"/>
-              </a:spcBef>
-              <a:spcAft>
-                <a:spcPts val="0"/>
-              </a:spcAft>
-              <a:buClrTx/>
-              <a:buSzTx/>
-              <a:buFontTx/>
-              <a:buNone/>
-              <a:tabLst/>
-              <a:defRPr/>
-            </a:pPr>
-            <a:endParaRPr lang="en-US" sz="1200" b="0" i="0" dirty="0"/>
-          </a:p>
-          <a:p>
-            <a:pPr marL="171450" marR="0" lvl="0" indent="-171450" algn="l" defTabSz="914400" rtl="0" eaLnBrk="1" fontAlgn="auto" latinLnBrk="0" hangingPunct="1">
-              <a:lnSpc>
-                <a:spcPct val="100000"/>
-              </a:lnSpc>
-              <a:spcBef>
-                <a:spcPts val="0"/>
-              </a:spcBef>
-              <a:spcAft>
-                <a:spcPts val="0"/>
-              </a:spcAft>
-              <a:buClrTx/>
-              <a:buSzTx/>
-              <a:buFont typeface="Arial" panose="020B0604020202020204" pitchFamily="34" charset="0"/>
-              <a:buChar char="•"/>
-              <a:tabLst/>
-              <a:defRPr/>
-            </a:pPr>
-            <a:r>
-              <a:rPr lang="en-US" sz="1200" b="0" i="0" dirty="0"/>
-              <a:t>Azure Database Migration Service</a:t>
-            </a:r>
-          </a:p>
-          <a:p>
-            <a:pPr marL="171450" marR="0" lvl="0" indent="-171450" algn="l" defTabSz="914400" rtl="0" eaLnBrk="1" fontAlgn="auto" latinLnBrk="0" hangingPunct="1">
-              <a:lnSpc>
-                <a:spcPct val="100000"/>
-              </a:lnSpc>
-              <a:spcBef>
-                <a:spcPts val="0"/>
-              </a:spcBef>
-              <a:spcAft>
-                <a:spcPts val="0"/>
-              </a:spcAft>
-              <a:buClrTx/>
-              <a:buSzTx/>
-              <a:buFont typeface="Arial" panose="020B0604020202020204" pitchFamily="34" charset="0"/>
-              <a:buChar char="•"/>
-              <a:tabLst/>
-              <a:defRPr/>
-            </a:pPr>
-            <a:r>
-              <a:rPr lang="en-US" sz="1200" b="0" i="0" dirty="0"/>
-              <a:t>Microsoft’s Data Migration Assistant </a:t>
-            </a:r>
-          </a:p>
-          <a:p>
-            <a:pPr marL="628650" marR="0" lvl="1" indent="-171450" algn="l" defTabSz="914400" rtl="0" eaLnBrk="1" fontAlgn="auto" latinLnBrk="0" hangingPunct="1">
-              <a:lnSpc>
-                <a:spcPct val="100000"/>
-              </a:lnSpc>
-              <a:spcBef>
-                <a:spcPts val="0"/>
-              </a:spcBef>
-              <a:spcAft>
-                <a:spcPts val="0"/>
-              </a:spcAft>
-              <a:buClrTx/>
-              <a:buSzTx/>
-              <a:buFont typeface="Arial" panose="020B0604020202020204" pitchFamily="34" charset="0"/>
-              <a:buChar char="•"/>
-              <a:tabLst/>
-              <a:defRPr/>
-            </a:pPr>
-            <a:r>
-              <a:rPr lang="en-US" sz="1200" b="0" i="0" dirty="0"/>
-              <a:t>Can be used to upgrade the SQL Server Data Warehouse</a:t>
-            </a:r>
-          </a:p>
-          <a:p>
-            <a:pPr marL="628650" marR="0" lvl="1" indent="-171450" algn="l" defTabSz="914400" rtl="0" eaLnBrk="1" fontAlgn="auto" latinLnBrk="0" hangingPunct="1">
-              <a:lnSpc>
-                <a:spcPct val="100000"/>
-              </a:lnSpc>
-              <a:spcBef>
-                <a:spcPts val="0"/>
-              </a:spcBef>
-              <a:spcAft>
-                <a:spcPts val="0"/>
-              </a:spcAft>
-              <a:buClrTx/>
-              <a:buSzTx/>
-              <a:buFont typeface="Arial" panose="020B0604020202020204" pitchFamily="34" charset="0"/>
-              <a:buChar char="•"/>
-              <a:tabLst/>
-              <a:defRPr/>
-            </a:pPr>
-            <a:r>
-              <a:rPr lang="en-US" sz="1200" b="0" i="0" dirty="0"/>
-              <a:t>Can upgrade the data and schema in the database, as well as the SSIS database (if there is one), SQL Logins, SQL Agent Jobs, and SSIS packages</a:t>
-            </a:r>
-          </a:p>
-          <a:p>
-            <a:pPr marL="171450" marR="0" lvl="0" indent="-171450" algn="l" defTabSz="914400" rtl="0" eaLnBrk="1" fontAlgn="auto" latinLnBrk="0" hangingPunct="1">
-              <a:lnSpc>
-                <a:spcPct val="100000"/>
-              </a:lnSpc>
-              <a:spcBef>
-                <a:spcPts val="0"/>
-              </a:spcBef>
-              <a:spcAft>
-                <a:spcPts val="0"/>
-              </a:spcAft>
-              <a:buClrTx/>
-              <a:buSzTx/>
-              <a:buFont typeface="Arial" panose="020B0604020202020204" pitchFamily="34" charset="0"/>
-              <a:buChar char="•"/>
-              <a:tabLst/>
-              <a:defRPr/>
-            </a:pPr>
-            <a:r>
-              <a:rPr lang="en-US" sz="1200" b="0" i="0" dirty="0"/>
-              <a:t>When doing the assessment, WWI can choose which Compatibility Level they want to target</a:t>
-            </a:r>
-          </a:p>
-          <a:p>
-            <a:pPr marL="628650" marR="0" lvl="1" indent="-171450" algn="l" defTabSz="914400" rtl="0" eaLnBrk="1" fontAlgn="auto" latinLnBrk="0" hangingPunct="1">
-              <a:lnSpc>
-                <a:spcPct val="100000"/>
-              </a:lnSpc>
-              <a:spcBef>
-                <a:spcPts val="0"/>
-              </a:spcBef>
-              <a:spcAft>
-                <a:spcPts val="0"/>
-              </a:spcAft>
-              <a:buClrTx/>
-              <a:buSzTx/>
-              <a:buFont typeface="Arial" panose="020B0604020202020204" pitchFamily="34" charset="0"/>
-              <a:buChar char="•"/>
-              <a:tabLst/>
-              <a:defRPr/>
-            </a:pPr>
-            <a:r>
-              <a:rPr lang="en-US" sz="1200" b="0" i="0" dirty="0"/>
-              <a:t>Don’t need to jump all the way forward to the very latest level right away</a:t>
-            </a:r>
-          </a:p>
-          <a:p>
-            <a:pPr marL="628650" marR="0" lvl="1" indent="-171450" algn="l" defTabSz="914400" rtl="0" eaLnBrk="1" fontAlgn="auto" latinLnBrk="0" hangingPunct="1">
-              <a:lnSpc>
-                <a:spcPct val="100000"/>
-              </a:lnSpc>
-              <a:spcBef>
-                <a:spcPts val="0"/>
-              </a:spcBef>
-              <a:spcAft>
-                <a:spcPts val="0"/>
-              </a:spcAft>
-              <a:buClrTx/>
-              <a:buSzTx/>
-              <a:buFont typeface="Arial" panose="020B0604020202020204" pitchFamily="34" charset="0"/>
-              <a:buChar char="•"/>
-              <a:tabLst/>
-              <a:defRPr/>
-            </a:pPr>
-            <a:r>
-              <a:rPr lang="en-US" sz="1200" b="0" i="0" dirty="0"/>
-              <a:t>Can help reduce the number of blocking issues they need to address manually before starting the migration</a:t>
-            </a:r>
-          </a:p>
-          <a:p>
-            <a:pPr marL="0" marR="0" lvl="0" indent="0" algn="l" defTabSz="914400" rtl="0" eaLnBrk="1" fontAlgn="auto" latinLnBrk="0" hangingPunct="1">
-              <a:lnSpc>
-                <a:spcPct val="100000"/>
-              </a:lnSpc>
-              <a:spcBef>
-                <a:spcPts val="0"/>
-              </a:spcBef>
-              <a:spcAft>
-                <a:spcPts val="0"/>
-              </a:spcAft>
-              <a:buClrTx/>
-              <a:buSzTx/>
-              <a:buFontTx/>
-              <a:buNone/>
-              <a:tabLst/>
-              <a:defRPr/>
-            </a:pPr>
-            <a:endParaRPr lang="en-US" sz="1200" b="0" i="0" dirty="0"/>
-          </a:p>
-          <a:p>
-            <a:pPr marL="0" marR="0" lvl="0" indent="0" algn="l" defTabSz="914400" rtl="0" eaLnBrk="1" fontAlgn="auto" latinLnBrk="0" hangingPunct="1">
-              <a:lnSpc>
-                <a:spcPct val="100000"/>
-              </a:lnSpc>
-              <a:spcBef>
-                <a:spcPts val="0"/>
-              </a:spcBef>
-              <a:spcAft>
-                <a:spcPts val="0"/>
-              </a:spcAft>
-              <a:buClrTx/>
-              <a:buSzTx/>
-              <a:buFontTx/>
-              <a:buNone/>
-              <a:tabLst/>
-              <a:defRPr/>
-            </a:pPr>
-            <a:r>
-              <a:rPr lang="en-US" sz="1200" b="1" i="1" dirty="0"/>
-              <a:t>What are the post upgrade steps we should consider in the POC? How would this address their concerns?</a:t>
-            </a:r>
-          </a:p>
-          <a:p>
-            <a:pPr marL="0" marR="0" lvl="0" indent="0" algn="l" defTabSz="914400" rtl="0" eaLnBrk="1" fontAlgn="auto" latinLnBrk="0" hangingPunct="1">
-              <a:lnSpc>
-                <a:spcPct val="100000"/>
-              </a:lnSpc>
-              <a:spcBef>
-                <a:spcPts val="0"/>
-              </a:spcBef>
-              <a:spcAft>
-                <a:spcPts val="0"/>
-              </a:spcAft>
-              <a:buClrTx/>
-              <a:buSzTx/>
-              <a:buFontTx/>
-              <a:buNone/>
-              <a:tabLst/>
-              <a:defRPr/>
-            </a:pPr>
-            <a:endParaRPr lang="en-US" sz="1200" b="1" i="1" dirty="0"/>
-          </a:p>
-          <a:p>
-            <a:pPr marL="171450" marR="0" lvl="0" indent="-171450" algn="l" defTabSz="914400" rtl="0" eaLnBrk="1" fontAlgn="auto" latinLnBrk="0" hangingPunct="1">
-              <a:lnSpc>
-                <a:spcPct val="100000"/>
-              </a:lnSpc>
-              <a:spcBef>
-                <a:spcPts val="0"/>
-              </a:spcBef>
-              <a:spcAft>
-                <a:spcPts val="0"/>
-              </a:spcAft>
-              <a:buClrTx/>
-              <a:buSzTx/>
-              <a:buFont typeface="Arial" panose="020B0604020202020204" pitchFamily="34" charset="0"/>
-              <a:buChar char="•"/>
-              <a:tabLst/>
-              <a:defRPr/>
-            </a:pPr>
-            <a:r>
-              <a:rPr lang="en-US" sz="1200" b="0" i="0" dirty="0"/>
-              <a:t>The Data Migration Assistant report, which is exported to a CSV file, should be reviewed for post-migration tasks identified by Data Migration Assistant</a:t>
-            </a:r>
-          </a:p>
-          <a:p>
-            <a:pPr marL="171450" marR="0" lvl="0" indent="-171450" algn="l" defTabSz="914400" rtl="0" eaLnBrk="1" fontAlgn="auto" latinLnBrk="0" hangingPunct="1">
-              <a:lnSpc>
-                <a:spcPct val="100000"/>
-              </a:lnSpc>
-              <a:spcBef>
-                <a:spcPts val="0"/>
-              </a:spcBef>
-              <a:spcAft>
-                <a:spcPts val="0"/>
-              </a:spcAft>
-              <a:buClrTx/>
-              <a:buSzTx/>
-              <a:buFont typeface="Arial" panose="020B0604020202020204" pitchFamily="34" charset="0"/>
-              <a:buChar char="•"/>
-              <a:tabLst/>
-              <a:defRPr/>
-            </a:pPr>
-            <a:r>
-              <a:rPr lang="en-US" sz="1200" b="0" i="0" dirty="0"/>
-              <a:t>After the upgrade, they need to quickly implement Transparent Data Encryption. This might complicate their populating test servers because a certificate and password are necessary to move the database to a new server.</a:t>
-            </a:r>
-          </a:p>
-          <a:p>
-            <a:pPr marL="171450" marR="0" lvl="0" indent="-171450" algn="l" defTabSz="914400" rtl="0" eaLnBrk="1" fontAlgn="auto" latinLnBrk="0" hangingPunct="1">
-              <a:lnSpc>
-                <a:spcPct val="100000"/>
-              </a:lnSpc>
-              <a:spcBef>
-                <a:spcPts val="0"/>
-              </a:spcBef>
-              <a:spcAft>
-                <a:spcPts val="0"/>
-              </a:spcAft>
-              <a:buClrTx/>
-              <a:buSzTx/>
-              <a:buFont typeface="Arial" panose="020B0604020202020204" pitchFamily="34" charset="0"/>
-              <a:buChar char="•"/>
-              <a:tabLst/>
-              <a:defRPr/>
-            </a:pPr>
-            <a:r>
-              <a:rPr lang="en-US" sz="1200" b="0" i="0" dirty="0"/>
-              <a:t>They can immediately implement table compression in test. Compression might put a load on their processor, but they should notice a big performance increase related to disk I/O. Compressing the large fact tables and large dimension tables should improve performance.</a:t>
-            </a:r>
-          </a:p>
-          <a:p>
-            <a:pPr marL="171450" marR="0" lvl="0" indent="-171450" algn="l" defTabSz="914400" rtl="0" eaLnBrk="1" fontAlgn="auto" latinLnBrk="0" hangingPunct="1">
-              <a:lnSpc>
-                <a:spcPct val="100000"/>
-              </a:lnSpc>
-              <a:spcBef>
-                <a:spcPts val="0"/>
-              </a:spcBef>
-              <a:spcAft>
-                <a:spcPts val="0"/>
-              </a:spcAft>
-              <a:buClrTx/>
-              <a:buSzTx/>
-              <a:buFont typeface="Arial" panose="020B0604020202020204" pitchFamily="34" charset="0"/>
-              <a:buChar char="•"/>
-              <a:tabLst/>
-              <a:defRPr/>
-            </a:pPr>
-            <a:r>
-              <a:rPr lang="en-US" sz="1200" b="0" i="0" dirty="0"/>
-              <a:t>Once installed, they can begin to experiment with SSRS mobile reporting and Power BI</a:t>
-            </a:r>
-          </a:p>
-          <a:p>
-            <a:pPr marL="171450" marR="0" lvl="0" indent="-171450" algn="l" defTabSz="914400" rtl="0" eaLnBrk="1" fontAlgn="auto" latinLnBrk="0" hangingPunct="1">
-              <a:lnSpc>
-                <a:spcPct val="100000"/>
-              </a:lnSpc>
-              <a:spcBef>
-                <a:spcPts val="0"/>
-              </a:spcBef>
-              <a:spcAft>
-                <a:spcPts val="0"/>
-              </a:spcAft>
-              <a:buClrTx/>
-              <a:buSzTx/>
-              <a:buFont typeface="Arial" panose="020B0604020202020204" pitchFamily="34" charset="0"/>
-              <a:buChar char="•"/>
-              <a:tabLst/>
-              <a:defRPr/>
-            </a:pPr>
-            <a:r>
-              <a:rPr lang="en-US" sz="1200" b="0" i="0" dirty="0"/>
-              <a:t>They should test if they get a performance increase by creating clustered ColumnStore indexes. Particularly, they should test their ETL processes. </a:t>
-            </a:r>
-          </a:p>
-          <a:p>
-            <a:pPr marL="171450" marR="0" lvl="0" indent="-171450" algn="l" defTabSz="914400" rtl="0" eaLnBrk="1" fontAlgn="auto" latinLnBrk="0" hangingPunct="1">
-              <a:lnSpc>
-                <a:spcPct val="100000"/>
-              </a:lnSpc>
-              <a:spcBef>
-                <a:spcPts val="0"/>
-              </a:spcBef>
-              <a:spcAft>
-                <a:spcPts val="0"/>
-              </a:spcAft>
-              <a:buClrTx/>
-              <a:buSzTx/>
-              <a:buFont typeface="Arial" panose="020B0604020202020204" pitchFamily="34" charset="0"/>
-              <a:buChar char="•"/>
-              <a:tabLst/>
-              <a:defRPr/>
-            </a:pPr>
-            <a:r>
-              <a:rPr lang="en-US" sz="1200" b="0" i="0" dirty="0"/>
-              <a:t>The customer cited concerns with a slow data warehouse. Implementing compression and ColumnStore clustered indexes will likely alleviate the performance issues. Transparent Data Encryption will help them pass their audits.</a:t>
-            </a:r>
-          </a:p>
-          <a:p>
-            <a:pPr marL="171450" marR="0" lvl="0" indent="-171450" algn="l" defTabSz="914400" rtl="0" eaLnBrk="1" fontAlgn="auto" latinLnBrk="0" hangingPunct="1">
-              <a:lnSpc>
-                <a:spcPct val="100000"/>
-              </a:lnSpc>
-              <a:spcBef>
-                <a:spcPts val="0"/>
-              </a:spcBef>
-              <a:spcAft>
-                <a:spcPts val="0"/>
-              </a:spcAft>
-              <a:buClrTx/>
-              <a:buSzTx/>
-              <a:buFont typeface="Arial" panose="020B0604020202020204" pitchFamily="34" charset="0"/>
-              <a:buChar char="•"/>
-              <a:tabLst/>
-              <a:defRPr/>
-            </a:pPr>
-            <a:r>
-              <a:rPr lang="en-US" sz="1200" b="0" i="0" dirty="0"/>
-              <a:t>Also, consider using the Database Experimentation Assistant to prove that these changes have improved query performance of the SQL Server Data warehouse.</a:t>
-            </a:r>
+            </a:pPr>
+            <a:endParaRPr lang="en-US" dirty="0">
+              <a:effectLst/>
+            </a:endParaRPr>
           </a:p>
         </p:txBody>
       </p:sp>
@@ -3617,7 +2752,7 @@
     </p:spTree>
     <p:extLst>
       <p:ext uri="{BB962C8B-B14F-4D97-AF65-F5344CB8AC3E}">
-        <p14:creationId xmlns:p14="http://schemas.microsoft.com/office/powerpoint/2010/main" val="3761788928"/>
+        <p14:creationId xmlns:p14="http://schemas.microsoft.com/office/powerpoint/2010/main" val="4148273760"/>
       </p:ext>
     </p:extLst>
   </p:cSld>
@@ -3794,14 +2929,14 @@
               </a:spcAft>
               <a:buClrTx/>
               <a:buSzTx/>
-              <a:buFont typeface="Arial" panose="020B0604020202020204" pitchFamily="34" charset="0"/>
+              <a:buFontTx/>
               <a:buNone/>
               <a:tabLst/>
               <a:defRPr/>
             </a:pPr>
             <a:r>
               <a:rPr lang="en-US" sz="1200" b="1" i="1" dirty="0"/>
-              <a:t>If our solution was SQL Server, what could WWI have done with the audit table when it filled up?</a:t>
+              <a:t>How can they discover what reports and Excel spreadsheets that hit the Oracle database need to be upgraded? What’s a proper upgrade path?</a:t>
             </a:r>
           </a:p>
           <a:p>
@@ -3817,7 +2952,7 @@
               </a:spcAft>
               <a:buClrTx/>
               <a:buSzTx/>
-              <a:buFont typeface="Arial" panose="020B0604020202020204" pitchFamily="34" charset="0"/>
+              <a:buFontTx/>
               <a:buNone/>
               <a:tabLst/>
               <a:defRPr/>
@@ -3844,7 +2979,7 @@
             </a:pPr>
             <a:r>
               <a:rPr lang="en-US" sz="1200" b="0" i="0" dirty="0"/>
-              <a:t>Implement SQL Server Stretch Database to grow the audit table while we worked on a long-term solution</a:t>
+              <a:t>There’s an Oracle Profiler API that can be used to store trace information into tables. These tables can be queried to see if we’ve identified all reports and artifacts that we need to upgrade.</a:t>
             </a:r>
           </a:p>
           <a:p>
@@ -3867,7 +3002,327 @@
             </a:pPr>
             <a:r>
               <a:rPr lang="en-US" sz="1200" b="0" i="0" dirty="0"/>
-              <a:t>There are other possible answers below:</a:t>
+              <a:t>We can put individual queries into stored procedures and upgrade them using SSMA. We can also use SSMA to upgrade individual queries to T-SQL</a:t>
+            </a:r>
+          </a:p>
+          <a:p>
+            <a:pPr marL="0" marR="0" lvl="0" indent="0" algn="l" defTabSz="914400" rtl="0" eaLnBrk="1" fontAlgn="auto" latinLnBrk="0" hangingPunct="1">
+              <a:lnSpc>
+                <a:spcPct val="100000"/>
+              </a:lnSpc>
+              <a:spcBef>
+                <a:spcPts val="0"/>
+              </a:spcBef>
+              <a:spcAft>
+                <a:spcPts val="0"/>
+              </a:spcAft>
+              <a:buClrTx/>
+              <a:buSzTx/>
+              <a:buFontTx/>
+              <a:buNone/>
+              <a:tabLst/>
+              <a:defRPr/>
+            </a:pPr>
+            <a:endParaRPr lang="en-US" sz="1200" b="0" i="0" dirty="0"/>
+          </a:p>
+          <a:p>
+            <a:pPr marL="0" marR="0" lvl="0" indent="0" algn="l" defTabSz="914400" rtl="0" eaLnBrk="1" fontAlgn="auto" latinLnBrk="0" hangingPunct="1">
+              <a:lnSpc>
+                <a:spcPct val="100000"/>
+              </a:lnSpc>
+              <a:spcBef>
+                <a:spcPts val="0"/>
+              </a:spcBef>
+              <a:spcAft>
+                <a:spcPts val="0"/>
+              </a:spcAft>
+              <a:buClrTx/>
+              <a:buSzTx/>
+              <a:buFontTx/>
+              <a:buNone/>
+              <a:tabLst/>
+              <a:defRPr/>
+            </a:pPr>
+            <a:r>
+              <a:rPr lang="en-US" sz="1200" b="1" i="1" dirty="0"/>
+              <a:t>What must change about the way WWI loads their data warehouse?</a:t>
+            </a:r>
+          </a:p>
+          <a:p>
+            <a:pPr marL="0" marR="0" lvl="0" indent="0" algn="l" defTabSz="914400" rtl="0" eaLnBrk="1" fontAlgn="auto" latinLnBrk="0" hangingPunct="1">
+              <a:lnSpc>
+                <a:spcPct val="100000"/>
+              </a:lnSpc>
+              <a:spcBef>
+                <a:spcPts val="0"/>
+              </a:spcBef>
+              <a:spcAft>
+                <a:spcPts val="0"/>
+              </a:spcAft>
+              <a:buClrTx/>
+              <a:buSzTx/>
+              <a:buFontTx/>
+              <a:buNone/>
+              <a:tabLst/>
+              <a:defRPr/>
+            </a:pPr>
+            <a:endParaRPr lang="en-US" sz="1200" b="0" i="0" dirty="0"/>
+          </a:p>
+          <a:p>
+            <a:pPr marL="171450" marR="0" lvl="0" indent="-171450" algn="l" defTabSz="914400" rtl="0" eaLnBrk="1" fontAlgn="auto" latinLnBrk="0" hangingPunct="1">
+              <a:lnSpc>
+                <a:spcPct val="100000"/>
+              </a:lnSpc>
+              <a:spcBef>
+                <a:spcPts val="0"/>
+              </a:spcBef>
+              <a:spcAft>
+                <a:spcPts val="0"/>
+              </a:spcAft>
+              <a:buClrTx/>
+              <a:buSzTx/>
+              <a:buFont typeface="Arial" panose="020B0604020202020204" pitchFamily="34" charset="0"/>
+              <a:buChar char="•"/>
+              <a:tabLst/>
+              <a:defRPr/>
+            </a:pPr>
+            <a:r>
+              <a:rPr lang="en-US" sz="1200" b="0" i="0" dirty="0"/>
+              <a:t>We need to identify all the </a:t>
+            </a:r>
+            <a:r>
+              <a:rPr lang="en-US" sz="1200" kern="1200" dirty="0">
+                <a:solidFill>
+                  <a:schemeClr val="tx1"/>
+                </a:solidFill>
+                <a:effectLst/>
+                <a:latin typeface="+mn-lt"/>
+                <a:ea typeface="+mn-ea"/>
+                <a:cs typeface="+mn-cs"/>
+              </a:rPr>
+              <a:t>extract, transform, and load (</a:t>
+            </a:r>
+            <a:r>
+              <a:rPr lang="en-US" sz="1200" b="0" i="0" dirty="0"/>
+              <a:t>ETL) packages that load data from Oracle to SQL Server. We will upgrade all the connection strings to load the data warehouse from the new SQL Server OLTP database to the SQL Server data warehouse. We will have to change all the data source connections to SQL Server. If collation is different, we will need to address that with data conversion tasks in the data flow.</a:t>
+            </a:r>
+          </a:p>
+          <a:p>
+            <a:pPr marL="0" marR="0" lvl="0" indent="0" algn="l" defTabSz="914400" rtl="0" eaLnBrk="1" fontAlgn="auto" latinLnBrk="0" hangingPunct="1">
+              <a:lnSpc>
+                <a:spcPct val="100000"/>
+              </a:lnSpc>
+              <a:spcBef>
+                <a:spcPts val="0"/>
+              </a:spcBef>
+              <a:spcAft>
+                <a:spcPts val="0"/>
+              </a:spcAft>
+              <a:buClrTx/>
+              <a:buSzTx/>
+              <a:buFontTx/>
+              <a:buNone/>
+              <a:tabLst/>
+              <a:defRPr/>
+            </a:pPr>
+            <a:endParaRPr lang="en-US" sz="1200" b="0" i="0" dirty="0"/>
+          </a:p>
+          <a:p>
+            <a:pPr marL="0" marR="0" lvl="0" indent="0" algn="l" defTabSz="914400" rtl="0" eaLnBrk="1" fontAlgn="auto" latinLnBrk="0" hangingPunct="1">
+              <a:lnSpc>
+                <a:spcPct val="100000"/>
+              </a:lnSpc>
+              <a:spcBef>
+                <a:spcPts val="0"/>
+              </a:spcBef>
+              <a:spcAft>
+                <a:spcPts val="0"/>
+              </a:spcAft>
+              <a:buClrTx/>
+              <a:buSzTx/>
+              <a:buFontTx/>
+              <a:buNone/>
+              <a:tabLst/>
+              <a:defRPr/>
+            </a:pPr>
+            <a:r>
+              <a:rPr lang="en-US" sz="1200" b="1" i="1" dirty="0"/>
+              <a:t>What components do we need to use to upgrade the SQL Server Data warehouse to Azure SQL Database?</a:t>
+            </a:r>
+          </a:p>
+          <a:p>
+            <a:pPr marL="0" marR="0" lvl="0" indent="0" algn="l" defTabSz="914400" rtl="0" eaLnBrk="1" fontAlgn="auto" latinLnBrk="0" hangingPunct="1">
+              <a:lnSpc>
+                <a:spcPct val="100000"/>
+              </a:lnSpc>
+              <a:spcBef>
+                <a:spcPts val="0"/>
+              </a:spcBef>
+              <a:spcAft>
+                <a:spcPts val="0"/>
+              </a:spcAft>
+              <a:buClrTx/>
+              <a:buSzTx/>
+              <a:buFontTx/>
+              <a:buNone/>
+              <a:tabLst/>
+              <a:defRPr/>
+            </a:pPr>
+            <a:endParaRPr lang="en-US" sz="1200" b="0" i="0" dirty="0"/>
+          </a:p>
+          <a:p>
+            <a:pPr marL="171450" marR="0" lvl="0" indent="-171450" algn="l" defTabSz="914400" rtl="0" eaLnBrk="1" fontAlgn="auto" latinLnBrk="0" hangingPunct="1">
+              <a:lnSpc>
+                <a:spcPct val="100000"/>
+              </a:lnSpc>
+              <a:spcBef>
+                <a:spcPts val="0"/>
+              </a:spcBef>
+              <a:spcAft>
+                <a:spcPts val="0"/>
+              </a:spcAft>
+              <a:buClrTx/>
+              <a:buSzTx/>
+              <a:buFont typeface="Arial" panose="020B0604020202020204" pitchFamily="34" charset="0"/>
+              <a:buChar char="•"/>
+              <a:tabLst/>
+              <a:defRPr/>
+            </a:pPr>
+            <a:r>
+              <a:rPr lang="en-US" sz="1200" b="0" i="0" dirty="0"/>
+              <a:t>We will have to account for SQL Server security, SQL Server agent jobs, and external applications that might be hitting the engine and SSAS</a:t>
+            </a:r>
+          </a:p>
+          <a:p>
+            <a:pPr marL="171450" marR="0" lvl="0" indent="-171450" algn="l" defTabSz="914400" rtl="0" eaLnBrk="1" fontAlgn="auto" latinLnBrk="0" hangingPunct="1">
+              <a:lnSpc>
+                <a:spcPct val="100000"/>
+              </a:lnSpc>
+              <a:spcBef>
+                <a:spcPts val="0"/>
+              </a:spcBef>
+              <a:spcAft>
+                <a:spcPts val="0"/>
+              </a:spcAft>
+              <a:buClrTx/>
+              <a:buSzTx/>
+              <a:buFont typeface="Arial" panose="020B0604020202020204" pitchFamily="34" charset="0"/>
+              <a:buChar char="•"/>
+              <a:tabLst/>
+              <a:defRPr/>
+            </a:pPr>
+            <a:r>
+              <a:rPr lang="en-US" sz="1200" b="0" i="0" dirty="0"/>
+              <a:t>SSRS, SSAS, and SSIS will need to be upgraded and redeployed. All developers who are using BI tools will need to upgrade to the latest versions of SSMS and SQL Server Data Tools (SSDT).</a:t>
+            </a:r>
+          </a:p>
+          <a:p>
+            <a:pPr marL="0" marR="0" lvl="0" indent="0" algn="l" defTabSz="914400" rtl="0" eaLnBrk="1" fontAlgn="auto" latinLnBrk="0" hangingPunct="1">
+              <a:lnSpc>
+                <a:spcPct val="100000"/>
+              </a:lnSpc>
+              <a:spcBef>
+                <a:spcPts val="0"/>
+              </a:spcBef>
+              <a:spcAft>
+                <a:spcPts val="0"/>
+              </a:spcAft>
+              <a:buClrTx/>
+              <a:buSzTx/>
+              <a:buFontTx/>
+              <a:buNone/>
+              <a:tabLst/>
+              <a:defRPr/>
+            </a:pPr>
+            <a:endParaRPr lang="en-US" sz="1200" b="0" i="0" dirty="0"/>
+          </a:p>
+          <a:p>
+            <a:pPr marL="0" marR="0" lvl="0" indent="0" algn="l" defTabSz="914400" rtl="0" eaLnBrk="1" fontAlgn="auto" latinLnBrk="0" hangingPunct="1">
+              <a:lnSpc>
+                <a:spcPct val="100000"/>
+              </a:lnSpc>
+              <a:spcBef>
+                <a:spcPts val="0"/>
+              </a:spcBef>
+              <a:spcAft>
+                <a:spcPts val="0"/>
+              </a:spcAft>
+              <a:buClrTx/>
+              <a:buSzTx/>
+              <a:buFontTx/>
+              <a:buNone/>
+              <a:tabLst/>
+              <a:defRPr/>
+            </a:pPr>
+            <a:r>
+              <a:rPr lang="en-US" sz="1200" b="1" i="1" dirty="0"/>
+              <a:t>Identify the major milestones of delivery an upgrading to Azure SQL Database.</a:t>
+            </a:r>
+          </a:p>
+          <a:p>
+            <a:pPr marL="0" marR="0" lvl="0" indent="0" algn="l" defTabSz="914400" rtl="0" eaLnBrk="1" fontAlgn="auto" latinLnBrk="0" hangingPunct="1">
+              <a:lnSpc>
+                <a:spcPct val="100000"/>
+              </a:lnSpc>
+              <a:spcBef>
+                <a:spcPts val="0"/>
+              </a:spcBef>
+              <a:spcAft>
+                <a:spcPts val="0"/>
+              </a:spcAft>
+              <a:buClrTx/>
+              <a:buSzTx/>
+              <a:buFontTx/>
+              <a:buNone/>
+              <a:tabLst/>
+              <a:defRPr/>
+            </a:pPr>
+            <a:endParaRPr lang="en-US" sz="1200" b="0" i="0" dirty="0"/>
+          </a:p>
+          <a:p>
+            <a:pPr marL="0" marR="0" lvl="0" indent="0" algn="l" defTabSz="914400" rtl="0" eaLnBrk="1" fontAlgn="auto" latinLnBrk="0" hangingPunct="1">
+              <a:lnSpc>
+                <a:spcPct val="100000"/>
+              </a:lnSpc>
+              <a:spcBef>
+                <a:spcPts val="0"/>
+              </a:spcBef>
+              <a:spcAft>
+                <a:spcPts val="0"/>
+              </a:spcAft>
+              <a:buClrTx/>
+              <a:buSzTx/>
+              <a:buFontTx/>
+              <a:buNone/>
+              <a:tabLst/>
+              <a:defRPr/>
+            </a:pPr>
+            <a:r>
+              <a:rPr lang="en-US" sz="1200" b="0" i="0" dirty="0"/>
+              <a:t>A proper upgrade plan might look something like this:</a:t>
+            </a:r>
+          </a:p>
+          <a:p>
+            <a:pPr marL="171450" marR="0" lvl="0" indent="-171450" algn="l" defTabSz="914400" rtl="0" eaLnBrk="1" fontAlgn="auto" latinLnBrk="0" hangingPunct="1">
+              <a:lnSpc>
+                <a:spcPct val="100000"/>
+              </a:lnSpc>
+              <a:spcBef>
+                <a:spcPts val="0"/>
+              </a:spcBef>
+              <a:spcAft>
+                <a:spcPts val="0"/>
+              </a:spcAft>
+              <a:buClrTx/>
+              <a:buSzTx/>
+              <a:buFont typeface="Arial" panose="020B0604020202020204" pitchFamily="34" charset="0"/>
+              <a:buChar char="•"/>
+              <a:tabLst/>
+              <a:defRPr/>
+            </a:pPr>
+            <a:r>
+              <a:rPr lang="en-US" sz="1200" b="0" i="0" dirty="0"/>
+              <a:t>Assess</a:t>
             </a:r>
           </a:p>
           <a:p>
@@ -3890,7 +3345,7 @@
             </a:pPr>
             <a:r>
               <a:rPr lang="en-US" sz="1200" b="0" i="0" dirty="0"/>
-              <a:t>Use views to extend the table to another drive. Create a view with the original table name. Have two tables behind it, one on each different drive. Use instead of triggers to intercept the inserts and in the trigger, choose the active table.</a:t>
+              <a:t>Identify and Understand required changes</a:t>
             </a:r>
           </a:p>
           <a:p>
@@ -3913,7 +3368,30 @@
             </a:pPr>
             <a:r>
               <a:rPr lang="en-US" sz="1200" b="0" i="0" dirty="0"/>
-              <a:t>Use table partitions and move a newer partition to a new drive</a:t>
+              <a:t>Understand how to leverage new features</a:t>
+            </a:r>
+          </a:p>
+          <a:p>
+            <a:pPr marL="171450" marR="0" lvl="0" indent="-171450" algn="l" defTabSz="914400" rtl="0" eaLnBrk="1" fontAlgn="auto" latinLnBrk="0" hangingPunct="1">
+              <a:lnSpc>
+                <a:spcPct val="100000"/>
+              </a:lnSpc>
+              <a:spcBef>
+                <a:spcPts val="0"/>
+              </a:spcBef>
+              <a:spcAft>
+                <a:spcPts val="0"/>
+              </a:spcAft>
+              <a:buClrTx/>
+              <a:buSzTx/>
+              <a:buFont typeface="Arial" panose="020B0604020202020204" pitchFamily="34" charset="0"/>
+              <a:buChar char="•"/>
+              <a:tabLst/>
+              <a:defRPr/>
+            </a:pPr>
+            <a:r>
+              <a:rPr lang="en-US" sz="1200" b="0" i="0" dirty="0"/>
+              <a:t>Plan</a:t>
             </a:r>
           </a:p>
           <a:p>
@@ -3936,11 +3414,11 @@
             </a:pPr>
             <a:r>
               <a:rPr lang="en-US" sz="1200" b="0" i="0" dirty="0"/>
-              <a:t>Archive older records temporarily while we implement a longer-term solution</a:t>
-            </a:r>
-          </a:p>
-          <a:p>
-            <a:pPr marL="0" marR="0" lvl="0" indent="0" algn="l" defTabSz="914400" rtl="0" eaLnBrk="1" fontAlgn="auto" latinLnBrk="0" hangingPunct="1">
+              <a:t>When can I perform the migration?</a:t>
+            </a:r>
+          </a:p>
+          <a:p>
+            <a:pPr marL="628650" marR="0" lvl="1" indent="-171450" algn="l" defTabSz="914400" rtl="0" eaLnBrk="1" fontAlgn="auto" latinLnBrk="0" hangingPunct="1">
               <a:lnSpc>
                 <a:spcPct val="100000"/>
               </a:lnSpc>
@@ -3953,54 +3431,14 @@
               <a:buClrTx/>
               <a:buSzTx/>
               <a:buFont typeface="Arial" panose="020B0604020202020204" pitchFamily="34" charset="0"/>
-              <a:buNone/>
+              <a:buChar char="•"/>
               <a:tabLst/>
               <a:defRPr/>
             </a:pPr>
-            <a:endParaRPr lang="en-US" sz="1200" b="0" i="0" dirty="0"/>
-          </a:p>
-          <a:p>
-            <a:pPr marL="0" marR="0" lvl="0" indent="0" algn="l" defTabSz="914400" rtl="0" eaLnBrk="1" fontAlgn="auto" latinLnBrk="0" hangingPunct="1">
-              <a:lnSpc>
-                <a:spcPct val="100000"/>
-              </a:lnSpc>
-              <a:spcBef>
-                <a:spcPts val="0"/>
-              </a:spcBef>
-              <a:spcAft>
-                <a:spcPts val="0"/>
-              </a:spcAft>
-              <a:buClrTx/>
-              <a:buSzTx/>
-              <a:buFont typeface="Arial" panose="020B0604020202020204" pitchFamily="34" charset="0"/>
-              <a:buNone/>
-              <a:tabLst/>
-              <a:defRPr/>
-            </a:pPr>
-            <a:r>
-              <a:rPr lang="en-US" sz="1200" b="1" i="1" dirty="0"/>
-              <a:t>What are the SQL Server options for high availability?</a:t>
-            </a:r>
-          </a:p>
-          <a:p>
-            <a:pPr marL="0" marR="0" lvl="0" indent="0" algn="l" defTabSz="914400" rtl="0" eaLnBrk="1" fontAlgn="auto" latinLnBrk="0" hangingPunct="1">
-              <a:lnSpc>
-                <a:spcPct val="100000"/>
-              </a:lnSpc>
-              <a:spcBef>
-                <a:spcPts val="0"/>
-              </a:spcBef>
-              <a:spcAft>
-                <a:spcPts val="0"/>
-              </a:spcAft>
-              <a:buClrTx/>
-              <a:buSzTx/>
-              <a:buFont typeface="Arial" panose="020B0604020202020204" pitchFamily="34" charset="0"/>
-              <a:buNone/>
-              <a:tabLst/>
-              <a:defRPr/>
-            </a:pPr>
-            <a:endParaRPr lang="en-US" sz="1200" b="0" i="0" dirty="0"/>
+            <a:r>
+              <a:rPr lang="en-US" sz="1200" b="0" i="0" dirty="0"/>
+              <a:t>How will I apply required fixes?</a:t>
+            </a:r>
           </a:p>
           <a:p>
             <a:pPr marL="171450" marR="0" lvl="0" indent="-171450" algn="l" defTabSz="914400" rtl="0" eaLnBrk="1" fontAlgn="auto" latinLnBrk="0" hangingPunct="1">
@@ -4022,7 +3460,7 @@
             </a:pPr>
             <a:r>
               <a:rPr lang="en-US" sz="1200" b="0" i="0" dirty="0"/>
-              <a:t>SQL Server provides several options for creating high availability for a server or database. High-availability options include the following:</a:t>
+              <a:t>Migrate</a:t>
             </a:r>
           </a:p>
           <a:p>
@@ -4045,7 +3483,7 @@
             </a:pPr>
             <a:r>
               <a:rPr lang="en-US" sz="1200" b="0" i="0" dirty="0"/>
-              <a:t>Failover clustering</a:t>
+              <a:t>Perform schema and data movement</a:t>
             </a:r>
           </a:p>
           <a:p>
@@ -4068,7 +3506,116 @@
             </a:pPr>
             <a:r>
               <a:rPr lang="en-US" sz="1200" b="0" i="0" dirty="0"/>
-              <a:t>Database mirroring</a:t>
+              <a:t>Execute post migration fixes</a:t>
+            </a:r>
+          </a:p>
+          <a:p>
+            <a:pPr marL="0" marR="0" lvl="0" indent="0" algn="l" defTabSz="914400" rtl="0" eaLnBrk="1" fontAlgn="auto" latinLnBrk="0" hangingPunct="1">
+              <a:lnSpc>
+                <a:spcPct val="100000"/>
+              </a:lnSpc>
+              <a:spcBef>
+                <a:spcPts val="0"/>
+              </a:spcBef>
+              <a:spcAft>
+                <a:spcPts val="0"/>
+              </a:spcAft>
+              <a:buClrTx/>
+              <a:buSzTx/>
+              <a:buFontTx/>
+              <a:buNone/>
+              <a:tabLst/>
+              <a:defRPr/>
+            </a:pPr>
+            <a:endParaRPr lang="en-US" sz="1200" b="0" i="0" dirty="0"/>
+          </a:p>
+          <a:p>
+            <a:pPr marL="0" marR="0" lvl="0" indent="0" algn="l" defTabSz="914400" rtl="0" eaLnBrk="1" fontAlgn="auto" latinLnBrk="0" hangingPunct="1">
+              <a:lnSpc>
+                <a:spcPct val="100000"/>
+              </a:lnSpc>
+              <a:spcBef>
+                <a:spcPts val="0"/>
+              </a:spcBef>
+              <a:spcAft>
+                <a:spcPts val="0"/>
+              </a:spcAft>
+              <a:buClrTx/>
+              <a:buSzTx/>
+              <a:buFontTx/>
+              <a:buNone/>
+              <a:tabLst/>
+              <a:defRPr/>
+            </a:pPr>
+            <a:r>
+              <a:rPr lang="en-US" sz="1200" b="1" i="1" dirty="0"/>
+              <a:t>Are there any tools or processes that would make this easier? </a:t>
+            </a:r>
+          </a:p>
+          <a:p>
+            <a:pPr marL="0" marR="0" lvl="0" indent="0" algn="l" defTabSz="914400" rtl="0" eaLnBrk="1" fontAlgn="auto" latinLnBrk="0" hangingPunct="1">
+              <a:lnSpc>
+                <a:spcPct val="100000"/>
+              </a:lnSpc>
+              <a:spcBef>
+                <a:spcPts val="0"/>
+              </a:spcBef>
+              <a:spcAft>
+                <a:spcPts val="0"/>
+              </a:spcAft>
+              <a:buClrTx/>
+              <a:buSzTx/>
+              <a:buFontTx/>
+              <a:buNone/>
+              <a:tabLst/>
+              <a:defRPr/>
+            </a:pPr>
+            <a:endParaRPr lang="en-US" sz="1200" b="0" i="0" dirty="0"/>
+          </a:p>
+          <a:p>
+            <a:pPr marL="171450" marR="0" lvl="0" indent="-171450" algn="l" defTabSz="914400" rtl="0" eaLnBrk="1" fontAlgn="auto" latinLnBrk="0" hangingPunct="1">
+              <a:lnSpc>
+                <a:spcPct val="100000"/>
+              </a:lnSpc>
+              <a:spcBef>
+                <a:spcPts val="0"/>
+              </a:spcBef>
+              <a:spcAft>
+                <a:spcPts val="0"/>
+              </a:spcAft>
+              <a:buClrTx/>
+              <a:buSzTx/>
+              <a:buFont typeface="Arial" panose="020B0604020202020204" pitchFamily="34" charset="0"/>
+              <a:buChar char="•"/>
+              <a:tabLst/>
+              <a:defRPr/>
+            </a:pPr>
+            <a:r>
+              <a:rPr lang="en-US" sz="1200" b="0" i="0" dirty="0"/>
+              <a:t>Azure Database Migration Service</a:t>
+            </a:r>
+          </a:p>
+          <a:p>
+            <a:pPr marL="171450" marR="0" lvl="0" indent="-171450" algn="l" defTabSz="914400" rtl="0" eaLnBrk="1" fontAlgn="auto" latinLnBrk="0" hangingPunct="1">
+              <a:lnSpc>
+                <a:spcPct val="100000"/>
+              </a:lnSpc>
+              <a:spcBef>
+                <a:spcPts val="0"/>
+              </a:spcBef>
+              <a:spcAft>
+                <a:spcPts val="0"/>
+              </a:spcAft>
+              <a:buClrTx/>
+              <a:buSzTx/>
+              <a:buFont typeface="Arial" panose="020B0604020202020204" pitchFamily="34" charset="0"/>
+              <a:buChar char="•"/>
+              <a:tabLst/>
+              <a:defRPr/>
+            </a:pPr>
+            <a:r>
+              <a:rPr lang="en-US" sz="1200" b="0" i="0" dirty="0"/>
+              <a:t>Microsoft’s Data Migration Assistant </a:t>
             </a:r>
           </a:p>
           <a:p>
@@ -4091,7 +3638,7 @@
             </a:pPr>
             <a:r>
               <a:rPr lang="en-US" sz="1200" b="0" i="0" dirty="0"/>
-              <a:t>Log shipping</a:t>
+              <a:t>Can be used to upgrade the SQL Server Data Warehouse</a:t>
             </a:r>
           </a:p>
           <a:p>
@@ -4114,7 +3661,30 @@
             </a:pPr>
             <a:r>
               <a:rPr lang="en-US" sz="1200" b="0" i="0" dirty="0"/>
-              <a:t>Replication</a:t>
+              <a:t>Can upgrade the data and schema in the database, as well as the SSIS database (if there is one), SQL Logins, SQL Agent Jobs, and SSIS packages</a:t>
+            </a:r>
+          </a:p>
+          <a:p>
+            <a:pPr marL="171450" marR="0" lvl="0" indent="-171450" algn="l" defTabSz="914400" rtl="0" eaLnBrk="1" fontAlgn="auto" latinLnBrk="0" hangingPunct="1">
+              <a:lnSpc>
+                <a:spcPct val="100000"/>
+              </a:lnSpc>
+              <a:spcBef>
+                <a:spcPts val="0"/>
+              </a:spcBef>
+              <a:spcAft>
+                <a:spcPts val="0"/>
+              </a:spcAft>
+              <a:buClrTx/>
+              <a:buSzTx/>
+              <a:buFont typeface="Arial" panose="020B0604020202020204" pitchFamily="34" charset="0"/>
+              <a:buChar char="•"/>
+              <a:tabLst/>
+              <a:defRPr/>
+            </a:pPr>
+            <a:r>
+              <a:rPr lang="en-US" sz="1200" b="0" i="0" dirty="0"/>
+              <a:t>When doing the assessment, WWI can choose which Compatibility Level they want to target</a:t>
             </a:r>
           </a:p>
           <a:p>
@@ -4137,7 +3707,254 @@
             </a:pPr>
             <a:r>
               <a:rPr lang="en-US" sz="1200" b="0" i="0" dirty="0"/>
-              <a:t>Scalable shared databases</a:t>
+              <a:t>Don’t need to jump all the way forward to the very latest level right away</a:t>
+            </a:r>
+          </a:p>
+          <a:p>
+            <a:pPr marL="628650" marR="0" lvl="1" indent="-171450" algn="l" defTabSz="914400" rtl="0" eaLnBrk="1" fontAlgn="auto" latinLnBrk="0" hangingPunct="1">
+              <a:lnSpc>
+                <a:spcPct val="100000"/>
+              </a:lnSpc>
+              <a:spcBef>
+                <a:spcPts val="0"/>
+              </a:spcBef>
+              <a:spcAft>
+                <a:spcPts val="0"/>
+              </a:spcAft>
+              <a:buClrTx/>
+              <a:buSzTx/>
+              <a:buFont typeface="Arial" panose="020B0604020202020204" pitchFamily="34" charset="0"/>
+              <a:buChar char="•"/>
+              <a:tabLst/>
+              <a:defRPr/>
+            </a:pPr>
+            <a:r>
+              <a:rPr lang="en-US" sz="1200" b="0" i="0" dirty="0"/>
+              <a:t>Can help reduce the number of blocking issues they need to address manually before starting the migration</a:t>
+            </a:r>
+          </a:p>
+          <a:p>
+            <a:pPr marL="0" marR="0" lvl="0" indent="0" algn="l" defTabSz="914400" rtl="0" eaLnBrk="1" fontAlgn="auto" latinLnBrk="0" hangingPunct="1">
+              <a:lnSpc>
+                <a:spcPct val="100000"/>
+              </a:lnSpc>
+              <a:spcBef>
+                <a:spcPts val="0"/>
+              </a:spcBef>
+              <a:spcAft>
+                <a:spcPts val="0"/>
+              </a:spcAft>
+              <a:buClrTx/>
+              <a:buSzTx/>
+              <a:buFontTx/>
+              <a:buNone/>
+              <a:tabLst/>
+              <a:defRPr/>
+            </a:pPr>
+            <a:endParaRPr lang="en-US" sz="1200" b="0" i="0" dirty="0"/>
+          </a:p>
+          <a:p>
+            <a:pPr marL="0" marR="0" lvl="0" indent="0" algn="l" defTabSz="914400" rtl="0" eaLnBrk="1" fontAlgn="auto" latinLnBrk="0" hangingPunct="1">
+              <a:lnSpc>
+                <a:spcPct val="100000"/>
+              </a:lnSpc>
+              <a:spcBef>
+                <a:spcPts val="0"/>
+              </a:spcBef>
+              <a:spcAft>
+                <a:spcPts val="0"/>
+              </a:spcAft>
+              <a:buClrTx/>
+              <a:buSzTx/>
+              <a:buFontTx/>
+              <a:buNone/>
+              <a:tabLst/>
+              <a:defRPr/>
+            </a:pPr>
+            <a:r>
+              <a:rPr lang="en-US" sz="1200" b="1" i="1" dirty="0"/>
+              <a:t>What are the post upgrade steps we should consider in the POC? How would this address their concerns?</a:t>
+            </a:r>
+          </a:p>
+          <a:p>
+            <a:pPr marL="0" marR="0" lvl="0" indent="0" algn="l" defTabSz="914400" rtl="0" eaLnBrk="1" fontAlgn="auto" latinLnBrk="0" hangingPunct="1">
+              <a:lnSpc>
+                <a:spcPct val="100000"/>
+              </a:lnSpc>
+              <a:spcBef>
+                <a:spcPts val="0"/>
+              </a:spcBef>
+              <a:spcAft>
+                <a:spcPts val="0"/>
+              </a:spcAft>
+              <a:buClrTx/>
+              <a:buSzTx/>
+              <a:buFontTx/>
+              <a:buNone/>
+              <a:tabLst/>
+              <a:defRPr/>
+            </a:pPr>
+            <a:endParaRPr lang="en-US" sz="1200" b="1" i="1" dirty="0"/>
+          </a:p>
+          <a:p>
+            <a:pPr marL="171450" marR="0" lvl="0" indent="-171450" algn="l" defTabSz="914400" rtl="0" eaLnBrk="1" fontAlgn="auto" latinLnBrk="0" hangingPunct="1">
+              <a:lnSpc>
+                <a:spcPct val="100000"/>
+              </a:lnSpc>
+              <a:spcBef>
+                <a:spcPts val="0"/>
+              </a:spcBef>
+              <a:spcAft>
+                <a:spcPts val="0"/>
+              </a:spcAft>
+              <a:buClrTx/>
+              <a:buSzTx/>
+              <a:buFont typeface="Arial" panose="020B0604020202020204" pitchFamily="34" charset="0"/>
+              <a:buChar char="•"/>
+              <a:tabLst/>
+              <a:defRPr/>
+            </a:pPr>
+            <a:r>
+              <a:rPr lang="en-US" sz="1200" b="0" i="0" dirty="0"/>
+              <a:t>The Data Migration Assistant report, which is exported to a CSV file, should be reviewed for post-migration tasks identified by Data Migration Assistant</a:t>
+            </a:r>
+          </a:p>
+          <a:p>
+            <a:pPr marL="171450" marR="0" lvl="0" indent="-171450" algn="l" defTabSz="914400" rtl="0" eaLnBrk="1" fontAlgn="auto" latinLnBrk="0" hangingPunct="1">
+              <a:lnSpc>
+                <a:spcPct val="100000"/>
+              </a:lnSpc>
+              <a:spcBef>
+                <a:spcPts val="0"/>
+              </a:spcBef>
+              <a:spcAft>
+                <a:spcPts val="0"/>
+              </a:spcAft>
+              <a:buClrTx/>
+              <a:buSzTx/>
+              <a:buFont typeface="Arial" panose="020B0604020202020204" pitchFamily="34" charset="0"/>
+              <a:buChar char="•"/>
+              <a:tabLst/>
+              <a:defRPr/>
+            </a:pPr>
+            <a:r>
+              <a:rPr lang="en-US" sz="1200" b="0" i="0" dirty="0"/>
+              <a:t>After the upgrade, they need to quickly implement Transparent Data Encryption. This might complicate their populating test servers because a certificate and password are necessary to move the database to a new server.</a:t>
+            </a:r>
+          </a:p>
+          <a:p>
+            <a:pPr marL="171450" marR="0" lvl="0" indent="-171450" algn="l" defTabSz="914400" rtl="0" eaLnBrk="1" fontAlgn="auto" latinLnBrk="0" hangingPunct="1">
+              <a:lnSpc>
+                <a:spcPct val="100000"/>
+              </a:lnSpc>
+              <a:spcBef>
+                <a:spcPts val="0"/>
+              </a:spcBef>
+              <a:spcAft>
+                <a:spcPts val="0"/>
+              </a:spcAft>
+              <a:buClrTx/>
+              <a:buSzTx/>
+              <a:buFont typeface="Arial" panose="020B0604020202020204" pitchFamily="34" charset="0"/>
+              <a:buChar char="•"/>
+              <a:tabLst/>
+              <a:defRPr/>
+            </a:pPr>
+            <a:r>
+              <a:rPr lang="en-US" sz="1200" b="0" i="0" dirty="0"/>
+              <a:t>They can immediately implement table compression in test. Compression might put a load on their processor, but they should notice a big performance increase related to disk I/O. Compressing the large fact tables and large dimension tables should improve performance.</a:t>
+            </a:r>
+          </a:p>
+          <a:p>
+            <a:pPr marL="171450" marR="0" lvl="0" indent="-171450" algn="l" defTabSz="914400" rtl="0" eaLnBrk="1" fontAlgn="auto" latinLnBrk="0" hangingPunct="1">
+              <a:lnSpc>
+                <a:spcPct val="100000"/>
+              </a:lnSpc>
+              <a:spcBef>
+                <a:spcPts val="0"/>
+              </a:spcBef>
+              <a:spcAft>
+                <a:spcPts val="0"/>
+              </a:spcAft>
+              <a:buClrTx/>
+              <a:buSzTx/>
+              <a:buFont typeface="Arial" panose="020B0604020202020204" pitchFamily="34" charset="0"/>
+              <a:buChar char="•"/>
+              <a:tabLst/>
+              <a:defRPr/>
+            </a:pPr>
+            <a:r>
+              <a:rPr lang="en-US" sz="1200" b="0" i="0" dirty="0"/>
+              <a:t>Once installed, they can begin to experiment with SSRS mobile reporting and Power BI</a:t>
+            </a:r>
+          </a:p>
+          <a:p>
+            <a:pPr marL="171450" marR="0" lvl="0" indent="-171450" algn="l" defTabSz="914400" rtl="0" eaLnBrk="1" fontAlgn="auto" latinLnBrk="0" hangingPunct="1">
+              <a:lnSpc>
+                <a:spcPct val="100000"/>
+              </a:lnSpc>
+              <a:spcBef>
+                <a:spcPts val="0"/>
+              </a:spcBef>
+              <a:spcAft>
+                <a:spcPts val="0"/>
+              </a:spcAft>
+              <a:buClrTx/>
+              <a:buSzTx/>
+              <a:buFont typeface="Arial" panose="020B0604020202020204" pitchFamily="34" charset="0"/>
+              <a:buChar char="•"/>
+              <a:tabLst/>
+              <a:defRPr/>
+            </a:pPr>
+            <a:r>
+              <a:rPr lang="en-US" sz="1200" b="0" i="0" dirty="0"/>
+              <a:t>They should test if they get a performance increase by creating clustered ColumnStore indexes. Particularly, they should test their ETL processes. </a:t>
+            </a:r>
+          </a:p>
+          <a:p>
+            <a:pPr marL="171450" marR="0" lvl="0" indent="-171450" algn="l" defTabSz="914400" rtl="0" eaLnBrk="1" fontAlgn="auto" latinLnBrk="0" hangingPunct="1">
+              <a:lnSpc>
+                <a:spcPct val="100000"/>
+              </a:lnSpc>
+              <a:spcBef>
+                <a:spcPts val="0"/>
+              </a:spcBef>
+              <a:spcAft>
+                <a:spcPts val="0"/>
+              </a:spcAft>
+              <a:buClrTx/>
+              <a:buSzTx/>
+              <a:buFont typeface="Arial" panose="020B0604020202020204" pitchFamily="34" charset="0"/>
+              <a:buChar char="•"/>
+              <a:tabLst/>
+              <a:defRPr/>
+            </a:pPr>
+            <a:r>
+              <a:rPr lang="en-US" sz="1200" b="0" i="0" dirty="0"/>
+              <a:t>The customer cited concerns with a slow data warehouse. Implementing compression and ColumnStore clustered indexes will likely alleviate the performance issues. Transparent Data Encryption will help them pass their audits.</a:t>
+            </a:r>
+          </a:p>
+          <a:p>
+            <a:pPr marL="171450" marR="0" lvl="0" indent="-171450" algn="l" defTabSz="914400" rtl="0" eaLnBrk="1" fontAlgn="auto" latinLnBrk="0" hangingPunct="1">
+              <a:lnSpc>
+                <a:spcPct val="100000"/>
+              </a:lnSpc>
+              <a:spcBef>
+                <a:spcPts val="0"/>
+              </a:spcBef>
+              <a:spcAft>
+                <a:spcPts val="0"/>
+              </a:spcAft>
+              <a:buClrTx/>
+              <a:buSzTx/>
+              <a:buFont typeface="Arial" panose="020B0604020202020204" pitchFamily="34" charset="0"/>
+              <a:buChar char="•"/>
+              <a:tabLst/>
+              <a:defRPr/>
+            </a:pPr>
+            <a:r>
+              <a:rPr lang="en-US" sz="1200" b="0" i="0" dirty="0"/>
+              <a:t>Also, consider using the Database Experimentation Assistant to prove that these changes have improved query performance of the SQL Server Data warehouse.</a:t>
             </a:r>
           </a:p>
         </p:txBody>
@@ -4168,7 +3985,7 @@
     </p:spTree>
     <p:extLst>
       <p:ext uri="{BB962C8B-B14F-4D97-AF65-F5344CB8AC3E}">
-        <p14:creationId xmlns:p14="http://schemas.microsoft.com/office/powerpoint/2010/main" val="72998875"/>
+        <p14:creationId xmlns:p14="http://schemas.microsoft.com/office/powerpoint/2010/main" val="3761788928"/>
       </p:ext>
     </p:extLst>
   </p:cSld>
@@ -4222,352 +4039,6 @@
           <a:bodyPr/>
           <a:lstStyle/>
           <a:p>
-            <a:pPr lvl="0"/>
-            <a:r>
-              <a:rPr lang="en-US" sz="1200" b="1" i="1" kern="1200" dirty="0">
-                <a:solidFill>
-                  <a:schemeClr val="tx1"/>
-                </a:solidFill>
-                <a:effectLst/>
-                <a:latin typeface="+mn-lt"/>
-                <a:ea typeface="+mn-ea"/>
-                <a:cs typeface="+mn-cs"/>
-              </a:rPr>
-              <a:t>Should they move to on-premises first?</a:t>
-            </a:r>
-            <a:endParaRPr lang="en-US" b="1" dirty="0">
-              <a:effectLst/>
-            </a:endParaRPr>
-          </a:p>
-          <a:p>
-            <a:r>
-              <a:rPr lang="en-US" sz="1200" i="1" kern="1200" dirty="0">
-                <a:solidFill>
-                  <a:schemeClr val="tx1"/>
-                </a:solidFill>
-                <a:effectLst/>
-                <a:latin typeface="+mn-lt"/>
-                <a:ea typeface="+mn-ea"/>
-                <a:cs typeface="+mn-cs"/>
-              </a:rPr>
-              <a:t> </a:t>
-            </a:r>
-            <a:endParaRPr lang="en-US" dirty="0">
-              <a:effectLst/>
-            </a:endParaRPr>
-          </a:p>
-          <a:p>
-            <a:pPr marL="171450" indent="-171450">
-              <a:buFont typeface="Arial" panose="020B0604020202020204" pitchFamily="34" charset="0"/>
-              <a:buChar char="•"/>
-            </a:pPr>
-            <a:r>
-              <a:rPr lang="en-US" sz="1200" kern="1200" dirty="0">
-                <a:solidFill>
-                  <a:schemeClr val="tx1"/>
-                </a:solidFill>
-                <a:effectLst/>
-                <a:latin typeface="+mn-lt"/>
-                <a:ea typeface="+mn-ea"/>
-                <a:cs typeface="+mn-cs"/>
-              </a:rPr>
-              <a:t>This is a perfectly acceptable option</a:t>
-            </a:r>
-          </a:p>
-          <a:p>
-            <a:pPr marL="628650" lvl="1" indent="-171450">
-              <a:buFont typeface="Arial" panose="020B0604020202020204" pitchFamily="34" charset="0"/>
-              <a:buChar char="•"/>
-            </a:pPr>
-            <a:r>
-              <a:rPr lang="en-US" sz="1200" kern="1200" dirty="0">
-                <a:solidFill>
-                  <a:schemeClr val="tx1"/>
-                </a:solidFill>
-                <a:effectLst/>
-                <a:latin typeface="+mn-lt"/>
-                <a:ea typeface="+mn-ea"/>
-                <a:cs typeface="+mn-cs"/>
-              </a:rPr>
-              <a:t>If we do, we might consider using AlwaysOn, and creating a copy of the data in Azure as an AlwaysOn Secondary</a:t>
-            </a:r>
-          </a:p>
-          <a:p>
-            <a:pPr marL="628650" lvl="1" indent="-171450">
-              <a:buFont typeface="Arial" panose="020B0604020202020204" pitchFamily="34" charset="0"/>
-              <a:buChar char="•"/>
-            </a:pPr>
-            <a:r>
-              <a:rPr lang="en-US" sz="1200" kern="1200" dirty="0">
-                <a:solidFill>
-                  <a:schemeClr val="tx1"/>
-                </a:solidFill>
-                <a:effectLst/>
-                <a:latin typeface="+mn-lt"/>
-                <a:ea typeface="+mn-ea"/>
-                <a:cs typeface="+mn-cs"/>
-              </a:rPr>
-              <a:t>This would keep an active, current copy of the data in the cloud that we could use for Power BI, other Azure-based applications, or as part of a future Azure migration</a:t>
-            </a:r>
-          </a:p>
-          <a:p>
-            <a:pPr marL="171450" indent="-171450">
-              <a:buFont typeface="Arial" panose="020B0604020202020204" pitchFamily="34" charset="0"/>
-              <a:buChar char="•"/>
-            </a:pPr>
-            <a:r>
-              <a:rPr lang="en-US" sz="1200" kern="1200" dirty="0">
-                <a:solidFill>
-                  <a:schemeClr val="tx1"/>
-                </a:solidFill>
-                <a:effectLst/>
-                <a:latin typeface="+mn-lt"/>
-                <a:ea typeface="+mn-ea"/>
-                <a:cs typeface="+mn-cs"/>
-              </a:rPr>
-              <a:t>Other on-premises applications might keep them on-premises until they can figure out how to move those applications to the cloud </a:t>
-            </a:r>
-          </a:p>
-          <a:p>
-            <a:pPr marL="171450" indent="-171450">
-              <a:buFont typeface="Arial" panose="020B0604020202020204" pitchFamily="34" charset="0"/>
-              <a:buChar char="•"/>
-            </a:pPr>
-            <a:r>
-              <a:rPr lang="en-US" sz="1200" kern="1200" dirty="0">
-                <a:solidFill>
-                  <a:schemeClr val="tx1"/>
-                </a:solidFill>
-                <a:effectLst/>
-                <a:latin typeface="+mn-lt"/>
-                <a:ea typeface="+mn-ea"/>
-                <a:cs typeface="+mn-cs"/>
-              </a:rPr>
-              <a:t>It depends on the integration touchpoints, network latency needs, and reliable internet connectivity for all offices</a:t>
-            </a:r>
-            <a:endParaRPr lang="en-US" dirty="0">
-              <a:effectLst/>
-            </a:endParaRPr>
-          </a:p>
-          <a:p>
-            <a:r>
-              <a:rPr lang="en-US" sz="1200" kern="1200" dirty="0">
-                <a:solidFill>
-                  <a:schemeClr val="tx1"/>
-                </a:solidFill>
-                <a:effectLst/>
-                <a:latin typeface="+mn-lt"/>
-                <a:ea typeface="+mn-ea"/>
-                <a:cs typeface="+mn-cs"/>
-              </a:rPr>
-              <a:t> </a:t>
-            </a:r>
-            <a:endParaRPr lang="en-US" dirty="0">
-              <a:effectLst/>
-            </a:endParaRPr>
-          </a:p>
-          <a:p>
-            <a:pPr lvl="0"/>
-            <a:r>
-              <a:rPr lang="en-US" sz="1200" b="1" i="1" kern="1200" dirty="0">
-                <a:solidFill>
-                  <a:schemeClr val="tx1"/>
-                </a:solidFill>
-                <a:effectLst/>
-                <a:latin typeface="+mn-lt"/>
-                <a:ea typeface="+mn-ea"/>
-                <a:cs typeface="+mn-cs"/>
-              </a:rPr>
-              <a:t>Is there any benefit to going straight to Microsoft Azure? Does Azure SQL Database take care of all of their requirements?</a:t>
-            </a:r>
-            <a:endParaRPr lang="en-US" b="1" dirty="0">
-              <a:effectLst/>
-            </a:endParaRPr>
-          </a:p>
-          <a:p>
-            <a:r>
-              <a:rPr lang="en-US" sz="1200" i="1" kern="1200" dirty="0">
-                <a:solidFill>
-                  <a:schemeClr val="tx1"/>
-                </a:solidFill>
-                <a:effectLst/>
-                <a:latin typeface="+mn-lt"/>
-                <a:ea typeface="+mn-ea"/>
-                <a:cs typeface="+mn-cs"/>
-              </a:rPr>
-              <a:t> </a:t>
-            </a:r>
-            <a:endParaRPr lang="en-US" dirty="0">
-              <a:effectLst/>
-            </a:endParaRPr>
-          </a:p>
-          <a:p>
-            <a:pPr marL="171450" indent="-171450">
-              <a:buFont typeface="Arial" panose="020B0604020202020204" pitchFamily="34" charset="0"/>
-              <a:buChar char="•"/>
-            </a:pPr>
-            <a:r>
-              <a:rPr lang="en-US" sz="1200" kern="1200" dirty="0">
-                <a:solidFill>
-                  <a:schemeClr val="tx1"/>
-                </a:solidFill>
-                <a:effectLst/>
-                <a:latin typeface="+mn-lt"/>
-                <a:ea typeface="+mn-ea"/>
-                <a:cs typeface="+mn-cs"/>
-              </a:rPr>
-              <a:t>If the organization has chosen to go to the cloud, this might be a long-term cost savings of skipping purchasing the on-premises hardware</a:t>
-            </a:r>
-          </a:p>
-          <a:p>
-            <a:pPr marL="171450" indent="-171450">
-              <a:buFont typeface="Arial" panose="020B0604020202020204" pitchFamily="34" charset="0"/>
-              <a:buChar char="•"/>
-            </a:pPr>
-            <a:r>
-              <a:rPr lang="en-US" dirty="0">
-                <a:effectLst/>
-              </a:rPr>
-              <a:t>If the applications are already cloud born, or they have many external applications needing access, then this would not affect latency while removing the burden from WWI of maintaining the connectivity with all their integration partners</a:t>
-            </a:r>
-          </a:p>
-          <a:p>
-            <a:pPr marL="171450" indent="-171450">
-              <a:buFont typeface="Arial" panose="020B0604020202020204" pitchFamily="34" charset="0"/>
-              <a:buChar char="•"/>
-            </a:pPr>
-            <a:r>
-              <a:rPr lang="en-US" dirty="0">
-                <a:effectLst/>
-              </a:rPr>
-              <a:t>In addition, they would gain the benefit of simplifying future software upgrades so the current investment in new hardware was necessary. Some of their products would upgrade and offer new features with minimal effort on their part.</a:t>
-            </a:r>
-          </a:p>
-          <a:p>
-            <a:r>
-              <a:rPr lang="en-US" sz="1200" kern="1200" dirty="0">
-                <a:solidFill>
-                  <a:schemeClr val="tx1"/>
-                </a:solidFill>
-                <a:effectLst/>
-                <a:latin typeface="+mn-lt"/>
-                <a:ea typeface="+mn-ea"/>
-                <a:cs typeface="+mn-cs"/>
-              </a:rPr>
-              <a:t> </a:t>
-            </a:r>
-            <a:endParaRPr lang="en-US" dirty="0">
-              <a:effectLst/>
-            </a:endParaRPr>
-          </a:p>
-          <a:p>
-            <a:pPr lvl="0"/>
-            <a:r>
-              <a:rPr lang="en-US" sz="1200" b="1" i="0" kern="1200" dirty="0">
-                <a:solidFill>
-                  <a:schemeClr val="tx1"/>
-                </a:solidFill>
-                <a:effectLst/>
-                <a:latin typeface="+mn-lt"/>
-                <a:ea typeface="+mn-ea"/>
-                <a:cs typeface="+mn-cs"/>
-              </a:rPr>
-              <a:t>Are there any questions we need answered before we can begin a POC directly to Microsoft Azure?</a:t>
-            </a:r>
-            <a:endParaRPr lang="en-US" b="1" i="0" dirty="0">
-              <a:effectLst/>
-            </a:endParaRPr>
-          </a:p>
-          <a:p>
-            <a:r>
-              <a:rPr lang="en-US" sz="1200" i="1" kern="1200" dirty="0">
-                <a:solidFill>
-                  <a:schemeClr val="tx1"/>
-                </a:solidFill>
-                <a:effectLst/>
-                <a:latin typeface="+mn-lt"/>
-                <a:ea typeface="+mn-ea"/>
-                <a:cs typeface="+mn-cs"/>
-              </a:rPr>
-              <a:t> </a:t>
-            </a:r>
-            <a:endParaRPr lang="en-US" dirty="0">
-              <a:effectLst/>
-            </a:endParaRPr>
-          </a:p>
-          <a:p>
-            <a:pPr marL="171450" lvl="0" indent="-171450">
-              <a:buFont typeface="Arial" panose="020B0604020202020204" pitchFamily="34" charset="0"/>
-              <a:buChar char="•"/>
-            </a:pPr>
-            <a:r>
-              <a:rPr lang="en-US" sz="1200" kern="1200" dirty="0">
-                <a:solidFill>
-                  <a:schemeClr val="tx1"/>
-                </a:solidFill>
-                <a:effectLst/>
-                <a:latin typeface="+mn-lt"/>
-                <a:ea typeface="+mn-ea"/>
-                <a:cs typeface="+mn-cs"/>
-              </a:rPr>
-              <a:t>What is network connectivity like between on-premises and the cloud?</a:t>
-            </a:r>
-          </a:p>
-          <a:p>
-            <a:pPr marL="171450" lvl="0" indent="-171450">
-              <a:buFont typeface="Arial" panose="020B0604020202020204" pitchFamily="34" charset="0"/>
-              <a:buChar char="•"/>
-            </a:pPr>
-            <a:r>
-              <a:rPr lang="en-US" sz="1200" kern="1200" dirty="0">
-                <a:solidFill>
-                  <a:schemeClr val="tx1"/>
-                </a:solidFill>
-                <a:effectLst/>
-                <a:latin typeface="+mn-lt"/>
-                <a:ea typeface="+mn-ea"/>
-                <a:cs typeface="+mn-cs"/>
-              </a:rPr>
-              <a:t>What are our long-term cloud plans? Is there a mandate to go there any way?</a:t>
-            </a:r>
-          </a:p>
-          <a:p>
-            <a:pPr marL="171450" lvl="0" indent="-171450">
-              <a:buFont typeface="Arial" panose="020B0604020202020204" pitchFamily="34" charset="0"/>
-              <a:buChar char="•"/>
-            </a:pPr>
-            <a:r>
-              <a:rPr lang="en-US" sz="1200" kern="1200" dirty="0">
-                <a:solidFill>
-                  <a:schemeClr val="tx1"/>
-                </a:solidFill>
-                <a:effectLst/>
-                <a:latin typeface="+mn-lt"/>
-                <a:ea typeface="+mn-ea"/>
-                <a:cs typeface="+mn-cs"/>
-              </a:rPr>
-              <a:t>Where is the rest of the data integration points stored? Are they on-premises? Is anything in Microsoft Azure already?</a:t>
-            </a:r>
-          </a:p>
-          <a:p>
-            <a:pPr marL="171450" lvl="0" indent="-171450">
-              <a:buFont typeface="Arial" panose="020B0604020202020204" pitchFamily="34" charset="0"/>
-              <a:buChar char="•"/>
-            </a:pPr>
-            <a:r>
-              <a:rPr lang="en-US" sz="1200" kern="1200" dirty="0">
-                <a:solidFill>
-                  <a:schemeClr val="tx1"/>
-                </a:solidFill>
-                <a:effectLst/>
-                <a:latin typeface="+mn-lt"/>
-                <a:ea typeface="+mn-ea"/>
-                <a:cs typeface="+mn-cs"/>
-              </a:rPr>
-              <a:t>Are there any cloud products that are already on the roadmap for the organization?</a:t>
-            </a:r>
-          </a:p>
-          <a:p>
             <a:pPr marL="0" marR="0" lvl="0" indent="0" algn="l" defTabSz="914400" rtl="0" eaLnBrk="1" fontAlgn="auto" latinLnBrk="0" hangingPunct="1">
               <a:lnSpc>
                 <a:spcPct val="100000"/>
@@ -4580,12 +4051,351 @@
               </a:spcAft>
               <a:buClrTx/>
               <a:buSzTx/>
-              <a:buFontTx/>
+              <a:buFont typeface="Arial" panose="020B0604020202020204" pitchFamily="34" charset="0"/>
               <a:buNone/>
               <a:tabLst/>
               <a:defRPr/>
             </a:pPr>
+            <a:r>
+              <a:rPr lang="en-US" sz="1200" b="1" i="1" dirty="0"/>
+              <a:t>If our solution was SQL Server, what could WWI have done with the audit table when it filled up?</a:t>
+            </a:r>
+          </a:p>
+          <a:p>
+            <a:pPr marL="0" marR="0" lvl="0" indent="0" algn="l" defTabSz="914400" rtl="0" eaLnBrk="1" fontAlgn="auto" latinLnBrk="0" hangingPunct="1">
+              <a:lnSpc>
+                <a:spcPct val="100000"/>
+              </a:lnSpc>
+              <a:spcBef>
+                <a:spcPts val="0"/>
+              </a:spcBef>
+              <a:spcAft>
+                <a:spcPts val="0"/>
+              </a:spcAft>
+              <a:buClrTx/>
+              <a:buSzTx/>
+              <a:buFont typeface="Arial" panose="020B0604020202020204" pitchFamily="34" charset="0"/>
+              <a:buNone/>
+              <a:tabLst/>
+              <a:defRPr/>
+            </a:pPr>
             <a:endParaRPr lang="en-US" sz="1200" b="0" i="0" dirty="0"/>
+          </a:p>
+          <a:p>
+            <a:pPr marL="171450" marR="0" lvl="0" indent="-171450" algn="l" defTabSz="914400" rtl="0" eaLnBrk="1" fontAlgn="auto" latinLnBrk="0" hangingPunct="1">
+              <a:lnSpc>
+                <a:spcPct val="100000"/>
+              </a:lnSpc>
+              <a:spcBef>
+                <a:spcPts val="0"/>
+              </a:spcBef>
+              <a:spcAft>
+                <a:spcPts val="0"/>
+              </a:spcAft>
+              <a:buClrTx/>
+              <a:buSzTx/>
+              <a:buFont typeface="Arial" panose="020B0604020202020204" pitchFamily="34" charset="0"/>
+              <a:buChar char="•"/>
+              <a:tabLst/>
+              <a:defRPr/>
+            </a:pPr>
+            <a:r>
+              <a:rPr lang="en-US" sz="1200" b="0" i="0" dirty="0"/>
+              <a:t>Implement SQL Server Stretch Database to grow the audit table while we worked on a long-term solution</a:t>
+            </a:r>
+          </a:p>
+          <a:p>
+            <a:pPr marL="171450" marR="0" lvl="0" indent="-171450" algn="l" defTabSz="914400" rtl="0" eaLnBrk="1" fontAlgn="auto" latinLnBrk="0" hangingPunct="1">
+              <a:lnSpc>
+                <a:spcPct val="100000"/>
+              </a:lnSpc>
+              <a:spcBef>
+                <a:spcPts val="0"/>
+              </a:spcBef>
+              <a:spcAft>
+                <a:spcPts val="0"/>
+              </a:spcAft>
+              <a:buClrTx/>
+              <a:buSzTx/>
+              <a:buFont typeface="Arial" panose="020B0604020202020204" pitchFamily="34" charset="0"/>
+              <a:buChar char="•"/>
+              <a:tabLst/>
+              <a:defRPr/>
+            </a:pPr>
+            <a:r>
+              <a:rPr lang="en-US" sz="1200" b="0" i="0" dirty="0"/>
+              <a:t>There are other possible answers below:</a:t>
+            </a:r>
+          </a:p>
+          <a:p>
+            <a:pPr marL="628650" marR="0" lvl="1" indent="-171450" algn="l" defTabSz="914400" rtl="0" eaLnBrk="1" fontAlgn="auto" latinLnBrk="0" hangingPunct="1">
+              <a:lnSpc>
+                <a:spcPct val="100000"/>
+              </a:lnSpc>
+              <a:spcBef>
+                <a:spcPts val="0"/>
+              </a:spcBef>
+              <a:spcAft>
+                <a:spcPts val="0"/>
+              </a:spcAft>
+              <a:buClrTx/>
+              <a:buSzTx/>
+              <a:buFont typeface="Arial" panose="020B0604020202020204" pitchFamily="34" charset="0"/>
+              <a:buChar char="•"/>
+              <a:tabLst/>
+              <a:defRPr/>
+            </a:pPr>
+            <a:r>
+              <a:rPr lang="en-US" sz="1200" b="0" i="0" dirty="0"/>
+              <a:t>Use views to extend the table to another drive. Create a view with the original table name. Have two tables behind it, one on each different drive. Use instead of triggers to intercept the inserts and in the trigger, choose the active table.</a:t>
+            </a:r>
+          </a:p>
+          <a:p>
+            <a:pPr marL="628650" marR="0" lvl="1" indent="-171450" algn="l" defTabSz="914400" rtl="0" eaLnBrk="1" fontAlgn="auto" latinLnBrk="0" hangingPunct="1">
+              <a:lnSpc>
+                <a:spcPct val="100000"/>
+              </a:lnSpc>
+              <a:spcBef>
+                <a:spcPts val="0"/>
+              </a:spcBef>
+              <a:spcAft>
+                <a:spcPts val="0"/>
+              </a:spcAft>
+              <a:buClrTx/>
+              <a:buSzTx/>
+              <a:buFont typeface="Arial" panose="020B0604020202020204" pitchFamily="34" charset="0"/>
+              <a:buChar char="•"/>
+              <a:tabLst/>
+              <a:defRPr/>
+            </a:pPr>
+            <a:r>
+              <a:rPr lang="en-US" sz="1200" b="0" i="0" dirty="0"/>
+              <a:t>Use table partitions and move a newer partition to a new drive</a:t>
+            </a:r>
+          </a:p>
+          <a:p>
+            <a:pPr marL="628650" marR="0" lvl="1" indent="-171450" algn="l" defTabSz="914400" rtl="0" eaLnBrk="1" fontAlgn="auto" latinLnBrk="0" hangingPunct="1">
+              <a:lnSpc>
+                <a:spcPct val="100000"/>
+              </a:lnSpc>
+              <a:spcBef>
+                <a:spcPts val="0"/>
+              </a:spcBef>
+              <a:spcAft>
+                <a:spcPts val="0"/>
+              </a:spcAft>
+              <a:buClrTx/>
+              <a:buSzTx/>
+              <a:buFont typeface="Arial" panose="020B0604020202020204" pitchFamily="34" charset="0"/>
+              <a:buChar char="•"/>
+              <a:tabLst/>
+              <a:defRPr/>
+            </a:pPr>
+            <a:r>
+              <a:rPr lang="en-US" sz="1200" b="0" i="0" dirty="0"/>
+              <a:t>Archive older records temporarily while we implement a longer-term solution</a:t>
+            </a:r>
+          </a:p>
+          <a:p>
+            <a:pPr marL="0" marR="0" lvl="0" indent="0" algn="l" defTabSz="914400" rtl="0" eaLnBrk="1" fontAlgn="auto" latinLnBrk="0" hangingPunct="1">
+              <a:lnSpc>
+                <a:spcPct val="100000"/>
+              </a:lnSpc>
+              <a:spcBef>
+                <a:spcPts val="0"/>
+              </a:spcBef>
+              <a:spcAft>
+                <a:spcPts val="0"/>
+              </a:spcAft>
+              <a:buClrTx/>
+              <a:buSzTx/>
+              <a:buFont typeface="Arial" panose="020B0604020202020204" pitchFamily="34" charset="0"/>
+              <a:buNone/>
+              <a:tabLst/>
+              <a:defRPr/>
+            </a:pPr>
+            <a:endParaRPr lang="en-US" sz="1200" b="0" i="0" dirty="0"/>
+          </a:p>
+          <a:p>
+            <a:pPr marL="0" marR="0" lvl="0" indent="0" algn="l" defTabSz="914400" rtl="0" eaLnBrk="1" fontAlgn="auto" latinLnBrk="0" hangingPunct="1">
+              <a:lnSpc>
+                <a:spcPct val="100000"/>
+              </a:lnSpc>
+              <a:spcBef>
+                <a:spcPts val="0"/>
+              </a:spcBef>
+              <a:spcAft>
+                <a:spcPts val="0"/>
+              </a:spcAft>
+              <a:buClrTx/>
+              <a:buSzTx/>
+              <a:buFont typeface="Arial" panose="020B0604020202020204" pitchFamily="34" charset="0"/>
+              <a:buNone/>
+              <a:tabLst/>
+              <a:defRPr/>
+            </a:pPr>
+            <a:r>
+              <a:rPr lang="en-US" sz="1200" b="1" i="1" dirty="0"/>
+              <a:t>What are the SQL Server options for high availability?</a:t>
+            </a:r>
+          </a:p>
+          <a:p>
+            <a:pPr marL="0" marR="0" lvl="0" indent="0" algn="l" defTabSz="914400" rtl="0" eaLnBrk="1" fontAlgn="auto" latinLnBrk="0" hangingPunct="1">
+              <a:lnSpc>
+                <a:spcPct val="100000"/>
+              </a:lnSpc>
+              <a:spcBef>
+                <a:spcPts val="0"/>
+              </a:spcBef>
+              <a:spcAft>
+                <a:spcPts val="0"/>
+              </a:spcAft>
+              <a:buClrTx/>
+              <a:buSzTx/>
+              <a:buFont typeface="Arial" panose="020B0604020202020204" pitchFamily="34" charset="0"/>
+              <a:buNone/>
+              <a:tabLst/>
+              <a:defRPr/>
+            </a:pPr>
+            <a:endParaRPr lang="en-US" sz="1200" b="0" i="0" dirty="0"/>
+          </a:p>
+          <a:p>
+            <a:pPr marL="171450" marR="0" lvl="0" indent="-171450" algn="l" defTabSz="914400" rtl="0" eaLnBrk="1" fontAlgn="auto" latinLnBrk="0" hangingPunct="1">
+              <a:lnSpc>
+                <a:spcPct val="100000"/>
+              </a:lnSpc>
+              <a:spcBef>
+                <a:spcPts val="0"/>
+              </a:spcBef>
+              <a:spcAft>
+                <a:spcPts val="0"/>
+              </a:spcAft>
+              <a:buClrTx/>
+              <a:buSzTx/>
+              <a:buFont typeface="Arial" panose="020B0604020202020204" pitchFamily="34" charset="0"/>
+              <a:buChar char="•"/>
+              <a:tabLst/>
+              <a:defRPr/>
+            </a:pPr>
+            <a:r>
+              <a:rPr lang="en-US" sz="1200" b="0" i="0" dirty="0"/>
+              <a:t>SQL Server provides several options for creating high availability for a server or database. High-availability options include the following:</a:t>
+            </a:r>
+          </a:p>
+          <a:p>
+            <a:pPr marL="628650" marR="0" lvl="1" indent="-171450" algn="l" defTabSz="914400" rtl="0" eaLnBrk="1" fontAlgn="auto" latinLnBrk="0" hangingPunct="1">
+              <a:lnSpc>
+                <a:spcPct val="100000"/>
+              </a:lnSpc>
+              <a:spcBef>
+                <a:spcPts val="0"/>
+              </a:spcBef>
+              <a:spcAft>
+                <a:spcPts val="0"/>
+              </a:spcAft>
+              <a:buClrTx/>
+              <a:buSzTx/>
+              <a:buFont typeface="Arial" panose="020B0604020202020204" pitchFamily="34" charset="0"/>
+              <a:buChar char="•"/>
+              <a:tabLst/>
+              <a:defRPr/>
+            </a:pPr>
+            <a:r>
+              <a:rPr lang="en-US" sz="1200" b="0" i="0" dirty="0"/>
+              <a:t>Failover clustering</a:t>
+            </a:r>
+          </a:p>
+          <a:p>
+            <a:pPr marL="628650" marR="0" lvl="1" indent="-171450" algn="l" defTabSz="914400" rtl="0" eaLnBrk="1" fontAlgn="auto" latinLnBrk="0" hangingPunct="1">
+              <a:lnSpc>
+                <a:spcPct val="100000"/>
+              </a:lnSpc>
+              <a:spcBef>
+                <a:spcPts val="0"/>
+              </a:spcBef>
+              <a:spcAft>
+                <a:spcPts val="0"/>
+              </a:spcAft>
+              <a:buClrTx/>
+              <a:buSzTx/>
+              <a:buFont typeface="Arial" panose="020B0604020202020204" pitchFamily="34" charset="0"/>
+              <a:buChar char="•"/>
+              <a:tabLst/>
+              <a:defRPr/>
+            </a:pPr>
+            <a:r>
+              <a:rPr lang="en-US" sz="1200" b="0" i="0" dirty="0"/>
+              <a:t>Database mirroring</a:t>
+            </a:r>
+          </a:p>
+          <a:p>
+            <a:pPr marL="628650" marR="0" lvl="1" indent="-171450" algn="l" defTabSz="914400" rtl="0" eaLnBrk="1" fontAlgn="auto" latinLnBrk="0" hangingPunct="1">
+              <a:lnSpc>
+                <a:spcPct val="100000"/>
+              </a:lnSpc>
+              <a:spcBef>
+                <a:spcPts val="0"/>
+              </a:spcBef>
+              <a:spcAft>
+                <a:spcPts val="0"/>
+              </a:spcAft>
+              <a:buClrTx/>
+              <a:buSzTx/>
+              <a:buFont typeface="Arial" panose="020B0604020202020204" pitchFamily="34" charset="0"/>
+              <a:buChar char="•"/>
+              <a:tabLst/>
+              <a:defRPr/>
+            </a:pPr>
+            <a:r>
+              <a:rPr lang="en-US" sz="1200" b="0" i="0" dirty="0"/>
+              <a:t>Log shipping</a:t>
+            </a:r>
+          </a:p>
+          <a:p>
+            <a:pPr marL="628650" marR="0" lvl="1" indent="-171450" algn="l" defTabSz="914400" rtl="0" eaLnBrk="1" fontAlgn="auto" latinLnBrk="0" hangingPunct="1">
+              <a:lnSpc>
+                <a:spcPct val="100000"/>
+              </a:lnSpc>
+              <a:spcBef>
+                <a:spcPts val="0"/>
+              </a:spcBef>
+              <a:spcAft>
+                <a:spcPts val="0"/>
+              </a:spcAft>
+              <a:buClrTx/>
+              <a:buSzTx/>
+              <a:buFont typeface="Arial" panose="020B0604020202020204" pitchFamily="34" charset="0"/>
+              <a:buChar char="•"/>
+              <a:tabLst/>
+              <a:defRPr/>
+            </a:pPr>
+            <a:r>
+              <a:rPr lang="en-US" sz="1200" b="0" i="0" dirty="0"/>
+              <a:t>Replication</a:t>
+            </a:r>
+          </a:p>
+          <a:p>
+            <a:pPr marL="628650" marR="0" lvl="1" indent="-171450" algn="l" defTabSz="914400" rtl="0" eaLnBrk="1" fontAlgn="auto" latinLnBrk="0" hangingPunct="1">
+              <a:lnSpc>
+                <a:spcPct val="100000"/>
+              </a:lnSpc>
+              <a:spcBef>
+                <a:spcPts val="0"/>
+              </a:spcBef>
+              <a:spcAft>
+                <a:spcPts val="0"/>
+              </a:spcAft>
+              <a:buClrTx/>
+              <a:buSzTx/>
+              <a:buFont typeface="Arial" panose="020B0604020202020204" pitchFamily="34" charset="0"/>
+              <a:buChar char="•"/>
+              <a:tabLst/>
+              <a:defRPr/>
+            </a:pPr>
+            <a:r>
+              <a:rPr lang="en-US" sz="1200" b="0" i="0" dirty="0"/>
+              <a:t>Scalable shared databases</a:t>
+            </a:r>
           </a:p>
         </p:txBody>
       </p:sp>
@@ -4615,7 +4425,7 @@
     </p:spTree>
     <p:extLst>
       <p:ext uri="{BB962C8B-B14F-4D97-AF65-F5344CB8AC3E}">
-        <p14:creationId xmlns:p14="http://schemas.microsoft.com/office/powerpoint/2010/main" val="7067665"/>
+        <p14:creationId xmlns:p14="http://schemas.microsoft.com/office/powerpoint/2010/main" val="72998875"/>
       </p:ext>
     </p:extLst>
   </p:cSld>
@@ -4669,17 +4479,353 @@
           <a:bodyPr/>
           <a:lstStyle/>
           <a:p>
-            <a:pPr marL="0" indent="0">
+            <a:pPr lvl="0"/>
+            <a:r>
+              <a:rPr lang="en-US" sz="1200" b="1" i="1" kern="1200" dirty="0">
+                <a:solidFill>
+                  <a:schemeClr val="tx1"/>
+                </a:solidFill>
+                <a:effectLst/>
+                <a:latin typeface="+mn-lt"/>
+                <a:ea typeface="+mn-ea"/>
+                <a:cs typeface="+mn-cs"/>
+              </a:rPr>
+              <a:t>Should they move to on-premises first?</a:t>
+            </a:r>
+            <a:endParaRPr lang="en-US" b="1" dirty="0">
+              <a:effectLst/>
+            </a:endParaRPr>
+          </a:p>
+          <a:p>
+            <a:r>
+              <a:rPr lang="en-US" sz="1200" i="1" kern="1200" dirty="0">
+                <a:solidFill>
+                  <a:schemeClr val="tx1"/>
+                </a:solidFill>
+                <a:effectLst/>
+                <a:latin typeface="+mn-lt"/>
+                <a:ea typeface="+mn-ea"/>
+                <a:cs typeface="+mn-cs"/>
+              </a:rPr>
+              <a:t> </a:t>
+            </a:r>
+            <a:endParaRPr lang="en-US" dirty="0">
+              <a:effectLst/>
+            </a:endParaRPr>
+          </a:p>
+          <a:p>
+            <a:pPr marL="171450" indent="-171450">
               <a:buFont typeface="Arial" panose="020B0604020202020204" pitchFamily="34" charset="0"/>
-              <a:buNone/>
-            </a:pPr>
-            <a:r>
-              <a:rPr lang="en-US" b="1" i="1" dirty="0"/>
-              <a:t>Do we need to upgrade to on-premises SQL Server first or go straight to Azure?</a:t>
-            </a:r>
-          </a:p>
-          <a:p>
-            <a:pPr marL="171450" marR="0" lvl="0" indent="-171450" algn="l" defTabSz="914400" rtl="0" eaLnBrk="1" fontAlgn="auto" latinLnBrk="0" hangingPunct="1">
+              <a:buChar char="•"/>
+            </a:pPr>
+            <a:r>
+              <a:rPr lang="en-US" sz="1200" kern="1200" dirty="0">
+                <a:solidFill>
+                  <a:schemeClr val="tx1"/>
+                </a:solidFill>
+                <a:effectLst/>
+                <a:latin typeface="+mn-lt"/>
+                <a:ea typeface="+mn-ea"/>
+                <a:cs typeface="+mn-cs"/>
+              </a:rPr>
+              <a:t>This is a perfectly acceptable option</a:t>
+            </a:r>
+          </a:p>
+          <a:p>
+            <a:pPr marL="628650" lvl="1" indent="-171450">
+              <a:buFont typeface="Arial" panose="020B0604020202020204" pitchFamily="34" charset="0"/>
+              <a:buChar char="•"/>
+            </a:pPr>
+            <a:r>
+              <a:rPr lang="en-US" sz="1200" kern="1200" dirty="0">
+                <a:solidFill>
+                  <a:schemeClr val="tx1"/>
+                </a:solidFill>
+                <a:effectLst/>
+                <a:latin typeface="+mn-lt"/>
+                <a:ea typeface="+mn-ea"/>
+                <a:cs typeface="+mn-cs"/>
+              </a:rPr>
+              <a:t>If we do, we might consider using AlwaysOn, and creating a copy of the data in Azure as an AlwaysOn Secondary</a:t>
+            </a:r>
+          </a:p>
+          <a:p>
+            <a:pPr marL="628650" lvl="1" indent="-171450">
+              <a:buFont typeface="Arial" panose="020B0604020202020204" pitchFamily="34" charset="0"/>
+              <a:buChar char="•"/>
+            </a:pPr>
+            <a:r>
+              <a:rPr lang="en-US" sz="1200" kern="1200" dirty="0">
+                <a:solidFill>
+                  <a:schemeClr val="tx1"/>
+                </a:solidFill>
+                <a:effectLst/>
+                <a:latin typeface="+mn-lt"/>
+                <a:ea typeface="+mn-ea"/>
+                <a:cs typeface="+mn-cs"/>
+              </a:rPr>
+              <a:t>This would keep an active, current copy of the data in the cloud that we could use for Power BI, other Azure-based applications, or as part of a future Azure migration</a:t>
+            </a:r>
+          </a:p>
+          <a:p>
+            <a:pPr marL="171450" indent="-171450">
+              <a:buFont typeface="Arial" panose="020B0604020202020204" pitchFamily="34" charset="0"/>
+              <a:buChar char="•"/>
+            </a:pPr>
+            <a:r>
+              <a:rPr lang="en-US" sz="1200" kern="1200" dirty="0">
+                <a:solidFill>
+                  <a:schemeClr val="tx1"/>
+                </a:solidFill>
+                <a:effectLst/>
+                <a:latin typeface="+mn-lt"/>
+                <a:ea typeface="+mn-ea"/>
+                <a:cs typeface="+mn-cs"/>
+              </a:rPr>
+              <a:t>Other on-premises applications might keep them on-premises until they can figure out how to move those applications to the cloud </a:t>
+            </a:r>
+          </a:p>
+          <a:p>
+            <a:pPr marL="171450" indent="-171450">
+              <a:buFont typeface="Arial" panose="020B0604020202020204" pitchFamily="34" charset="0"/>
+              <a:buChar char="•"/>
+            </a:pPr>
+            <a:r>
+              <a:rPr lang="en-US" sz="1200" kern="1200" dirty="0">
+                <a:solidFill>
+                  <a:schemeClr val="tx1"/>
+                </a:solidFill>
+                <a:effectLst/>
+                <a:latin typeface="+mn-lt"/>
+                <a:ea typeface="+mn-ea"/>
+                <a:cs typeface="+mn-cs"/>
+              </a:rPr>
+              <a:t>It depends on the integration touchpoints, network latency needs, and reliable internet connectivity for all offices</a:t>
+            </a:r>
+            <a:endParaRPr lang="en-US" dirty="0">
+              <a:effectLst/>
+            </a:endParaRPr>
+          </a:p>
+          <a:p>
+            <a:r>
+              <a:rPr lang="en-US" sz="1200" kern="1200" dirty="0">
+                <a:solidFill>
+                  <a:schemeClr val="tx1"/>
+                </a:solidFill>
+                <a:effectLst/>
+                <a:latin typeface="+mn-lt"/>
+                <a:ea typeface="+mn-ea"/>
+                <a:cs typeface="+mn-cs"/>
+              </a:rPr>
+              <a:t> </a:t>
+            </a:r>
+            <a:endParaRPr lang="en-US" dirty="0">
+              <a:effectLst/>
+            </a:endParaRPr>
+          </a:p>
+          <a:p>
+            <a:pPr lvl="0"/>
+            <a:r>
+              <a:rPr lang="en-US" sz="1200" b="1" i="1" kern="1200" dirty="0">
+                <a:solidFill>
+                  <a:schemeClr val="tx1"/>
+                </a:solidFill>
+                <a:effectLst/>
+                <a:latin typeface="+mn-lt"/>
+                <a:ea typeface="+mn-ea"/>
+                <a:cs typeface="+mn-cs"/>
+              </a:rPr>
+              <a:t>Is there any benefit to going straight to Microsoft Azure? Does Azure SQL Database take care of all of their requirements?</a:t>
+            </a:r>
+            <a:endParaRPr lang="en-US" b="1" dirty="0">
+              <a:effectLst/>
+            </a:endParaRPr>
+          </a:p>
+          <a:p>
+            <a:r>
+              <a:rPr lang="en-US" sz="1200" i="1" kern="1200" dirty="0">
+                <a:solidFill>
+                  <a:schemeClr val="tx1"/>
+                </a:solidFill>
+                <a:effectLst/>
+                <a:latin typeface="+mn-lt"/>
+                <a:ea typeface="+mn-ea"/>
+                <a:cs typeface="+mn-cs"/>
+              </a:rPr>
+              <a:t> </a:t>
+            </a:r>
+            <a:endParaRPr lang="en-US" dirty="0">
+              <a:effectLst/>
+            </a:endParaRPr>
+          </a:p>
+          <a:p>
+            <a:pPr marL="171450" indent="-171450">
+              <a:buFont typeface="Arial" panose="020B0604020202020204" pitchFamily="34" charset="0"/>
+              <a:buChar char="•"/>
+            </a:pPr>
+            <a:r>
+              <a:rPr lang="en-US" sz="1200" kern="1200" dirty="0">
+                <a:solidFill>
+                  <a:schemeClr val="tx1"/>
+                </a:solidFill>
+                <a:effectLst/>
+                <a:latin typeface="+mn-lt"/>
+                <a:ea typeface="+mn-ea"/>
+                <a:cs typeface="+mn-cs"/>
+              </a:rPr>
+              <a:t>If the organization has chosen to go to the cloud, this might be a long-term cost savings of skipping purchasing the on-premises hardware</a:t>
+            </a:r>
+          </a:p>
+          <a:p>
+            <a:pPr marL="171450" indent="-171450">
+              <a:buFont typeface="Arial" panose="020B0604020202020204" pitchFamily="34" charset="0"/>
+              <a:buChar char="•"/>
+            </a:pPr>
+            <a:r>
+              <a:rPr lang="en-US" dirty="0">
+                <a:effectLst/>
+              </a:rPr>
+              <a:t>If the applications are already cloud born, or they have many external applications needing access, then this would not affect latency while removing the burden from WWI of maintaining the connectivity with all their integration partners</a:t>
+            </a:r>
+          </a:p>
+          <a:p>
+            <a:pPr marL="171450" indent="-171450">
+              <a:buFont typeface="Arial" panose="020B0604020202020204" pitchFamily="34" charset="0"/>
+              <a:buChar char="•"/>
+            </a:pPr>
+            <a:r>
+              <a:rPr lang="en-US" dirty="0">
+                <a:effectLst/>
+              </a:rPr>
+              <a:t>In addition, they would gain the benefit of simplifying future software upgrades so the current investment in new hardware was necessary. Some of their products would upgrade and offer new features with minimal effort on their part.</a:t>
+            </a:r>
+          </a:p>
+          <a:p>
+            <a:r>
+              <a:rPr lang="en-US" sz="1200" kern="1200" dirty="0">
+                <a:solidFill>
+                  <a:schemeClr val="tx1"/>
+                </a:solidFill>
+                <a:effectLst/>
+                <a:latin typeface="+mn-lt"/>
+                <a:ea typeface="+mn-ea"/>
+                <a:cs typeface="+mn-cs"/>
+              </a:rPr>
+              <a:t> </a:t>
+            </a:r>
+            <a:endParaRPr lang="en-US" dirty="0">
+              <a:effectLst/>
+            </a:endParaRPr>
+          </a:p>
+          <a:p>
+            <a:pPr lvl="0"/>
+            <a:r>
+              <a:rPr lang="en-US" sz="1200" b="1" i="0" kern="1200" dirty="0">
+                <a:solidFill>
+                  <a:schemeClr val="tx1"/>
+                </a:solidFill>
+                <a:effectLst/>
+                <a:latin typeface="+mn-lt"/>
+                <a:ea typeface="+mn-ea"/>
+                <a:cs typeface="+mn-cs"/>
+              </a:rPr>
+              <a:t>Are there any questions we need answered before we can begin a POC directly to Microsoft Azure?</a:t>
+            </a:r>
+            <a:endParaRPr lang="en-US" b="1" i="0" dirty="0">
+              <a:effectLst/>
+            </a:endParaRPr>
+          </a:p>
+          <a:p>
+            <a:r>
+              <a:rPr lang="en-US" sz="1200" i="1" kern="1200" dirty="0">
+                <a:solidFill>
+                  <a:schemeClr val="tx1"/>
+                </a:solidFill>
+                <a:effectLst/>
+                <a:latin typeface="+mn-lt"/>
+                <a:ea typeface="+mn-ea"/>
+                <a:cs typeface="+mn-cs"/>
+              </a:rPr>
+              <a:t> </a:t>
+            </a:r>
+            <a:endParaRPr lang="en-US" dirty="0">
+              <a:effectLst/>
+            </a:endParaRPr>
+          </a:p>
+          <a:p>
+            <a:pPr marL="171450" lvl="0" indent="-171450">
+              <a:buFont typeface="Arial" panose="020B0604020202020204" pitchFamily="34" charset="0"/>
+              <a:buChar char="•"/>
+            </a:pPr>
+            <a:r>
+              <a:rPr lang="en-US" sz="1200" kern="1200" dirty="0">
+                <a:solidFill>
+                  <a:schemeClr val="tx1"/>
+                </a:solidFill>
+                <a:effectLst/>
+                <a:latin typeface="+mn-lt"/>
+                <a:ea typeface="+mn-ea"/>
+                <a:cs typeface="+mn-cs"/>
+              </a:rPr>
+              <a:t>What is network connectivity like between on-premises and the cloud?</a:t>
+            </a:r>
+          </a:p>
+          <a:p>
+            <a:pPr marL="171450" lvl="0" indent="-171450">
+              <a:buFont typeface="Arial" panose="020B0604020202020204" pitchFamily="34" charset="0"/>
+              <a:buChar char="•"/>
+            </a:pPr>
+            <a:r>
+              <a:rPr lang="en-US" sz="1200" kern="1200" dirty="0">
+                <a:solidFill>
+                  <a:schemeClr val="tx1"/>
+                </a:solidFill>
+                <a:effectLst/>
+                <a:latin typeface="+mn-lt"/>
+                <a:ea typeface="+mn-ea"/>
+                <a:cs typeface="+mn-cs"/>
+              </a:rPr>
+              <a:t>What are our long-term cloud plans? Is there a mandate to go there any way?</a:t>
+            </a:r>
+          </a:p>
+          <a:p>
+            <a:pPr marL="171450" lvl="0" indent="-171450">
+              <a:buFont typeface="Arial" panose="020B0604020202020204" pitchFamily="34" charset="0"/>
+              <a:buChar char="•"/>
+            </a:pPr>
+            <a:r>
+              <a:rPr lang="en-US" sz="1200" kern="1200" dirty="0">
+                <a:solidFill>
+                  <a:schemeClr val="tx1"/>
+                </a:solidFill>
+                <a:effectLst/>
+                <a:latin typeface="+mn-lt"/>
+                <a:ea typeface="+mn-ea"/>
+                <a:cs typeface="+mn-cs"/>
+              </a:rPr>
+              <a:t>Where is the rest of the data integration points stored? Are they on-premises? Is anything in Microsoft Azure already?</a:t>
+            </a:r>
+          </a:p>
+          <a:p>
+            <a:pPr marL="171450" lvl="0" indent="-171450">
+              <a:buFont typeface="Arial" panose="020B0604020202020204" pitchFamily="34" charset="0"/>
+              <a:buChar char="•"/>
+            </a:pPr>
+            <a:r>
+              <a:rPr lang="en-US" sz="1200" kern="1200" dirty="0">
+                <a:solidFill>
+                  <a:schemeClr val="tx1"/>
+                </a:solidFill>
+                <a:effectLst/>
+                <a:latin typeface="+mn-lt"/>
+                <a:ea typeface="+mn-ea"/>
+                <a:cs typeface="+mn-cs"/>
+              </a:rPr>
+              <a:t>Are there any cloud products that are already on the roadmap for the organization?</a:t>
+            </a:r>
+          </a:p>
+          <a:p>
+            <a:pPr marL="0" marR="0" lvl="0" indent="0" algn="l" defTabSz="914400" rtl="0" eaLnBrk="1" fontAlgn="auto" latinLnBrk="0" hangingPunct="1">
               <a:lnSpc>
                 <a:spcPct val="100000"/>
               </a:lnSpc>
@@ -4691,381 +4837,12 @@
               </a:spcAft>
               <a:buClrTx/>
               <a:buSzTx/>
-              <a:buFont typeface="Arial" panose="020B0604020202020204" pitchFamily="34" charset="0"/>
-              <a:buChar char="•"/>
+              <a:buFontTx/>
+              <a:buNone/>
               <a:tabLst/>
               <a:defRPr/>
             </a:pPr>
-            <a:r>
-              <a:rPr lang="en-US" sz="1200" dirty="0">
-                <a:solidFill>
-                  <a:schemeClr val="bg1"/>
-                </a:solidFill>
-              </a:rPr>
-              <a:t>This is joint business decision and technical decision. Azure SQL Database or Azure SQL in a VM will offer all the features they’ve stated that they need. There’s a migration path to both.</a:t>
-            </a:r>
-          </a:p>
-          <a:p>
-            <a:pPr marL="171450" marR="0" lvl="0" indent="-171450" algn="l" defTabSz="914400" rtl="0" eaLnBrk="1" fontAlgn="auto" latinLnBrk="0" hangingPunct="1">
-              <a:lnSpc>
-                <a:spcPct val="100000"/>
-              </a:lnSpc>
-              <a:spcBef>
-                <a:spcPts val="0"/>
-              </a:spcBef>
-              <a:spcAft>
-                <a:spcPts val="0"/>
-              </a:spcAft>
-              <a:buClrTx/>
-              <a:buSzTx/>
-              <a:buFont typeface="Arial" panose="020B0604020202020204" pitchFamily="34" charset="0"/>
-              <a:buChar char="•"/>
-              <a:tabLst/>
-              <a:defRPr/>
-            </a:pPr>
-            <a:r>
-              <a:rPr lang="en-US" sz="1200" dirty="0">
-                <a:solidFill>
-                  <a:schemeClr val="bg1"/>
-                </a:solidFill>
-              </a:rPr>
-              <a:t>If they have a long-term strategy to move to the cloud, have already moved some resources there, have a plan to co-locate with a partner data center, or have identified cloud services they’d like to take advantage of, then moving straight to the cloud might be preferred</a:t>
-            </a:r>
-          </a:p>
-          <a:p>
-            <a:pPr marL="171450" marR="0" lvl="0" indent="-171450" algn="l" defTabSz="914400" rtl="0" eaLnBrk="1" fontAlgn="auto" latinLnBrk="0" hangingPunct="1">
-              <a:lnSpc>
-                <a:spcPct val="100000"/>
-              </a:lnSpc>
-              <a:spcBef>
-                <a:spcPts val="0"/>
-              </a:spcBef>
-              <a:spcAft>
-                <a:spcPts val="0"/>
-              </a:spcAft>
-              <a:buClrTx/>
-              <a:buSzTx/>
-              <a:buFont typeface="Arial" panose="020B0604020202020204" pitchFamily="34" charset="0"/>
-              <a:buChar char="•"/>
-              <a:tabLst/>
-              <a:defRPr/>
-            </a:pPr>
-            <a:r>
-              <a:rPr lang="en-US" sz="1200" dirty="0">
-                <a:solidFill>
-                  <a:schemeClr val="bg1"/>
-                </a:solidFill>
-              </a:rPr>
-              <a:t>It might be easier to be on-premises if they don’t have Express Route for their Excel spreadsheets and other on-premises resources that can’t migrate to Azure quite yet.</a:t>
-            </a:r>
-          </a:p>
-          <a:p>
-            <a:pPr marL="0" indent="0">
-              <a:buFont typeface="Arial" panose="020B0604020202020204" pitchFamily="34" charset="0"/>
-              <a:buNone/>
-            </a:pPr>
-            <a:endParaRPr lang="en-US" b="1" i="1" dirty="0"/>
-          </a:p>
-          <a:p>
-            <a:pPr marL="0" indent="0">
-              <a:buFont typeface="Arial" panose="020B0604020202020204" pitchFamily="34" charset="0"/>
-              <a:buNone/>
-            </a:pPr>
-            <a:r>
-              <a:rPr lang="en-US" b="1" i="1" dirty="0"/>
-              <a:t>Can we have two proof of concepts that demonstrate both migrations?</a:t>
-            </a:r>
-          </a:p>
-          <a:p>
-            <a:pPr marL="171450" indent="-171450">
-              <a:buFont typeface="Arial" panose="020B0604020202020204" pitchFamily="34" charset="0"/>
-              <a:buChar char="•"/>
-            </a:pPr>
-            <a:r>
-              <a:rPr lang="en-US" b="0" i="0" dirty="0"/>
-              <a:t>Two proof of concepts are possible and easy to do. </a:t>
-            </a:r>
-          </a:p>
-          <a:p>
-            <a:pPr marL="171450" indent="-171450">
-              <a:buFont typeface="Arial" panose="020B0604020202020204" pitchFamily="34" charset="0"/>
-              <a:buChar char="•"/>
-            </a:pPr>
-            <a:r>
-              <a:rPr lang="en-US" b="0" i="0" dirty="0"/>
-              <a:t>The application architecture might be quite a bit different if we choose to use Platform as a Service (PaaS)</a:t>
-            </a:r>
-          </a:p>
-          <a:p>
-            <a:pPr marL="171450" indent="-171450">
-              <a:buFont typeface="Arial" panose="020B0604020202020204" pitchFamily="34" charset="0"/>
-              <a:buChar char="•"/>
-            </a:pPr>
-            <a:r>
-              <a:rPr lang="en-US" b="0" i="0" dirty="0"/>
-              <a:t>The online sales application and the web services would migrate to Azure Websites </a:t>
-            </a:r>
-          </a:p>
-          <a:p>
-            <a:pPr marL="171450" indent="-171450">
-              <a:buFont typeface="Arial" panose="020B0604020202020204" pitchFamily="34" charset="0"/>
-              <a:buChar char="•"/>
-            </a:pPr>
-            <a:r>
-              <a:rPr lang="en-US" b="0" i="0" dirty="0"/>
-              <a:t>SSRS would have to migrate to a Virtual Machine (unless we use the SSRS Azure alpha release)</a:t>
-            </a:r>
-          </a:p>
-          <a:p>
-            <a:pPr marL="171450" indent="-171450">
-              <a:buFont typeface="Arial" panose="020B0604020202020204" pitchFamily="34" charset="0"/>
-              <a:buChar char="•"/>
-            </a:pPr>
-            <a:r>
-              <a:rPr lang="en-US" b="0" i="0" dirty="0"/>
-              <a:t>The data warehouse likely can’t move to the cloud without a significant investment</a:t>
-            </a:r>
-          </a:p>
-          <a:p>
-            <a:pPr marL="171450" indent="-171450">
-              <a:buFont typeface="Arial" panose="020B0604020202020204" pitchFamily="34" charset="0"/>
-              <a:buChar char="•"/>
-            </a:pPr>
-            <a:r>
-              <a:rPr lang="en-US" b="0" i="0" dirty="0"/>
-              <a:t>If it stays on-premises, then data movement from the new Azure OLTP database to the on-premises SQL Server 2017 Enterprise data warehouse would need to be addressed. Again, ExpressRoute might be needed.</a:t>
-            </a:r>
-          </a:p>
-          <a:p>
-            <a:pPr marL="0" indent="0">
-              <a:buFont typeface="Arial" panose="020B0604020202020204" pitchFamily="34" charset="0"/>
-              <a:buNone/>
-            </a:pPr>
-            <a:endParaRPr lang="en-US" b="1" i="1" dirty="0"/>
-          </a:p>
-          <a:p>
-            <a:pPr marL="0" indent="0">
-              <a:buFont typeface="Arial" panose="020B0604020202020204" pitchFamily="34" charset="0"/>
-              <a:buNone/>
-            </a:pPr>
-            <a:r>
-              <a:rPr lang="en-US" b="1" i="1" dirty="0"/>
-              <a:t>Do we need to rewrite all of our applications for SQL Server?</a:t>
-            </a:r>
-          </a:p>
-          <a:p>
-            <a:pPr marL="0" indent="0">
-              <a:buFont typeface="Arial" panose="020B0604020202020204" pitchFamily="34" charset="0"/>
-              <a:buNone/>
-            </a:pPr>
-            <a:endParaRPr lang="en-US" b="1" i="1" dirty="0"/>
-          </a:p>
-          <a:p>
-            <a:pPr marL="171450" indent="-171450">
-              <a:buFont typeface="Arial" panose="020B0604020202020204" pitchFamily="34" charset="0"/>
-              <a:buChar char="•"/>
-            </a:pPr>
-            <a:r>
-              <a:rPr lang="en-US" b="0" i="0" dirty="0"/>
-              <a:t>The Oracle Forms application would have to be rewritten to ASP.NET Core or ASP.NET MVC</a:t>
-            </a:r>
-          </a:p>
-          <a:p>
-            <a:pPr marL="628650" lvl="1" indent="-171450">
-              <a:buFont typeface="Arial" panose="020B0604020202020204" pitchFamily="34" charset="0"/>
-              <a:buChar char="•"/>
-            </a:pPr>
-            <a:r>
-              <a:rPr lang="en-US" b="0" i="0" dirty="0"/>
-              <a:t>Migration tools available to help from third-parties if they choose to migrate to ASP.NET MVC</a:t>
-            </a:r>
-          </a:p>
-          <a:p>
-            <a:pPr marL="628650" lvl="1" indent="-171450">
-              <a:buFont typeface="Arial" panose="020B0604020202020204" pitchFamily="34" charset="0"/>
-              <a:buChar char="•"/>
-            </a:pPr>
-            <a:r>
-              <a:rPr lang="en-US" b="0" i="0" dirty="0"/>
-              <a:t>The rewrite effort will need to be planned and implemented.</a:t>
-            </a:r>
-          </a:p>
-          <a:p>
-            <a:pPr marL="628650" lvl="1" indent="-171450">
-              <a:buFont typeface="Arial" panose="020B0604020202020204" pitchFamily="34" charset="0"/>
-              <a:buChar char="•"/>
-            </a:pPr>
-            <a:r>
-              <a:rPr lang="en-US" b="0" i="0" dirty="0"/>
-              <a:t>For the POC, show a basic CRUD (create, read, update, delete) data entry form to show how the project would be structured</a:t>
-            </a:r>
-          </a:p>
-          <a:p>
-            <a:pPr marL="628650" lvl="1" indent="-171450">
-              <a:buFont typeface="Arial" panose="020B0604020202020204" pitchFamily="34" charset="0"/>
-              <a:buChar char="•"/>
-            </a:pPr>
-            <a:r>
-              <a:rPr lang="en-US" b="0" i="0" dirty="0"/>
-              <a:t>Use Entity Framework if appropriate to make the CRUD migration easier</a:t>
-            </a:r>
-          </a:p>
-          <a:p>
-            <a:pPr marL="171450" indent="-171450">
-              <a:buFont typeface="Arial" panose="020B0604020202020204" pitchFamily="34" charset="0"/>
-              <a:buChar char="•"/>
-            </a:pPr>
-            <a:r>
-              <a:rPr lang="en-US" b="0" i="0" dirty="0"/>
-              <a:t>Use of Entity Framework, or another ORM, in the existing applications and services will make migration easier</a:t>
-            </a:r>
-          </a:p>
-          <a:p>
-            <a:pPr marL="628650" lvl="1" indent="-171450">
-              <a:buFont typeface="Arial" panose="020B0604020202020204" pitchFamily="34" charset="0"/>
-              <a:buChar char="•"/>
-            </a:pPr>
-            <a:r>
-              <a:rPr lang="en-US" b="0" i="0" dirty="0"/>
-              <a:t>It’s possible that we could repoint the connectionString, re-run the unit tests, and the application will just work</a:t>
-            </a:r>
-          </a:p>
-          <a:p>
-            <a:pPr marL="628650" lvl="1" indent="-171450">
-              <a:buFont typeface="Arial" panose="020B0604020202020204" pitchFamily="34" charset="0"/>
-              <a:buChar char="•"/>
-            </a:pPr>
-            <a:r>
-              <a:rPr lang="en-US" b="0" i="0" dirty="0"/>
-              <a:t>Blockers might be if Entity Framework is using Stored Procedures in Oracle. Those will need to be tested after we run the SQL Server Migration Assistant.</a:t>
-            </a:r>
-          </a:p>
-          <a:p>
-            <a:pPr marL="0" indent="0">
-              <a:buFont typeface="Arial" panose="020B0604020202020204" pitchFamily="34" charset="0"/>
-              <a:buNone/>
-            </a:pPr>
-            <a:endParaRPr lang="en-US" b="1" i="1" dirty="0"/>
-          </a:p>
-          <a:p>
-            <a:pPr marL="0" indent="0">
-              <a:buFont typeface="Arial" panose="020B0604020202020204" pitchFamily="34" charset="0"/>
-              <a:buNone/>
-            </a:pPr>
-            <a:r>
-              <a:rPr lang="en-US" b="1" i="1" dirty="0"/>
-              <a:t>Do we need to rewrite all of our reports for SQL Server? </a:t>
-            </a:r>
-          </a:p>
-          <a:p>
-            <a:pPr marL="0" indent="0">
-              <a:buFont typeface="Arial" panose="020B0604020202020204" pitchFamily="34" charset="0"/>
-              <a:buNone/>
-            </a:pPr>
-            <a:endParaRPr lang="en-US" b="0" i="0" dirty="0"/>
-          </a:p>
-          <a:p>
-            <a:pPr marL="171450" indent="-171450">
-              <a:buFont typeface="Arial" panose="020B0604020202020204" pitchFamily="34" charset="0"/>
-              <a:buChar char="•"/>
-            </a:pPr>
-            <a:r>
-              <a:rPr lang="en-US" b="0" i="0" dirty="0"/>
-              <a:t>SSRS reports should migrate over with just a change to the connectionString</a:t>
-            </a:r>
-          </a:p>
-          <a:p>
-            <a:pPr marL="628650" lvl="1" indent="-171450">
-              <a:buFont typeface="Arial" panose="020B0604020202020204" pitchFamily="34" charset="0"/>
-              <a:buChar char="•"/>
-            </a:pPr>
-            <a:r>
-              <a:rPr lang="en-US" b="0" i="0" dirty="0"/>
-              <a:t>The data sets might need SQL refreshed for T-SQL instead of PL/SQL</a:t>
-            </a:r>
-          </a:p>
-          <a:p>
-            <a:pPr marL="171450" indent="-171450">
-              <a:buFont typeface="Arial" panose="020B0604020202020204" pitchFamily="34" charset="0"/>
-              <a:buChar char="•"/>
-            </a:pPr>
-            <a:r>
-              <a:rPr lang="en-US" b="0" i="0" dirty="0"/>
-              <a:t>If Excel reports use simple queries to views or stored procedures, then changing the connectionString might work with them, also. If not, then the queries that drive the spreadsheets will need to be rewritten</a:t>
-            </a:r>
-          </a:p>
-          <a:p>
-            <a:pPr marL="171450" indent="-171450">
-              <a:buFont typeface="Arial" panose="020B0604020202020204" pitchFamily="34" charset="0"/>
-              <a:buChar char="•"/>
-            </a:pPr>
-            <a:r>
-              <a:rPr lang="en-US" b="0" i="0" dirty="0"/>
-              <a:t>The SQL Server Migration Tool can also convert specific, individual queries from PL/SQL to T-SQL</a:t>
-            </a:r>
-          </a:p>
-          <a:p>
-            <a:pPr marL="0" indent="0">
-              <a:buFont typeface="Arial" panose="020B0604020202020204" pitchFamily="34" charset="0"/>
-              <a:buNone/>
-            </a:pPr>
-            <a:endParaRPr lang="en-US" b="1" i="1" dirty="0"/>
-          </a:p>
-          <a:p>
-            <a:pPr marL="0" indent="0">
-              <a:buFont typeface="Arial" panose="020B0604020202020204" pitchFamily="34" charset="0"/>
-              <a:buNone/>
-            </a:pPr>
-            <a:r>
-              <a:rPr lang="en-US" b="1" i="1" dirty="0"/>
-              <a:t>Will our security migrate over from Oracle to SQL Server?  How do we handle security in the new database?</a:t>
-            </a:r>
-          </a:p>
-          <a:p>
-            <a:pPr marL="0" indent="0">
-              <a:buFont typeface="Arial" panose="020B0604020202020204" pitchFamily="34" charset="0"/>
-              <a:buNone/>
-            </a:pPr>
-            <a:endParaRPr lang="en-US" b="0" i="0" dirty="0"/>
-          </a:p>
-          <a:p>
-            <a:pPr marL="171450" marR="0" lvl="0" indent="-171450" algn="l" defTabSz="914400" rtl="0" eaLnBrk="1" fontAlgn="auto" latinLnBrk="0" hangingPunct="1">
-              <a:lnSpc>
-                <a:spcPct val="100000"/>
-              </a:lnSpc>
-              <a:spcBef>
-                <a:spcPts val="0"/>
-              </a:spcBef>
-              <a:spcAft>
-                <a:spcPts val="0"/>
-              </a:spcAft>
-              <a:buClrTx/>
-              <a:buSzTx/>
-              <a:buFont typeface="Arial" panose="020B0604020202020204" pitchFamily="34" charset="0"/>
-              <a:buChar char="•"/>
-              <a:tabLst/>
-              <a:defRPr/>
-            </a:pPr>
-            <a:r>
-              <a:rPr lang="en-US" sz="1200" kern="1200" dirty="0">
-                <a:solidFill>
-                  <a:schemeClr val="tx1"/>
-                </a:solidFill>
-                <a:effectLst/>
-                <a:latin typeface="+mn-lt"/>
-                <a:ea typeface="+mn-ea"/>
-                <a:cs typeface="+mn-cs"/>
-              </a:rPr>
-              <a:t>Security roles, users, and permissions will need to be recreated. Schema can be mapped and migrated over to the new server.</a:t>
-            </a:r>
-            <a:endParaRPr lang="en-US" b="1" i="0" dirty="0"/>
-          </a:p>
-          <a:p>
-            <a:pPr marL="171450" indent="-171450">
-              <a:buFont typeface="Arial" panose="020B0604020202020204" pitchFamily="34" charset="0"/>
-              <a:buChar char="•"/>
-            </a:pPr>
-            <a:endParaRPr lang="en-US" dirty="0"/>
+            <a:endParaRPr lang="en-US" sz="1200" b="0" i="0" dirty="0"/>
           </a:p>
         </p:txBody>
       </p:sp>
@@ -5095,7 +4872,7 @@
     </p:spTree>
     <p:extLst>
       <p:ext uri="{BB962C8B-B14F-4D97-AF65-F5344CB8AC3E}">
-        <p14:creationId xmlns:p14="http://schemas.microsoft.com/office/powerpoint/2010/main" val="1496578732"/>
+        <p14:creationId xmlns:p14="http://schemas.microsoft.com/office/powerpoint/2010/main" val="7067665"/>
       </p:ext>
     </p:extLst>
   </p:cSld>
@@ -5155,7 +4932,7 @@
             </a:pPr>
             <a:r>
               <a:rPr lang="en-US" b="1" i="1" dirty="0"/>
-              <a:t>Do we need to invest in a JSON storage system for the JSON data we’re storing from our vendor’s web service?</a:t>
+              <a:t>Do we need to upgrade to on-premises SQL Server first or go straight to Azure?</a:t>
             </a:r>
           </a:p>
           <a:p>
@@ -5177,16 +4954,12 @@
               <a:defRPr/>
             </a:pPr>
             <a:r>
-              <a:rPr lang="en-US" sz="1200" kern="1200" dirty="0">
+              <a:rPr lang="en-US" sz="1200" dirty="0">
                 <a:solidFill>
-                  <a:schemeClr val="tx1"/>
+                  <a:schemeClr val="bg1"/>
                 </a:solidFill>
-                <a:effectLst/>
-                <a:latin typeface="+mn-lt"/>
-                <a:ea typeface="+mn-ea"/>
-                <a:cs typeface="+mn-cs"/>
               </a:rPr>
-              <a:t>JSON data can be stored in SQL Server as a varchar field</a:t>
+              <a:t>This is joint business decision and technical decision. Azure SQL Database or Azure SQL in a VM will offer all the features they’ve stated that they need. There’s a migration path to both.</a:t>
             </a:r>
           </a:p>
           <a:p>
@@ -5208,16 +4981,12 @@
               <a:defRPr/>
             </a:pPr>
             <a:r>
-              <a:rPr lang="en-US" sz="1200" kern="1200" dirty="0">
+              <a:rPr lang="en-US" sz="1200" dirty="0">
                 <a:solidFill>
-                  <a:schemeClr val="tx1"/>
+                  <a:schemeClr val="bg1"/>
                 </a:solidFill>
-                <a:effectLst/>
-                <a:latin typeface="+mn-lt"/>
-                <a:ea typeface="+mn-ea"/>
-                <a:cs typeface="+mn-cs"/>
               </a:rPr>
-              <a:t>It can be queried and indexed using JSON keywords in T-SQL.</a:t>
+              <a:t>If they have a long-term strategy to move to the cloud, have already moved some resources there, have a plan to co-locate with a partner data center, or have identified cloud services they’d like to take advantage of, then moving straight to the cloud might be preferred</a:t>
             </a:r>
           </a:p>
           <a:p>
@@ -5239,25 +5008,20 @@
               <a:defRPr/>
             </a:pPr>
             <a:r>
-              <a:rPr lang="en-US" sz="1200" kern="1200" dirty="0">
+              <a:rPr lang="en-US" sz="1200" dirty="0">
                 <a:solidFill>
-                  <a:schemeClr val="tx1"/>
+                  <a:schemeClr val="bg1"/>
                 </a:solidFill>
-                <a:effectLst/>
-                <a:latin typeface="+mn-lt"/>
-                <a:ea typeface="+mn-ea"/>
-                <a:cs typeface="+mn-cs"/>
               </a:rPr>
-              <a:t>It can be queried and flattened to be used in an SSRS report of bad data that didn’t parse when we processed it with the web service (a customer concern they mentioned having previously)</a:t>
-            </a:r>
-            <a:endParaRPr lang="en-US" b="0" i="0" dirty="0"/>
+              <a:t>It might be easier to be on-premises if they don’t have Express Route for their Excel spreadsheets and other on-premises resources that can’t migrate to Azure quite yet.</a:t>
+            </a:r>
           </a:p>
           <a:p>
             <a:pPr marL="0" indent="0">
               <a:buFont typeface="Arial" panose="020B0604020202020204" pitchFamily="34" charset="0"/>
               <a:buNone/>
             </a:pPr>
-            <a:endParaRPr lang="en-US" b="0" i="0" dirty="0"/>
+            <a:endParaRPr lang="en-US" b="1" i="1" dirty="0"/>
           </a:p>
           <a:p>
             <a:pPr marL="0" indent="0">
@@ -5266,8 +5030,259 @@
             </a:pPr>
             <a:r>
               <a:rPr lang="en-US" b="1" i="1" dirty="0"/>
-              <a:t>What will we do if our audit logs fill up again?  Will SQL Server crash the same way Oracle did?</a:t>
-            </a:r>
+              <a:t>Can we have two proof of concepts that demonstrate both migrations?</a:t>
+            </a:r>
+          </a:p>
+          <a:p>
+            <a:pPr marL="171450" indent="-171450">
+              <a:buFont typeface="Arial" panose="020B0604020202020204" pitchFamily="34" charset="0"/>
+              <a:buChar char="•"/>
+            </a:pPr>
+            <a:r>
+              <a:rPr lang="en-US" b="0" i="0" dirty="0"/>
+              <a:t>Two proof of concepts are possible and easy to do. </a:t>
+            </a:r>
+          </a:p>
+          <a:p>
+            <a:pPr marL="171450" indent="-171450">
+              <a:buFont typeface="Arial" panose="020B0604020202020204" pitchFamily="34" charset="0"/>
+              <a:buChar char="•"/>
+            </a:pPr>
+            <a:r>
+              <a:rPr lang="en-US" b="0" i="0" dirty="0"/>
+              <a:t>The application architecture might be quite a bit different if we choose to use Platform as a Service (PaaS)</a:t>
+            </a:r>
+          </a:p>
+          <a:p>
+            <a:pPr marL="171450" indent="-171450">
+              <a:buFont typeface="Arial" panose="020B0604020202020204" pitchFamily="34" charset="0"/>
+              <a:buChar char="•"/>
+            </a:pPr>
+            <a:r>
+              <a:rPr lang="en-US" b="0" i="0" dirty="0"/>
+              <a:t>The online sales application and the web services would migrate to Azure Websites </a:t>
+            </a:r>
+          </a:p>
+          <a:p>
+            <a:pPr marL="171450" indent="-171450">
+              <a:buFont typeface="Arial" panose="020B0604020202020204" pitchFamily="34" charset="0"/>
+              <a:buChar char="•"/>
+            </a:pPr>
+            <a:r>
+              <a:rPr lang="en-US" b="0" i="0" dirty="0"/>
+              <a:t>SSRS would have to migrate to a Virtual Machine (unless we use the SSRS Azure alpha release)</a:t>
+            </a:r>
+          </a:p>
+          <a:p>
+            <a:pPr marL="171450" indent="-171450">
+              <a:buFont typeface="Arial" panose="020B0604020202020204" pitchFamily="34" charset="0"/>
+              <a:buChar char="•"/>
+            </a:pPr>
+            <a:r>
+              <a:rPr lang="en-US" b="0" i="0" dirty="0"/>
+              <a:t>The data warehouse likely can’t move to the cloud without a significant investment</a:t>
+            </a:r>
+          </a:p>
+          <a:p>
+            <a:pPr marL="171450" indent="-171450">
+              <a:buFont typeface="Arial" panose="020B0604020202020204" pitchFamily="34" charset="0"/>
+              <a:buChar char="•"/>
+            </a:pPr>
+            <a:r>
+              <a:rPr lang="en-US" b="0" i="0" dirty="0"/>
+              <a:t>If it stays on-premises, then data movement from the new Azure OLTP database to the on-premises SQL Server 2017 Enterprise data warehouse would need to be addressed. Again, ExpressRoute might be needed.</a:t>
+            </a:r>
+          </a:p>
+          <a:p>
+            <a:pPr marL="0" indent="0">
+              <a:buFont typeface="Arial" panose="020B0604020202020204" pitchFamily="34" charset="0"/>
+              <a:buNone/>
+            </a:pPr>
+            <a:endParaRPr lang="en-US" b="1" i="1" dirty="0"/>
+          </a:p>
+          <a:p>
+            <a:pPr marL="0" indent="0">
+              <a:buFont typeface="Arial" panose="020B0604020202020204" pitchFamily="34" charset="0"/>
+              <a:buNone/>
+            </a:pPr>
+            <a:r>
+              <a:rPr lang="en-US" b="1" i="1" dirty="0"/>
+              <a:t>Do we need to rewrite all of our applications for SQL Server?</a:t>
+            </a:r>
+          </a:p>
+          <a:p>
+            <a:pPr marL="0" indent="0">
+              <a:buFont typeface="Arial" panose="020B0604020202020204" pitchFamily="34" charset="0"/>
+              <a:buNone/>
+            </a:pPr>
+            <a:endParaRPr lang="en-US" b="1" i="1" dirty="0"/>
+          </a:p>
+          <a:p>
+            <a:pPr marL="171450" indent="-171450">
+              <a:buFont typeface="Arial" panose="020B0604020202020204" pitchFamily="34" charset="0"/>
+              <a:buChar char="•"/>
+            </a:pPr>
+            <a:r>
+              <a:rPr lang="en-US" b="0" i="0" dirty="0"/>
+              <a:t>The Oracle Forms application would have to be rewritten to ASP.NET Core or ASP.NET MVC</a:t>
+            </a:r>
+          </a:p>
+          <a:p>
+            <a:pPr marL="628650" lvl="1" indent="-171450">
+              <a:buFont typeface="Arial" panose="020B0604020202020204" pitchFamily="34" charset="0"/>
+              <a:buChar char="•"/>
+            </a:pPr>
+            <a:r>
+              <a:rPr lang="en-US" b="0" i="0" dirty="0"/>
+              <a:t>Migration tools available to help from third-parties if they choose to migrate to ASP.NET MVC</a:t>
+            </a:r>
+          </a:p>
+          <a:p>
+            <a:pPr marL="628650" lvl="1" indent="-171450">
+              <a:buFont typeface="Arial" panose="020B0604020202020204" pitchFamily="34" charset="0"/>
+              <a:buChar char="•"/>
+            </a:pPr>
+            <a:r>
+              <a:rPr lang="en-US" b="0" i="0" dirty="0"/>
+              <a:t>The rewrite effort will need to be planned and implemented.</a:t>
+            </a:r>
+          </a:p>
+          <a:p>
+            <a:pPr marL="628650" lvl="1" indent="-171450">
+              <a:buFont typeface="Arial" panose="020B0604020202020204" pitchFamily="34" charset="0"/>
+              <a:buChar char="•"/>
+            </a:pPr>
+            <a:r>
+              <a:rPr lang="en-US" b="0" i="0" dirty="0"/>
+              <a:t>For the POC, show a basic CRUD (create, read, update, delete) data entry form to show how the project would be structured</a:t>
+            </a:r>
+          </a:p>
+          <a:p>
+            <a:pPr marL="628650" lvl="1" indent="-171450">
+              <a:buFont typeface="Arial" panose="020B0604020202020204" pitchFamily="34" charset="0"/>
+              <a:buChar char="•"/>
+            </a:pPr>
+            <a:r>
+              <a:rPr lang="en-US" b="0" i="0" dirty="0"/>
+              <a:t>Use Entity Framework if appropriate to make the CRUD migration easier</a:t>
+            </a:r>
+          </a:p>
+          <a:p>
+            <a:pPr marL="171450" indent="-171450">
+              <a:buFont typeface="Arial" panose="020B0604020202020204" pitchFamily="34" charset="0"/>
+              <a:buChar char="•"/>
+            </a:pPr>
+            <a:r>
+              <a:rPr lang="en-US" b="0" i="0" dirty="0"/>
+              <a:t>Use of Entity Framework, or another ORM, in the existing applications and services will make migration easier</a:t>
+            </a:r>
+          </a:p>
+          <a:p>
+            <a:pPr marL="628650" lvl="1" indent="-171450">
+              <a:buFont typeface="Arial" panose="020B0604020202020204" pitchFamily="34" charset="0"/>
+              <a:buChar char="•"/>
+            </a:pPr>
+            <a:r>
+              <a:rPr lang="en-US" b="0" i="0" dirty="0"/>
+              <a:t>It’s possible that we could repoint the connectionString, re-run the unit tests, and the application will just work</a:t>
+            </a:r>
+          </a:p>
+          <a:p>
+            <a:pPr marL="628650" lvl="1" indent="-171450">
+              <a:buFont typeface="Arial" panose="020B0604020202020204" pitchFamily="34" charset="0"/>
+              <a:buChar char="•"/>
+            </a:pPr>
+            <a:r>
+              <a:rPr lang="en-US" b="0" i="0" dirty="0"/>
+              <a:t>Blockers might be if Entity Framework is using Stored Procedures in Oracle. Those will need to be tested after we run the SQL Server Migration Assistant.</a:t>
+            </a:r>
+          </a:p>
+          <a:p>
+            <a:pPr marL="0" indent="0">
+              <a:buFont typeface="Arial" panose="020B0604020202020204" pitchFamily="34" charset="0"/>
+              <a:buNone/>
+            </a:pPr>
+            <a:endParaRPr lang="en-US" b="1" i="1" dirty="0"/>
+          </a:p>
+          <a:p>
+            <a:pPr marL="0" indent="0">
+              <a:buFont typeface="Arial" panose="020B0604020202020204" pitchFamily="34" charset="0"/>
+              <a:buNone/>
+            </a:pPr>
+            <a:r>
+              <a:rPr lang="en-US" b="1" i="1" dirty="0"/>
+              <a:t>Do we need to rewrite all of our reports for SQL Server? </a:t>
+            </a:r>
+          </a:p>
+          <a:p>
+            <a:pPr marL="0" indent="0">
+              <a:buFont typeface="Arial" panose="020B0604020202020204" pitchFamily="34" charset="0"/>
+              <a:buNone/>
+            </a:pPr>
+            <a:endParaRPr lang="en-US" b="0" i="0" dirty="0"/>
+          </a:p>
+          <a:p>
+            <a:pPr marL="171450" indent="-171450">
+              <a:buFont typeface="Arial" panose="020B0604020202020204" pitchFamily="34" charset="0"/>
+              <a:buChar char="•"/>
+            </a:pPr>
+            <a:r>
+              <a:rPr lang="en-US" b="0" i="0" dirty="0"/>
+              <a:t>SSRS reports should migrate over with just a change to the connectionString</a:t>
+            </a:r>
+          </a:p>
+          <a:p>
+            <a:pPr marL="628650" lvl="1" indent="-171450">
+              <a:buFont typeface="Arial" panose="020B0604020202020204" pitchFamily="34" charset="0"/>
+              <a:buChar char="•"/>
+            </a:pPr>
+            <a:r>
+              <a:rPr lang="en-US" b="0" i="0" dirty="0"/>
+              <a:t>The data sets might need SQL refreshed for T-SQL instead of PL/SQL</a:t>
+            </a:r>
+          </a:p>
+          <a:p>
+            <a:pPr marL="171450" indent="-171450">
+              <a:buFont typeface="Arial" panose="020B0604020202020204" pitchFamily="34" charset="0"/>
+              <a:buChar char="•"/>
+            </a:pPr>
+            <a:r>
+              <a:rPr lang="en-US" b="0" i="0" dirty="0"/>
+              <a:t>If Excel reports use simple queries to views or stored procedures, then changing the connectionString might work with them, also. If not, then the queries that drive the spreadsheets will need to be rewritten</a:t>
+            </a:r>
+          </a:p>
+          <a:p>
+            <a:pPr marL="171450" indent="-171450">
+              <a:buFont typeface="Arial" panose="020B0604020202020204" pitchFamily="34" charset="0"/>
+              <a:buChar char="•"/>
+            </a:pPr>
+            <a:r>
+              <a:rPr lang="en-US" b="0" i="0" dirty="0"/>
+              <a:t>The SQL Server Migration Tool can also convert specific, individual queries from PL/SQL to T-SQL</a:t>
+            </a:r>
+          </a:p>
+          <a:p>
+            <a:pPr marL="0" indent="0">
+              <a:buFont typeface="Arial" panose="020B0604020202020204" pitchFamily="34" charset="0"/>
+              <a:buNone/>
+            </a:pPr>
+            <a:endParaRPr lang="en-US" b="1" i="1" dirty="0"/>
+          </a:p>
+          <a:p>
+            <a:pPr marL="0" indent="0">
+              <a:buFont typeface="Arial" panose="020B0604020202020204" pitchFamily="34" charset="0"/>
+              <a:buNone/>
+            </a:pPr>
+            <a:r>
+              <a:rPr lang="en-US" b="1" i="1" dirty="0"/>
+              <a:t>Will our security migrate over from Oracle to SQL Server?  How do we handle security in the new database?</a:t>
+            </a:r>
+          </a:p>
+          <a:p>
+            <a:pPr marL="0" indent="0">
+              <a:buFont typeface="Arial" panose="020B0604020202020204" pitchFamily="34" charset="0"/>
+              <a:buNone/>
+            </a:pPr>
             <a:endParaRPr lang="en-US" b="0" i="0" dirty="0"/>
           </a:p>
           <a:p>
@@ -5298,179 +5313,9 @@
                 <a:ea typeface="+mn-ea"/>
                 <a:cs typeface="+mn-cs"/>
               </a:rPr>
-              <a:t>We can use SQL Server Stretch Database to extend the audit table to Azure</a:t>
-            </a:r>
-          </a:p>
-          <a:p>
-            <a:pPr marL="171450" marR="0" lvl="0" indent="-171450" algn="l" defTabSz="914400" rtl="0" eaLnBrk="1" fontAlgn="auto" latinLnBrk="0" hangingPunct="1">
-              <a:lnSpc>
-                <a:spcPct val="100000"/>
-              </a:lnSpc>
-              <a:spcBef>
-                <a:spcPts val="0"/>
-              </a:spcBef>
-              <a:spcAft>
-                <a:spcPts val="0"/>
-              </a:spcAft>
-              <a:buClrTx/>
-              <a:buSzTx/>
-              <a:buFont typeface="Arial" panose="020B0604020202020204" pitchFamily="34" charset="0"/>
-              <a:buChar char="•"/>
-              <a:tabLst/>
-              <a:defRPr/>
-            </a:pPr>
-            <a:r>
-              <a:rPr lang="en-US" sz="1200" kern="1200" dirty="0">
-                <a:solidFill>
-                  <a:schemeClr val="tx1"/>
-                </a:solidFill>
-                <a:effectLst/>
-                <a:latin typeface="+mn-lt"/>
-                <a:ea typeface="+mn-ea"/>
-                <a:cs typeface="+mn-cs"/>
-              </a:rPr>
-              <a:t>We can also partition big tables and put the new partition on a different drive that doesn’t have space problems</a:t>
-            </a:r>
-          </a:p>
-          <a:p>
-            <a:pPr marL="0" indent="0">
-              <a:buFont typeface="Arial" panose="020B0604020202020204" pitchFamily="34" charset="0"/>
-              <a:buNone/>
-            </a:pPr>
-            <a:endParaRPr lang="en-US" b="1" i="1" dirty="0"/>
-          </a:p>
-          <a:p>
-            <a:pPr marL="0" indent="0">
-              <a:buFont typeface="Arial" panose="020B0604020202020204" pitchFamily="34" charset="0"/>
-              <a:buNone/>
-            </a:pPr>
-            <a:r>
-              <a:rPr lang="en-US" b="1" i="1" dirty="0"/>
-              <a:t>If we take advantage of new features, will our license costs keep ratcheting up and up?  Will we have a dependable way of budgeting for this project?</a:t>
-            </a:r>
-            <a:endParaRPr lang="en-US" b="0" i="0" dirty="0"/>
-          </a:p>
-          <a:p>
-            <a:pPr marL="171450" indent="-171450">
-              <a:buFont typeface="Arial" panose="020B0604020202020204" pitchFamily="34" charset="0"/>
-              <a:buChar char="•"/>
-            </a:pPr>
-            <a:r>
-              <a:rPr lang="en-US" sz="1200" kern="1200" dirty="0">
-                <a:solidFill>
-                  <a:schemeClr val="tx1"/>
-                </a:solidFill>
-                <a:effectLst/>
-                <a:latin typeface="+mn-lt"/>
-                <a:ea typeface="+mn-ea"/>
-                <a:cs typeface="+mn-cs"/>
-              </a:rPr>
-              <a:t>Microsoft offers license assistance programs for current Oracle users</a:t>
-            </a:r>
-          </a:p>
-          <a:p>
-            <a:pPr marL="628650" lvl="1" indent="-171450">
-              <a:buFont typeface="Arial" panose="020B0604020202020204" pitchFamily="34" charset="0"/>
-              <a:buChar char="•"/>
-            </a:pPr>
-            <a:r>
-              <a:rPr lang="en-US" sz="1200" kern="1200" dirty="0">
-                <a:solidFill>
-                  <a:schemeClr val="tx1"/>
-                </a:solidFill>
-                <a:effectLst/>
-                <a:latin typeface="+mn-lt"/>
-                <a:ea typeface="+mn-ea"/>
-                <a:cs typeface="+mn-cs"/>
-              </a:rPr>
-              <a:t>This program can offer free licenses to current Oracle customers</a:t>
-            </a:r>
-          </a:p>
-          <a:p>
-            <a:pPr marL="628650" lvl="1" indent="-171450">
-              <a:buFont typeface="Arial" panose="020B0604020202020204" pitchFamily="34" charset="0"/>
-              <a:buChar char="•"/>
-            </a:pPr>
-            <a:r>
-              <a:rPr lang="en-US" sz="1200" kern="1200" dirty="0">
-                <a:solidFill>
-                  <a:schemeClr val="tx1"/>
-                </a:solidFill>
-                <a:effectLst/>
-                <a:latin typeface="+mn-lt"/>
-                <a:ea typeface="+mn-ea"/>
-                <a:cs typeface="+mn-cs"/>
-              </a:rPr>
-              <a:t>They can also subsidize the cost of the migration process</a:t>
-            </a:r>
-          </a:p>
-          <a:p>
-            <a:pPr marL="171450" lvl="0" indent="-171450">
-              <a:buFont typeface="Arial" panose="020B0604020202020204" pitchFamily="34" charset="0"/>
-              <a:buChar char="•"/>
-            </a:pPr>
-            <a:r>
-              <a:rPr lang="en-US" sz="1200" kern="1200" dirty="0">
-                <a:solidFill>
-                  <a:schemeClr val="tx1"/>
-                </a:solidFill>
-                <a:effectLst/>
-                <a:latin typeface="+mn-lt"/>
-                <a:ea typeface="+mn-ea"/>
-                <a:cs typeface="+mn-cs"/>
-              </a:rPr>
-              <a:t>SQL Server licensing also includes all available features in the Enterprise Edition with no additional cost for each feature implemented</a:t>
-            </a:r>
-            <a:endParaRPr lang="en-US" b="0" i="0" dirty="0"/>
-          </a:p>
-          <a:p>
-            <a:pPr marL="0" indent="0">
-              <a:buFont typeface="Arial" panose="020B0604020202020204" pitchFamily="34" charset="0"/>
-              <a:buNone/>
-            </a:pPr>
-            <a:endParaRPr lang="en-US" b="1" i="1" dirty="0"/>
-          </a:p>
-          <a:p>
-            <a:pPr marL="0" indent="0">
-              <a:buFont typeface="Arial" panose="020B0604020202020204" pitchFamily="34" charset="0"/>
-              <a:buNone/>
-            </a:pPr>
-            <a:r>
-              <a:rPr lang="en-US" b="1" i="1" dirty="0"/>
-              <a:t>Are there any Oracle features required by WWI for which SQL Server has no equivalent?</a:t>
-            </a:r>
-            <a:endParaRPr lang="en-US" b="0" i="0" dirty="0"/>
-          </a:p>
-          <a:p>
-            <a:pPr marL="171450" indent="-171450">
-              <a:buFont typeface="Arial" panose="020B0604020202020204" pitchFamily="34" charset="0"/>
-              <a:buChar char="•"/>
-            </a:pPr>
-            <a:r>
-              <a:rPr lang="en-US" b="0" i="0" dirty="0"/>
-              <a:t>Nothing in the customer requirements is exclusive to an Oracle ecosystem</a:t>
-            </a:r>
-          </a:p>
-          <a:p>
-            <a:pPr marL="628650" lvl="1" indent="-171450">
-              <a:buFont typeface="Arial" panose="020B0604020202020204" pitchFamily="34" charset="0"/>
-              <a:buChar char="•"/>
-            </a:pPr>
-            <a:r>
-              <a:rPr lang="en-US" b="0" i="0" dirty="0"/>
-              <a:t>Oracle Forms is unique to Oracle, but Microsoft offers several replacement technologies, including LightSwitch, SharePoint Forms, Power Apps, ASP.NET MVC, WPF Forms, and ASP.NET Core applications</a:t>
-            </a:r>
-          </a:p>
-          <a:p>
-            <a:pPr marL="171450" indent="-171450">
-              <a:buFont typeface="Arial" panose="020B0604020202020204" pitchFamily="34" charset="0"/>
-              <a:buChar char="•"/>
-            </a:pPr>
-            <a:r>
-              <a:rPr lang="en-US" b="0" i="0" dirty="0"/>
-              <a:t>The customer might implement Oracle RAC, but AlwaysOn Availability Groups are easier to implement, cheaper, and have lower hardware requirements</a:t>
-            </a:r>
-            <a:endParaRPr lang="en-US" b="1" i="1" dirty="0"/>
+              <a:t>Security roles, users, and permissions will need to be recreated. Schema can be mapped and migrated over to the new server.</a:t>
+            </a:r>
+            <a:endParaRPr lang="en-US" b="1" i="0" dirty="0"/>
           </a:p>
           <a:p>
             <a:pPr marL="171450" indent="-171450">
@@ -5507,7 +5352,7 @@
     </p:spTree>
     <p:extLst>
       <p:ext uri="{BB962C8B-B14F-4D97-AF65-F5344CB8AC3E}">
-        <p14:creationId xmlns:p14="http://schemas.microsoft.com/office/powerpoint/2010/main" val="504612238"/>
+        <p14:creationId xmlns:p14="http://schemas.microsoft.com/office/powerpoint/2010/main" val="1496578732"/>
       </p:ext>
     </p:extLst>
   </p:cSld>
@@ -5567,78 +5412,7 @@
             </a:pPr>
             <a:r>
               <a:rPr lang="en-US" b="1" i="1" dirty="0"/>
-              <a:t>Do we need to tell all of our vendors that we’re changing databases so their integrations work?</a:t>
-            </a:r>
-          </a:p>
-          <a:p>
-            <a:pPr marL="171450" indent="-171450">
-              <a:buFont typeface="Arial" panose="020B0604020202020204" pitchFamily="34" charset="0"/>
-              <a:buChar char="•"/>
-            </a:pPr>
-            <a:r>
-              <a:rPr lang="en-US" sz="1200" kern="1200" dirty="0">
-                <a:solidFill>
-                  <a:schemeClr val="tx1"/>
-                </a:solidFill>
-                <a:effectLst/>
-                <a:latin typeface="+mn-lt"/>
-                <a:ea typeface="+mn-ea"/>
-                <a:cs typeface="+mn-cs"/>
-              </a:rPr>
-              <a:t>As long as we test and refactor the web services they use, they shouldn’t know that you switched your back-end data store</a:t>
-            </a:r>
-            <a:endParaRPr lang="en-US" b="0" i="0" dirty="0"/>
-          </a:p>
-          <a:p>
-            <a:pPr marL="0" indent="0">
-              <a:buFont typeface="Arial" panose="020B0604020202020204" pitchFamily="34" charset="0"/>
-              <a:buNone/>
-            </a:pPr>
-            <a:endParaRPr lang="en-US" b="0" i="0" dirty="0"/>
-          </a:p>
-          <a:p>
-            <a:pPr marL="0" indent="0">
-              <a:buFont typeface="Arial" panose="020B0604020202020204" pitchFamily="34" charset="0"/>
-              <a:buNone/>
-            </a:pPr>
-            <a:r>
-              <a:rPr lang="en-US" b="1" i="1" dirty="0"/>
-              <a:t>What will stop us from upgrading our data warehouse to SQL Server 2017 Enterprise?</a:t>
-            </a:r>
-          </a:p>
-          <a:p>
-            <a:pPr marL="171450" indent="-171450">
-              <a:buFont typeface="Arial" panose="020B0604020202020204" pitchFamily="34" charset="0"/>
-              <a:buChar char="•"/>
-            </a:pPr>
-            <a:r>
-              <a:rPr lang="en-US" sz="1200" kern="1200" dirty="0">
-                <a:solidFill>
-                  <a:schemeClr val="tx1"/>
-                </a:solidFill>
-                <a:effectLst/>
-                <a:latin typeface="+mn-lt"/>
-                <a:ea typeface="+mn-ea"/>
-                <a:cs typeface="+mn-cs"/>
-              </a:rPr>
-              <a:t>Thought needs to be given to upgrading the database storage engine, SQL Server Analysis Services, SQL Server Reporting Services, and SQL Server Integration Services. SSRS and SSIS have been completely redone since SQL Server 2008, with new interfaces and new engines. SSAS multidimensional also has a new engine with the tabular engine. Thought needs to be given if it will be implemented.</a:t>
-            </a:r>
-          </a:p>
-          <a:p>
-            <a:pPr marL="171450" indent="-171450">
-              <a:buFont typeface="Arial" panose="020B0604020202020204" pitchFamily="34" charset="0"/>
-              <a:buChar char="•"/>
-            </a:pPr>
-            <a:endParaRPr lang="en-US" b="0" i="0" dirty="0"/>
-          </a:p>
-          <a:p>
-            <a:pPr marL="0" indent="0">
-              <a:buFont typeface="Arial" panose="020B0604020202020204" pitchFamily="34" charset="0"/>
-              <a:buNone/>
-            </a:pPr>
-            <a:r>
-              <a:rPr lang="en-US" b="1" i="1" dirty="0"/>
-              <a:t>When we upgrade the data warehouse, how will we keep all our connected dependencies updated?</a:t>
+              <a:t>Do we need to invest in a JSON storage system for the JSON data we’re storing from our vendor’s web service?</a:t>
             </a:r>
           </a:p>
           <a:p>
@@ -5669,68 +5443,26 @@
                 <a:ea typeface="+mn-ea"/>
                 <a:cs typeface="+mn-cs"/>
               </a:rPr>
-              <a:t>If we don’t change the server name, our job is much easier. We might not even need to modify the connectionStrings. We can keep the server name the same by either doing an in-place upgrade or by migrating to a new server and then changing the name of the new server to a new name. If we migrate to a new server, we will need to migrate security logins and permissions, along with the database. We’ll also need to script the SQL Server Agent jobs over to the new server.</a:t>
-            </a:r>
-          </a:p>
-          <a:p>
-            <a:pPr marL="171450" indent="-171450">
+              <a:t>JSON data can be stored in SQL Server as a varchar field</a:t>
+            </a:r>
+          </a:p>
+          <a:p>
+            <a:pPr marL="171450" marR="0" lvl="0" indent="-171450" algn="l" defTabSz="914400" rtl="0" eaLnBrk="1" fontAlgn="auto" latinLnBrk="0" hangingPunct="1">
+              <a:lnSpc>
+                <a:spcPct val="100000"/>
+              </a:lnSpc>
+              <a:spcBef>
+                <a:spcPts val="0"/>
+              </a:spcBef>
+              <a:spcAft>
+                <a:spcPts val="0"/>
+              </a:spcAft>
+              <a:buClrTx/>
+              <a:buSzTx/>
               <a:buFont typeface="Arial" panose="020B0604020202020204" pitchFamily="34" charset="0"/>
               <a:buChar char="•"/>
-            </a:pPr>
-            <a:endParaRPr lang="en-US" b="0" i="0" dirty="0"/>
-          </a:p>
-          <a:p>
-            <a:pPr marL="0" indent="0">
-              <a:buFont typeface="Arial" panose="020B0604020202020204" pitchFamily="34" charset="0"/>
-              <a:buNone/>
-            </a:pPr>
-            <a:r>
-              <a:rPr lang="en-US" b="1" i="1" dirty="0"/>
-              <a:t>What will happen with SSIS, SSRS, and SSAS?</a:t>
-            </a:r>
-          </a:p>
-          <a:p>
-            <a:pPr marL="171450" indent="-171450">
-              <a:buFont typeface="Arial" panose="020B0604020202020204" pitchFamily="34" charset="0"/>
-              <a:buChar char="•"/>
-            </a:pPr>
-            <a:r>
-              <a:rPr lang="en-US" b="0" i="0" dirty="0"/>
-              <a:t>Once the server is upgraded, we should redeploy the SSIS, SSAS, and SSRS projects after changing the connectionStrings. If we used project connectionStrings, this will be much easier. All external connections should be tested thoroughly.</a:t>
-            </a:r>
-          </a:p>
-          <a:p>
-            <a:pPr marL="171450" indent="-171450">
-              <a:buFont typeface="Arial" panose="020B0604020202020204" pitchFamily="34" charset="0"/>
-              <a:buChar char="•"/>
-            </a:pPr>
-            <a:r>
-              <a:rPr lang="en-US" b="0" i="0" dirty="0"/>
-              <a:t>If we use Database Migration Assistant, SSIS packages will upgrade during the process and will migrate over to the new server. </a:t>
-            </a:r>
-          </a:p>
-          <a:p>
-            <a:pPr marL="171450" indent="-171450">
-              <a:buFont typeface="Arial" panose="020B0604020202020204" pitchFamily="34" charset="0"/>
-              <a:buChar char="•"/>
-            </a:pPr>
-            <a:endParaRPr lang="en-US" b="0" i="0" dirty="0"/>
-          </a:p>
-          <a:p>
-            <a:pPr marL="0" indent="0">
-              <a:buFont typeface="Arial" panose="020B0604020202020204" pitchFamily="34" charset="0"/>
-              <a:buNone/>
-            </a:pPr>
-            <a:r>
-              <a:rPr lang="en-US" b="1" i="1" dirty="0"/>
-              <a:t>How will security and SQL Agent Jobs migrate over?</a:t>
-            </a:r>
-            <a:endParaRPr lang="en-US" b="0" i="0" dirty="0"/>
-          </a:p>
-          <a:p>
-            <a:pPr marL="171450" indent="-171450">
-              <a:buFont typeface="Arial" panose="020B0604020202020204" pitchFamily="34" charset="0"/>
-              <a:buChar char="•"/>
+              <a:tabLst/>
+              <a:defRPr/>
             </a:pPr>
             <a:r>
               <a:rPr lang="en-US" sz="1200" kern="1200" dirty="0">
@@ -5742,9 +5474,267 @@
                 <a:ea typeface="+mn-ea"/>
                 <a:cs typeface="+mn-cs"/>
               </a:rPr>
-              <a:t>If we use Database Migration Assistant, security and the SQL Server Agent Jobs will migrate over to the new server.</a:t>
-            </a:r>
+              <a:t>It can be queried and indexed using JSON keywords in T-SQL.</a:t>
+            </a:r>
+          </a:p>
+          <a:p>
+            <a:pPr marL="171450" marR="0" lvl="0" indent="-171450" algn="l" defTabSz="914400" rtl="0" eaLnBrk="1" fontAlgn="auto" latinLnBrk="0" hangingPunct="1">
+              <a:lnSpc>
+                <a:spcPct val="100000"/>
+              </a:lnSpc>
+              <a:spcBef>
+                <a:spcPts val="0"/>
+              </a:spcBef>
+              <a:spcAft>
+                <a:spcPts val="0"/>
+              </a:spcAft>
+              <a:buClrTx/>
+              <a:buSzTx/>
+              <a:buFont typeface="Arial" panose="020B0604020202020204" pitchFamily="34" charset="0"/>
+              <a:buChar char="•"/>
+              <a:tabLst/>
+              <a:defRPr/>
+            </a:pPr>
+            <a:r>
+              <a:rPr lang="en-US" sz="1200" kern="1200" dirty="0">
+                <a:solidFill>
+                  <a:schemeClr val="tx1"/>
+                </a:solidFill>
+                <a:effectLst/>
+                <a:latin typeface="+mn-lt"/>
+                <a:ea typeface="+mn-ea"/>
+                <a:cs typeface="+mn-cs"/>
+              </a:rPr>
+              <a:t>It can be queried and flattened to be used in an SSRS report of bad data that didn’t parse when we processed it with the web service (a customer concern they mentioned having previously)</a:t>
+            </a:r>
+            <a:endParaRPr lang="en-US" b="0" i="0" dirty="0"/>
+          </a:p>
+          <a:p>
+            <a:pPr marL="0" indent="0">
+              <a:buFont typeface="Arial" panose="020B0604020202020204" pitchFamily="34" charset="0"/>
+              <a:buNone/>
+            </a:pPr>
+            <a:endParaRPr lang="en-US" b="0" i="0" dirty="0"/>
+          </a:p>
+          <a:p>
+            <a:pPr marL="0" indent="0">
+              <a:buFont typeface="Arial" panose="020B0604020202020204" pitchFamily="34" charset="0"/>
+              <a:buNone/>
+            </a:pPr>
+            <a:r>
+              <a:rPr lang="en-US" b="1" i="1" dirty="0"/>
+              <a:t>What will we do if our audit logs fill up again?  Will SQL Server crash the same way Oracle did?</a:t>
+            </a:r>
+            <a:endParaRPr lang="en-US" b="0" i="0" dirty="0"/>
+          </a:p>
+          <a:p>
+            <a:pPr marL="171450" marR="0" lvl="0" indent="-171450" algn="l" defTabSz="914400" rtl="0" eaLnBrk="1" fontAlgn="auto" latinLnBrk="0" hangingPunct="1">
+              <a:lnSpc>
+                <a:spcPct val="100000"/>
+              </a:lnSpc>
+              <a:spcBef>
+                <a:spcPts val="0"/>
+              </a:spcBef>
+              <a:spcAft>
+                <a:spcPts val="0"/>
+              </a:spcAft>
+              <a:buClrTx/>
+              <a:buSzTx/>
+              <a:buFont typeface="Arial" panose="020B0604020202020204" pitchFamily="34" charset="0"/>
+              <a:buChar char="•"/>
+              <a:tabLst/>
+              <a:defRPr/>
+            </a:pPr>
+            <a:r>
+              <a:rPr lang="en-US" sz="1200" kern="1200" dirty="0">
+                <a:solidFill>
+                  <a:schemeClr val="tx1"/>
+                </a:solidFill>
+                <a:effectLst/>
+                <a:latin typeface="+mn-lt"/>
+                <a:ea typeface="+mn-ea"/>
+                <a:cs typeface="+mn-cs"/>
+              </a:rPr>
+              <a:t>We can use SQL Server Stretch Database to extend the audit table to Azure</a:t>
+            </a:r>
+          </a:p>
+          <a:p>
+            <a:pPr marL="171450" marR="0" lvl="0" indent="-171450" algn="l" defTabSz="914400" rtl="0" eaLnBrk="1" fontAlgn="auto" latinLnBrk="0" hangingPunct="1">
+              <a:lnSpc>
+                <a:spcPct val="100000"/>
+              </a:lnSpc>
+              <a:spcBef>
+                <a:spcPts val="0"/>
+              </a:spcBef>
+              <a:spcAft>
+                <a:spcPts val="0"/>
+              </a:spcAft>
+              <a:buClrTx/>
+              <a:buSzTx/>
+              <a:buFont typeface="Arial" panose="020B0604020202020204" pitchFamily="34" charset="0"/>
+              <a:buChar char="•"/>
+              <a:tabLst/>
+              <a:defRPr/>
+            </a:pPr>
+            <a:r>
+              <a:rPr lang="en-US" sz="1200" kern="1200" dirty="0">
+                <a:solidFill>
+                  <a:schemeClr val="tx1"/>
+                </a:solidFill>
+                <a:effectLst/>
+                <a:latin typeface="+mn-lt"/>
+                <a:ea typeface="+mn-ea"/>
+                <a:cs typeface="+mn-cs"/>
+              </a:rPr>
+              <a:t>We can also partition big tables and put the new partition on a different drive that doesn’t have space problems</a:t>
+            </a:r>
+          </a:p>
+          <a:p>
+            <a:pPr marL="0" indent="0">
+              <a:buFont typeface="Arial" panose="020B0604020202020204" pitchFamily="34" charset="0"/>
+              <a:buNone/>
+            </a:pPr>
             <a:endParaRPr lang="en-US" b="1" i="1" dirty="0"/>
+          </a:p>
+          <a:p>
+            <a:pPr marL="0" indent="0">
+              <a:buFont typeface="Arial" panose="020B0604020202020204" pitchFamily="34" charset="0"/>
+              <a:buNone/>
+            </a:pPr>
+            <a:r>
+              <a:rPr lang="en-US" b="1" i="1" dirty="0"/>
+              <a:t>If we take advantage of new features, will our license costs keep ratcheting up and up?  Will we have a dependable way of budgeting for this project?</a:t>
+            </a:r>
+            <a:endParaRPr lang="en-US" b="0" i="0" dirty="0"/>
+          </a:p>
+          <a:p>
+            <a:pPr marL="171450" indent="-171450">
+              <a:buFont typeface="Arial" panose="020B0604020202020204" pitchFamily="34" charset="0"/>
+              <a:buChar char="•"/>
+            </a:pPr>
+            <a:r>
+              <a:rPr lang="en-US" sz="1200" kern="1200" dirty="0">
+                <a:solidFill>
+                  <a:schemeClr val="tx1"/>
+                </a:solidFill>
+                <a:effectLst/>
+                <a:latin typeface="+mn-lt"/>
+                <a:ea typeface="+mn-ea"/>
+                <a:cs typeface="+mn-cs"/>
+              </a:rPr>
+              <a:t>Microsoft offers license assistance programs for current Oracle users</a:t>
+            </a:r>
+          </a:p>
+          <a:p>
+            <a:pPr marL="628650" lvl="1" indent="-171450">
+              <a:buFont typeface="Arial" panose="020B0604020202020204" pitchFamily="34" charset="0"/>
+              <a:buChar char="•"/>
+            </a:pPr>
+            <a:r>
+              <a:rPr lang="en-US" sz="1200" kern="1200" dirty="0">
+                <a:solidFill>
+                  <a:schemeClr val="tx1"/>
+                </a:solidFill>
+                <a:effectLst/>
+                <a:latin typeface="+mn-lt"/>
+                <a:ea typeface="+mn-ea"/>
+                <a:cs typeface="+mn-cs"/>
+              </a:rPr>
+              <a:t>This program can offer free licenses to current Oracle customers</a:t>
+            </a:r>
+          </a:p>
+          <a:p>
+            <a:pPr marL="628650" lvl="1" indent="-171450">
+              <a:buFont typeface="Arial" panose="020B0604020202020204" pitchFamily="34" charset="0"/>
+              <a:buChar char="•"/>
+            </a:pPr>
+            <a:r>
+              <a:rPr lang="en-US" sz="1200" kern="1200" dirty="0">
+                <a:solidFill>
+                  <a:schemeClr val="tx1"/>
+                </a:solidFill>
+                <a:effectLst/>
+                <a:latin typeface="+mn-lt"/>
+                <a:ea typeface="+mn-ea"/>
+                <a:cs typeface="+mn-cs"/>
+              </a:rPr>
+              <a:t>They can also subsidize the cost of the migration process</a:t>
+            </a:r>
+          </a:p>
+          <a:p>
+            <a:pPr marL="171450" lvl="0" indent="-171450">
+              <a:buFont typeface="Arial" panose="020B0604020202020204" pitchFamily="34" charset="0"/>
+              <a:buChar char="•"/>
+            </a:pPr>
+            <a:r>
+              <a:rPr lang="en-US" sz="1200" kern="1200" dirty="0">
+                <a:solidFill>
+                  <a:schemeClr val="tx1"/>
+                </a:solidFill>
+                <a:effectLst/>
+                <a:latin typeface="+mn-lt"/>
+                <a:ea typeface="+mn-ea"/>
+                <a:cs typeface="+mn-cs"/>
+              </a:rPr>
+              <a:t>SQL Server licensing also includes all available features in the Enterprise Edition with no additional cost for each feature implemented</a:t>
+            </a:r>
+            <a:endParaRPr lang="en-US" b="0" i="0" dirty="0"/>
+          </a:p>
+          <a:p>
+            <a:pPr marL="0" indent="0">
+              <a:buFont typeface="Arial" panose="020B0604020202020204" pitchFamily="34" charset="0"/>
+              <a:buNone/>
+            </a:pPr>
+            <a:endParaRPr lang="en-US" b="1" i="1" dirty="0"/>
+          </a:p>
+          <a:p>
+            <a:pPr marL="0" indent="0">
+              <a:buFont typeface="Arial" panose="020B0604020202020204" pitchFamily="34" charset="0"/>
+              <a:buNone/>
+            </a:pPr>
+            <a:r>
+              <a:rPr lang="en-US" b="1" i="1" dirty="0"/>
+              <a:t>Are there any Oracle features required by WWI for which SQL Server has no equivalent?</a:t>
+            </a:r>
+            <a:endParaRPr lang="en-US" b="0" i="0" dirty="0"/>
+          </a:p>
+          <a:p>
+            <a:pPr marL="171450" indent="-171450">
+              <a:buFont typeface="Arial" panose="020B0604020202020204" pitchFamily="34" charset="0"/>
+              <a:buChar char="•"/>
+            </a:pPr>
+            <a:r>
+              <a:rPr lang="en-US" b="0" i="0" dirty="0"/>
+              <a:t>Nothing in the customer requirements is exclusive to an Oracle ecosystem</a:t>
+            </a:r>
+          </a:p>
+          <a:p>
+            <a:pPr marL="628650" lvl="1" indent="-171450">
+              <a:buFont typeface="Arial" panose="020B0604020202020204" pitchFamily="34" charset="0"/>
+              <a:buChar char="•"/>
+            </a:pPr>
+            <a:r>
+              <a:rPr lang="en-US" b="0" i="0" dirty="0"/>
+              <a:t>Oracle Forms is unique to Oracle, but Microsoft offers several replacement technologies, including LightSwitch, SharePoint Forms, Power Apps, ASP.NET MVC, WPF Forms, and ASP.NET Core applications</a:t>
+            </a:r>
+          </a:p>
+          <a:p>
+            <a:pPr marL="171450" indent="-171450">
+              <a:buFont typeface="Arial" panose="020B0604020202020204" pitchFamily="34" charset="0"/>
+              <a:buChar char="•"/>
+            </a:pPr>
+            <a:r>
+              <a:rPr lang="en-US" b="0" i="0" dirty="0"/>
+              <a:t>The customer might implement Oracle RAC, but AlwaysOn Availability Groups are easier to implement, cheaper, and have lower hardware requirements</a:t>
+            </a:r>
+            <a:endParaRPr lang="en-US" b="1" i="1" dirty="0"/>
+          </a:p>
+          <a:p>
+            <a:pPr marL="171450" indent="-171450">
+              <a:buFont typeface="Arial" panose="020B0604020202020204" pitchFamily="34" charset="0"/>
+              <a:buChar char="•"/>
+            </a:pPr>
+            <a:endParaRPr lang="en-US" dirty="0"/>
           </a:p>
         </p:txBody>
       </p:sp>
@@ -5774,7 +5764,7 @@
     </p:spTree>
     <p:extLst>
       <p:ext uri="{BB962C8B-B14F-4D97-AF65-F5344CB8AC3E}">
-        <p14:creationId xmlns:p14="http://schemas.microsoft.com/office/powerpoint/2010/main" val="3536912525"/>
+        <p14:creationId xmlns:p14="http://schemas.microsoft.com/office/powerpoint/2010/main" val="504612238"/>
       </p:ext>
     </p:extLst>
   </p:cSld>
@@ -5828,7 +5818,190 @@
           <a:bodyPr/>
           <a:lstStyle/>
           <a:p>
-            <a:endParaRPr lang="en-US" dirty="0"/>
+            <a:pPr marL="0" indent="0">
+              <a:buFont typeface="Arial" panose="020B0604020202020204" pitchFamily="34" charset="0"/>
+              <a:buNone/>
+            </a:pPr>
+            <a:r>
+              <a:rPr lang="en-US" b="1" i="1" dirty="0"/>
+              <a:t>Do we need to tell all of our vendors that we’re changing databases so their integrations work?</a:t>
+            </a:r>
+          </a:p>
+          <a:p>
+            <a:pPr marL="171450" indent="-171450">
+              <a:buFont typeface="Arial" panose="020B0604020202020204" pitchFamily="34" charset="0"/>
+              <a:buChar char="•"/>
+            </a:pPr>
+            <a:r>
+              <a:rPr lang="en-US" sz="1200" kern="1200" dirty="0">
+                <a:solidFill>
+                  <a:schemeClr val="tx1"/>
+                </a:solidFill>
+                <a:effectLst/>
+                <a:latin typeface="+mn-lt"/>
+                <a:ea typeface="+mn-ea"/>
+                <a:cs typeface="+mn-cs"/>
+              </a:rPr>
+              <a:t>As long as we test and refactor the web services they use, they shouldn’t know that you switched your back-end data store</a:t>
+            </a:r>
+            <a:endParaRPr lang="en-US" b="0" i="0" dirty="0"/>
+          </a:p>
+          <a:p>
+            <a:pPr marL="0" indent="0">
+              <a:buFont typeface="Arial" panose="020B0604020202020204" pitchFamily="34" charset="0"/>
+              <a:buNone/>
+            </a:pPr>
+            <a:endParaRPr lang="en-US" b="0" i="0" dirty="0"/>
+          </a:p>
+          <a:p>
+            <a:pPr marL="0" indent="0">
+              <a:buFont typeface="Arial" panose="020B0604020202020204" pitchFamily="34" charset="0"/>
+              <a:buNone/>
+            </a:pPr>
+            <a:r>
+              <a:rPr lang="en-US" b="1" i="1" dirty="0"/>
+              <a:t>What will stop us from upgrading our data warehouse to SQL Server 2017 Enterprise?</a:t>
+            </a:r>
+          </a:p>
+          <a:p>
+            <a:pPr marL="171450" indent="-171450">
+              <a:buFont typeface="Arial" panose="020B0604020202020204" pitchFamily="34" charset="0"/>
+              <a:buChar char="•"/>
+            </a:pPr>
+            <a:r>
+              <a:rPr lang="en-US" sz="1200" kern="1200" dirty="0">
+                <a:solidFill>
+                  <a:schemeClr val="tx1"/>
+                </a:solidFill>
+                <a:effectLst/>
+                <a:latin typeface="+mn-lt"/>
+                <a:ea typeface="+mn-ea"/>
+                <a:cs typeface="+mn-cs"/>
+              </a:rPr>
+              <a:t>Thought needs to be given to upgrading the database storage engine, SQL Server Analysis Services, SQL Server Reporting Services, and SQL Server Integration Services. SSRS and SSIS have been completely redone since SQL Server 2008, with new interfaces and new engines. SSAS multidimensional also has a new engine with the tabular engine. Thought needs to be given if it will be implemented.</a:t>
+            </a:r>
+          </a:p>
+          <a:p>
+            <a:pPr marL="171450" indent="-171450">
+              <a:buFont typeface="Arial" panose="020B0604020202020204" pitchFamily="34" charset="0"/>
+              <a:buChar char="•"/>
+            </a:pPr>
+            <a:endParaRPr lang="en-US" b="0" i="0" dirty="0"/>
+          </a:p>
+          <a:p>
+            <a:pPr marL="0" indent="0">
+              <a:buFont typeface="Arial" panose="020B0604020202020204" pitchFamily="34" charset="0"/>
+              <a:buNone/>
+            </a:pPr>
+            <a:r>
+              <a:rPr lang="en-US" b="1" i="1" dirty="0"/>
+              <a:t>When we upgrade the data warehouse, how will we keep all our connected dependencies updated?</a:t>
+            </a:r>
+          </a:p>
+          <a:p>
+            <a:pPr marL="171450" marR="0" lvl="0" indent="-171450" algn="l" defTabSz="914400" rtl="0" eaLnBrk="1" fontAlgn="auto" latinLnBrk="0" hangingPunct="1">
+              <a:lnSpc>
+                <a:spcPct val="100000"/>
+              </a:lnSpc>
+              <a:spcBef>
+                <a:spcPts val="0"/>
+              </a:spcBef>
+              <a:spcAft>
+                <a:spcPts val="0"/>
+              </a:spcAft>
+              <a:buClrTx/>
+              <a:buSzTx/>
+              <a:buFont typeface="Arial" panose="020B0604020202020204" pitchFamily="34" charset="0"/>
+              <a:buChar char="•"/>
+              <a:tabLst/>
+              <a:defRPr/>
+            </a:pPr>
+            <a:r>
+              <a:rPr lang="en-US" sz="1200" kern="1200" dirty="0">
+                <a:solidFill>
+                  <a:schemeClr val="tx1"/>
+                </a:solidFill>
+                <a:effectLst/>
+                <a:latin typeface="+mn-lt"/>
+                <a:ea typeface="+mn-ea"/>
+                <a:cs typeface="+mn-cs"/>
+              </a:rPr>
+              <a:t>If we don’t change the server name, our job is much easier. We might not even need to modify the connectionStrings. We can keep the server name the same by either doing an in-place upgrade or by migrating to a new server and then changing the name of the new server to a new name. If we migrate to a new server, we will need to migrate security logins and permissions, along with the database. We’ll also need to script the SQL Server Agent jobs over to the new server.</a:t>
+            </a:r>
+          </a:p>
+          <a:p>
+            <a:pPr marL="171450" indent="-171450">
+              <a:buFont typeface="Arial" panose="020B0604020202020204" pitchFamily="34" charset="0"/>
+              <a:buChar char="•"/>
+            </a:pPr>
+            <a:endParaRPr lang="en-US" b="0" i="0" dirty="0"/>
+          </a:p>
+          <a:p>
+            <a:pPr marL="0" indent="0">
+              <a:buFont typeface="Arial" panose="020B0604020202020204" pitchFamily="34" charset="0"/>
+              <a:buNone/>
+            </a:pPr>
+            <a:r>
+              <a:rPr lang="en-US" b="1" i="1" dirty="0"/>
+              <a:t>What will happen with SSIS, SSRS, and SSAS?</a:t>
+            </a:r>
+          </a:p>
+          <a:p>
+            <a:pPr marL="171450" indent="-171450">
+              <a:buFont typeface="Arial" panose="020B0604020202020204" pitchFamily="34" charset="0"/>
+              <a:buChar char="•"/>
+            </a:pPr>
+            <a:r>
+              <a:rPr lang="en-US" b="0" i="0" dirty="0"/>
+              <a:t>Once the server is upgraded, we should redeploy the SSIS, SSAS, and SSRS projects after changing the connectionStrings. If we used project connectionStrings, this will be much easier. All external connections should be tested thoroughly.</a:t>
+            </a:r>
+          </a:p>
+          <a:p>
+            <a:pPr marL="171450" indent="-171450">
+              <a:buFont typeface="Arial" panose="020B0604020202020204" pitchFamily="34" charset="0"/>
+              <a:buChar char="•"/>
+            </a:pPr>
+            <a:r>
+              <a:rPr lang="en-US" b="0" i="0" dirty="0"/>
+              <a:t>If we use Database Migration Assistant, SSIS packages will upgrade during the process and will migrate over to the new server. </a:t>
+            </a:r>
+          </a:p>
+          <a:p>
+            <a:pPr marL="171450" indent="-171450">
+              <a:buFont typeface="Arial" panose="020B0604020202020204" pitchFamily="34" charset="0"/>
+              <a:buChar char="•"/>
+            </a:pPr>
+            <a:endParaRPr lang="en-US" b="0" i="0" dirty="0"/>
+          </a:p>
+          <a:p>
+            <a:pPr marL="0" indent="0">
+              <a:buFont typeface="Arial" panose="020B0604020202020204" pitchFamily="34" charset="0"/>
+              <a:buNone/>
+            </a:pPr>
+            <a:r>
+              <a:rPr lang="en-US" b="1" i="1" dirty="0"/>
+              <a:t>How will security and SQL Agent Jobs migrate over?</a:t>
+            </a:r>
+            <a:endParaRPr lang="en-US" b="0" i="0" dirty="0"/>
+          </a:p>
+          <a:p>
+            <a:pPr marL="171450" indent="-171450">
+              <a:buFont typeface="Arial" panose="020B0604020202020204" pitchFamily="34" charset="0"/>
+              <a:buChar char="•"/>
+            </a:pPr>
+            <a:r>
+              <a:rPr lang="en-US" sz="1200" kern="1200" dirty="0">
+                <a:solidFill>
+                  <a:schemeClr val="tx1"/>
+                </a:solidFill>
+                <a:effectLst/>
+                <a:latin typeface="+mn-lt"/>
+                <a:ea typeface="+mn-ea"/>
+                <a:cs typeface="+mn-cs"/>
+              </a:rPr>
+              <a:t>If we use Database Migration Assistant, security and the SQL Server Agent Jobs will migrate over to the new server.</a:t>
+            </a:r>
+            <a:endParaRPr lang="en-US" b="1" i="1" dirty="0"/>
           </a:p>
         </p:txBody>
       </p:sp>
@@ -5858,6 +6031,90 @@
     </p:spTree>
     <p:extLst>
       <p:ext uri="{BB962C8B-B14F-4D97-AF65-F5344CB8AC3E}">
+        <p14:creationId xmlns:p14="http://schemas.microsoft.com/office/powerpoint/2010/main" val="3536912525"/>
+      </p:ext>
+    </p:extLst>
+  </p:cSld>
+  <p:clrMapOvr>
+    <a:masterClrMapping/>
+  </p:clrMapOvr>
+</p:notes>
+</file>
+
+<file path=ppt/notesSlides/notesSlide26.xml><?xml version="1.0" encoding="utf-8"?>
+<p:notes xmlns:a="http://schemas.openxmlformats.org/drawingml/2006/main" xmlns:r="http://schemas.openxmlformats.org/officeDocument/2006/relationships" xmlns:p="http://schemas.openxmlformats.org/presentationml/2006/main">
+  <p:cSld>
+    <p:spTree>
+      <p:nvGrpSpPr>
+        <p:cNvPr id="1" name=""/>
+        <p:cNvGrpSpPr/>
+        <p:nvPr/>
+      </p:nvGrpSpPr>
+      <p:grpSpPr>
+        <a:xfrm>
+          <a:off x="0" y="0"/>
+          <a:ext cx="0" cy="0"/>
+          <a:chOff x="0" y="0"/>
+          <a:chExt cx="0" cy="0"/>
+        </a:xfrm>
+      </p:grpSpPr>
+      <p:sp>
+        <p:nvSpPr>
+          <p:cNvPr id="2" name="Slide Image Placeholder 1"/>
+          <p:cNvSpPr>
+            <a:spLocks noGrp="1" noRot="1" noChangeAspect="1"/>
+          </p:cNvSpPr>
+          <p:nvPr>
+            <p:ph type="sldImg"/>
+          </p:nvPr>
+        </p:nvSpPr>
+        <p:spPr/>
+      </p:sp>
+      <p:sp>
+        <p:nvSpPr>
+          <p:cNvPr id="3" name="Notes Placeholder 2"/>
+          <p:cNvSpPr>
+            <a:spLocks noGrp="1"/>
+          </p:cNvSpPr>
+          <p:nvPr>
+            <p:ph type="body" idx="1"/>
+          </p:nvPr>
+        </p:nvSpPr>
+        <p:spPr/>
+        <p:txBody>
+          <a:bodyPr/>
+          <a:lstStyle/>
+          <a:p>
+            <a:endParaRPr lang="en-US" dirty="0"/>
+          </a:p>
+        </p:txBody>
+      </p:sp>
+      <p:sp>
+        <p:nvSpPr>
+          <p:cNvPr id="4" name="Slide Number Placeholder 3"/>
+          <p:cNvSpPr>
+            <a:spLocks noGrp="1"/>
+          </p:cNvSpPr>
+          <p:nvPr>
+            <p:ph type="sldNum" sz="quarter" idx="10"/>
+          </p:nvPr>
+        </p:nvSpPr>
+        <p:spPr/>
+        <p:txBody>
+          <a:bodyPr/>
+          <a:lstStyle/>
+          <a:p>
+            <a:fld id="{0998D5BB-B127-481F-BC0A-2F77C576BB34}" type="slidenum">
+              <a:rPr lang="en-US" smtClean="0"/>
+              <a:t>26</a:t>
+            </a:fld>
+            <a:endParaRPr lang="en-US" dirty="0"/>
+          </a:p>
+        </p:txBody>
+      </p:sp>
+    </p:spTree>
+    <p:extLst>
+      <p:ext uri="{BB962C8B-B14F-4D97-AF65-F5344CB8AC3E}">
         <p14:creationId xmlns:p14="http://schemas.microsoft.com/office/powerpoint/2010/main" val="671285550"/>
       </p:ext>
     </p:extLst>
@@ -5868,7 +6125,7 @@
 </p:notes>
 </file>
 
-<file path=ppt/notesSlides/notesSlide26.xml><?xml version="1.0" encoding="utf-8"?>
+<file path=ppt/notesSlides/notesSlide27.xml><?xml version="1.0" encoding="utf-8"?>
 <p:notes xmlns:a="http://schemas.openxmlformats.org/drawingml/2006/main" xmlns:r="http://schemas.openxmlformats.org/officeDocument/2006/relationships" xmlns:p="http://schemas.openxmlformats.org/presentationml/2006/main">
   <p:cSld>
     <p:spTree>
@@ -5975,7 +6232,7 @@
                   <a:prstClr val="black"/>
                 </a:solidFill>
               </a:rPr>
-              <a:t>6/21/2018 10:53 AM</a:t>
+              <a:t>6/28/2018 10:52 AM</a:t>
             </a:fld>
             <a:endParaRPr lang="en-US" dirty="0">
               <a:solidFill>
@@ -6007,7 +6264,7 @@
                 </a:solidFill>
               </a:rPr>
               <a:pPr/>
-              <a:t>26</a:t>
+              <a:t>27</a:t>
             </a:fld>
             <a:endParaRPr lang="en-US" dirty="0">
               <a:solidFill>
@@ -21491,8 +21748,8 @@
         </p:nvSpPr>
         <p:spPr>
           <a:xfrm>
-            <a:off x="269241" y="1189177"/>
-            <a:ext cx="7058316" cy="945832"/>
+            <a:off x="269240" y="1189177"/>
+            <a:ext cx="9938867" cy="945832"/>
           </a:xfrm>
         </p:spPr>
         <p:txBody>
@@ -21511,17 +21768,36 @@
                 </a:solidFill>
                 <a:latin typeface="+mj-lt"/>
               </a:rPr>
-              <a:t>Schema and data movement</a:t>
-            </a:r>
+              <a:t>Data warehouse schema and data movement</a:t>
+            </a:r>
+          </a:p>
+          <a:p>
+            <a:pPr marL="0" indent="0">
+              <a:buNone/>
+            </a:pPr>
+            <a:r>
+              <a:rPr lang="en-US" sz="3600" dirty="0">
+                <a:solidFill>
+                  <a:schemeClr val="tx1"/>
+                </a:solidFill>
+              </a:rPr>
+              <a:t>(Cloud migration)</a:t>
+            </a:r>
+            <a:endParaRPr lang="en-US" sz="3600" dirty="0">
+              <a:solidFill>
+                <a:schemeClr val="tx1"/>
+              </a:solidFill>
+              <a:latin typeface="+mj-lt"/>
+            </a:endParaRPr>
           </a:p>
         </p:txBody>
       </p:sp>
       <p:pic>
         <p:nvPicPr>
-          <p:cNvPr id="6" name="Picture 5" descr="An arrow labeled SSMA 7.6 points from an Oracle database icon to a SQL Server 2017 Enterprise icon." title="Database migration">
+          <p:cNvPr id="23" name="Picture 22" descr="Diagram of the migration of the SQL Server 2008 R2 Standard data warehouse to Azure SQL Database premium tier using Azure Database Migration Service." title="Data warehouse migration">
             <a:extLst>
               <a:ext uri="{FF2B5EF4-FFF2-40B4-BE49-F238E27FC236}">
-                <a16:creationId xmlns:a16="http://schemas.microsoft.com/office/drawing/2014/main" id="{AA43FC61-108E-4A06-989E-C92D062D1AF6}"/>
+                <a16:creationId xmlns:a16="http://schemas.microsoft.com/office/drawing/2014/main" id="{0FBA62B1-BC46-40BC-94AE-BA1A59228533}"/>
               </a:ext>
             </a:extLst>
           </p:cNvPr>
@@ -21544,8 +21820,8 @@
         </p:blipFill>
         <p:spPr>
           <a:xfrm>
-            <a:off x="1983891" y="2553497"/>
-            <a:ext cx="8224217" cy="3115326"/>
+            <a:off x="1316321" y="2992294"/>
+            <a:ext cx="9559357" cy="3194581"/>
           </a:xfrm>
           <a:prstGeom prst="rect">
             <a:avLst/>
@@ -21649,6 +21925,178 @@
         </p:nvSpPr>
         <p:spPr>
           <a:xfrm>
+            <a:off x="269240" y="1189177"/>
+            <a:ext cx="8524803" cy="945832"/>
+          </a:xfrm>
+        </p:spPr>
+        <p:txBody>
+          <a:bodyPr>
+            <a:noAutofit/>
+          </a:bodyPr>
+          <a:lstStyle/>
+          <a:p>
+            <a:pPr marL="0" indent="0">
+              <a:buNone/>
+            </a:pPr>
+            <a:r>
+              <a:rPr lang="en-US" sz="3600" dirty="0">
+                <a:solidFill>
+                  <a:schemeClr val="tx1"/>
+                </a:solidFill>
+                <a:latin typeface="+mj-lt"/>
+              </a:rPr>
+              <a:t>Oracle schema and data movement</a:t>
+            </a:r>
+          </a:p>
+          <a:p>
+            <a:pPr marL="0" indent="0">
+              <a:buNone/>
+            </a:pPr>
+            <a:r>
+              <a:rPr lang="en-US" sz="3600" dirty="0">
+                <a:solidFill>
+                  <a:schemeClr val="tx1"/>
+                </a:solidFill>
+                <a:latin typeface="+mj-lt"/>
+              </a:rPr>
+              <a:t>(on-premises)</a:t>
+            </a:r>
+          </a:p>
+        </p:txBody>
+      </p:sp>
+      <p:pic>
+        <p:nvPicPr>
+          <p:cNvPr id="6" name="Picture 5" descr="An arrow labeled SSMA 7.6 points from an Oracle database icon to a SQL Server 2017 Enterprise icon." title="Database migration">
+            <a:extLst>
+              <a:ext uri="{FF2B5EF4-FFF2-40B4-BE49-F238E27FC236}">
+                <a16:creationId xmlns:a16="http://schemas.microsoft.com/office/drawing/2014/main" id="{AA43FC61-108E-4A06-989E-C92D062D1AF6}"/>
+              </a:ext>
+            </a:extLst>
+          </p:cNvPr>
+          <p:cNvPicPr>
+            <a:picLocks noChangeAspect="1"/>
+          </p:cNvPicPr>
+          <p:nvPr/>
+        </p:nvPicPr>
+        <p:blipFill>
+          <a:blip r:embed="rId3">
+            <a:extLst>
+              <a:ext uri="{28A0092B-C50C-407E-A947-70E740481C1C}">
+                <a14:useLocalDpi xmlns:a14="http://schemas.microsoft.com/office/drawing/2010/main" val="0"/>
+              </a:ext>
+            </a:extLst>
+          </a:blip>
+          <a:stretch>
+            <a:fillRect/>
+          </a:stretch>
+        </p:blipFill>
+        <p:spPr>
+          <a:xfrm>
+            <a:off x="1983891" y="2878812"/>
+            <a:ext cx="8224217" cy="3115326"/>
+          </a:xfrm>
+          <a:prstGeom prst="rect">
+            <a:avLst/>
+          </a:prstGeom>
+        </p:spPr>
+      </p:pic>
+    </p:spTree>
+    <p:extLst>
+      <p:ext uri="{BB962C8B-B14F-4D97-AF65-F5344CB8AC3E}">
+        <p14:creationId xmlns:p14="http://schemas.microsoft.com/office/powerpoint/2010/main" val="776759755"/>
+      </p:ext>
+    </p:extLst>
+  </p:cSld>
+  <p:clrMapOvr>
+    <a:masterClrMapping/>
+  </p:clrMapOvr>
+  <mc:AlternateContent xmlns:mc="http://schemas.openxmlformats.org/markup-compatibility/2006" xmlns:p14="http://schemas.microsoft.com/office/powerpoint/2010/main">
+    <mc:Choice Requires="p14">
+      <p:transition spd="med" p14:dur="700">
+        <p:fade/>
+      </p:transition>
+    </mc:Choice>
+    <mc:Fallback xmlns="">
+      <p:transition spd="med">
+        <p:fade/>
+      </p:transition>
+    </mc:Fallback>
+  </mc:AlternateContent>
+</p:sld>
+</file>
+
+<file path=ppt/slides/slide19.xml><?xml version="1.0" encoding="utf-8"?>
+<p:sld xmlns:a="http://schemas.openxmlformats.org/drawingml/2006/main" xmlns:r="http://schemas.openxmlformats.org/officeDocument/2006/relationships" xmlns:p="http://schemas.openxmlformats.org/presentationml/2006/main">
+  <p:cSld>
+    <p:spTree>
+      <p:nvGrpSpPr>
+        <p:cNvPr id="1" name=""/>
+        <p:cNvGrpSpPr/>
+        <p:nvPr/>
+      </p:nvGrpSpPr>
+      <p:grpSpPr>
+        <a:xfrm>
+          <a:off x="0" y="0"/>
+          <a:ext cx="0" cy="0"/>
+          <a:chOff x="0" y="0"/>
+          <a:chExt cx="0" cy="0"/>
+        </a:xfrm>
+      </p:grpSpPr>
+      <p:sp>
+        <p:nvSpPr>
+          <p:cNvPr id="2" name="Title 1"/>
+          <p:cNvSpPr>
+            <a:spLocks noGrp="1"/>
+          </p:cNvSpPr>
+          <p:nvPr>
+            <p:ph type="title"/>
+          </p:nvPr>
+        </p:nvSpPr>
+        <p:spPr/>
+        <p:txBody>
+          <a:bodyPr>
+            <a:normAutofit fontScale="90000"/>
+          </a:bodyPr>
+          <a:lstStyle/>
+          <a:p>
+            <a:r>
+              <a:rPr lang="en-US" sz="4900" dirty="0">
+                <a:solidFill>
+                  <a:schemeClr val="tx1"/>
+                </a:solidFill>
+                <a:cs typeface="Segoe UI" panose="020B0502040204020203" pitchFamily="34" charset="0"/>
+              </a:rPr>
+              <a:t>Preferred solution</a:t>
+            </a:r>
+            <a:br>
+              <a:rPr lang="en-US" dirty="0">
+                <a:solidFill>
+                  <a:schemeClr val="tx1"/>
+                </a:solidFill>
+                <a:latin typeface="Segoe UI" panose="020B0502040204020203" pitchFamily="34" charset="0"/>
+              </a:rPr>
+            </a:br>
+            <a:endParaRPr lang="en-US" sz="3236" dirty="0">
+              <a:solidFill>
+                <a:schemeClr val="tx1"/>
+              </a:solidFill>
+              <a:latin typeface="Segoe UI" panose="020B0502040204020203" pitchFamily="34" charset="0"/>
+            </a:endParaRPr>
+          </a:p>
+        </p:txBody>
+      </p:sp>
+      <p:sp>
+        <p:nvSpPr>
+          <p:cNvPr id="3" name="Content Placeholder 2"/>
+          <p:cNvSpPr>
+            <a:spLocks noGrp="1"/>
+          </p:cNvSpPr>
+          <p:nvPr>
+            <p:ph type="body" sz="quarter" idx="10"/>
+          </p:nvPr>
+        </p:nvSpPr>
+        <p:spPr>
+          <a:xfrm>
             <a:off x="269239" y="1189176"/>
             <a:ext cx="10105683" cy="5379313"/>
           </a:xfrm>
@@ -21786,7 +22234,180 @@
 </p:sld>
 </file>
 
-<file path=ppt/slides/slide19.xml><?xml version="1.0" encoding="utf-8"?>
+<file path=ppt/slides/slide2.xml><?xml version="1.0" encoding="utf-8"?>
+<p:sld xmlns:a="http://schemas.openxmlformats.org/drawingml/2006/main" xmlns:r="http://schemas.openxmlformats.org/officeDocument/2006/relationships" xmlns:p="http://schemas.openxmlformats.org/presentationml/2006/main">
+  <p:cSld>
+    <p:bg>
+      <p:bgPr>
+        <a:solidFill>
+          <a:schemeClr val="bg2"/>
+        </a:solidFill>
+        <a:effectLst/>
+      </p:bgPr>
+    </p:bg>
+    <p:spTree>
+      <p:nvGrpSpPr>
+        <p:cNvPr id="1" name=""/>
+        <p:cNvGrpSpPr/>
+        <p:nvPr/>
+      </p:nvGrpSpPr>
+      <p:grpSpPr>
+        <a:xfrm>
+          <a:off x="0" y="0"/>
+          <a:ext cx="0" cy="0"/>
+          <a:chOff x="0" y="0"/>
+          <a:chExt cx="0" cy="0"/>
+        </a:xfrm>
+      </p:grpSpPr>
+      <p:sp>
+        <p:nvSpPr>
+          <p:cNvPr id="2" name="Title 1"/>
+          <p:cNvSpPr>
+            <a:spLocks noGrp="1"/>
+          </p:cNvSpPr>
+          <p:nvPr>
+            <p:ph type="title"/>
+          </p:nvPr>
+        </p:nvSpPr>
+        <p:spPr/>
+        <p:txBody>
+          <a:bodyPr>
+            <a:normAutofit/>
+          </a:bodyPr>
+          <a:lstStyle/>
+          <a:p>
+            <a:r>
+              <a:rPr lang="en-US" sz="4400" dirty="0">
+                <a:solidFill>
+                  <a:schemeClr val="tx1"/>
+                </a:solidFill>
+                <a:latin typeface="Segoe UI Light" panose="020B0502040204020203" pitchFamily="34" charset="0"/>
+                <a:cs typeface="Segoe UI Light" panose="020B0502040204020203" pitchFamily="34" charset="0"/>
+              </a:rPr>
+              <a:t>Abstract and learning objectives</a:t>
+            </a:r>
+          </a:p>
+        </p:txBody>
+      </p:sp>
+      <p:sp>
+        <p:nvSpPr>
+          <p:cNvPr id="9" name="TextBox 8">
+            <a:extLst>
+              <a:ext uri="{FF2B5EF4-FFF2-40B4-BE49-F238E27FC236}">
+                <a16:creationId xmlns:a16="http://schemas.microsoft.com/office/drawing/2014/main" id="{0F86F9F9-39B5-4CE6-AF48-9ADAE40EA728}"/>
+              </a:ext>
+            </a:extLst>
+          </p:cNvPr>
+          <p:cNvSpPr txBox="1"/>
+          <p:nvPr/>
+        </p:nvSpPr>
+        <p:spPr>
+          <a:xfrm>
+            <a:off x="340285" y="1354387"/>
+            <a:ext cx="11584795" cy="5503613"/>
+          </a:xfrm>
+          <a:prstGeom prst="rect">
+            <a:avLst/>
+          </a:prstGeom>
+          <a:noFill/>
+        </p:spPr>
+        <p:txBody>
+          <a:bodyPr wrap="square" lIns="182880" tIns="146304" rIns="182880" bIns="146304" rtlCol="0">
+            <a:normAutofit/>
+          </a:bodyPr>
+          <a:lstStyle/>
+          <a:p>
+            <a:pPr>
+              <a:lnSpc>
+                <a:spcPct val="90000"/>
+              </a:lnSpc>
+              <a:spcAft>
+                <a:spcPts val="600"/>
+              </a:spcAft>
+            </a:pPr>
+            <a:r>
+              <a:rPr lang="en-US" sz="3600" dirty="0">
+                <a:latin typeface="+mj-lt"/>
+              </a:rPr>
+              <a:t>Abstract</a:t>
+            </a:r>
+          </a:p>
+          <a:p>
+            <a:pPr>
+              <a:lnSpc>
+                <a:spcPct val="90000"/>
+              </a:lnSpc>
+              <a:spcAft>
+                <a:spcPts val="600"/>
+              </a:spcAft>
+            </a:pPr>
+            <a:r>
+              <a:rPr lang="en-US" sz="2400" dirty="0">
+                <a:latin typeface="Segoe UI Semilight" panose="020B0402040204020203" pitchFamily="34" charset="0"/>
+                <a:cs typeface="Segoe UI Semilight" panose="020B0402040204020203" pitchFamily="34" charset="0"/>
+              </a:rPr>
+              <a:t>In this whiteboard design session, you will design a proof of concept (POC) for conducting a site analysis for a customer to compare cost, performance, and level of effort required to migrate from Oracle to SQL Server. You will evaluate the dependent applications and reports that will need to be updated, and come up with a migration plan. In addition, you will look at ways to help the customer take advantage of new SQL Server features to improve performance and resiliency, as well as explore ways to migrate from an old version of SQL Server to the latest version and consider the impact of migrating from on-premises to the cloud.</a:t>
+            </a:r>
+          </a:p>
+          <a:p>
+            <a:pPr>
+              <a:lnSpc>
+                <a:spcPct val="90000"/>
+              </a:lnSpc>
+              <a:spcAft>
+                <a:spcPts val="600"/>
+              </a:spcAft>
+            </a:pPr>
+            <a:endParaRPr lang="en-US" sz="2400" dirty="0">
+              <a:latin typeface="Segoe UI Semilight" panose="020B0402040204020203" pitchFamily="34" charset="0"/>
+              <a:cs typeface="Segoe UI Semilight" panose="020B0402040204020203" pitchFamily="34" charset="0"/>
+            </a:endParaRPr>
+          </a:p>
+          <a:p>
+            <a:pPr>
+              <a:lnSpc>
+                <a:spcPct val="90000"/>
+              </a:lnSpc>
+              <a:spcAft>
+                <a:spcPts val="600"/>
+              </a:spcAft>
+            </a:pPr>
+            <a:r>
+              <a:rPr lang="en-US" sz="2400" dirty="0">
+                <a:latin typeface="Segoe UI Semilight" panose="020B0402040204020203" pitchFamily="34" charset="0"/>
+                <a:cs typeface="Segoe UI Semilight" panose="020B0402040204020203" pitchFamily="34" charset="0"/>
+              </a:rPr>
+              <a:t>At the end of this whiteboard design session, you will be better able to design a database migration plan and implementation.</a:t>
+            </a:r>
+          </a:p>
+        </p:txBody>
+      </p:sp>
+    </p:spTree>
+    <p:extLst>
+      <p:ext uri="{BB962C8B-B14F-4D97-AF65-F5344CB8AC3E}">
+        <p14:creationId xmlns:p14="http://schemas.microsoft.com/office/powerpoint/2010/main" val="772880493"/>
+      </p:ext>
+    </p:extLst>
+  </p:cSld>
+  <p:clrMapOvr>
+    <a:masterClrMapping/>
+  </p:clrMapOvr>
+  <mc:AlternateContent xmlns:mc="http://schemas.openxmlformats.org/markup-compatibility/2006" xmlns:p14="http://schemas.microsoft.com/office/powerpoint/2010/main">
+    <mc:Choice Requires="p14">
+      <p:transition spd="med" p14:dur="700">
+        <p:fade/>
+      </p:transition>
+    </mc:Choice>
+    <mc:Fallback xmlns="">
+      <p:transition spd="med">
+        <p:fade/>
+      </p:transition>
+    </mc:Fallback>
+  </mc:AlternateContent>
+</p:sld>
+</file>
+
+<file path=ppt/slides/slide20.xml><?xml version="1.0" encoding="utf-8"?>
 <p:sld xmlns:a="http://schemas.openxmlformats.org/drawingml/2006/main" xmlns:r="http://schemas.openxmlformats.org/officeDocument/2006/relationships" xmlns:p="http://schemas.openxmlformats.org/presentationml/2006/main">
   <p:cSld>
     <p:spTree>
@@ -22430,180 +23051,7 @@
 </p:sld>
 </file>
 
-<file path=ppt/slides/slide2.xml><?xml version="1.0" encoding="utf-8"?>
-<p:sld xmlns:a="http://schemas.openxmlformats.org/drawingml/2006/main" xmlns:r="http://schemas.openxmlformats.org/officeDocument/2006/relationships" xmlns:p="http://schemas.openxmlformats.org/presentationml/2006/main">
-  <p:cSld>
-    <p:bg>
-      <p:bgPr>
-        <a:solidFill>
-          <a:schemeClr val="bg2"/>
-        </a:solidFill>
-        <a:effectLst/>
-      </p:bgPr>
-    </p:bg>
-    <p:spTree>
-      <p:nvGrpSpPr>
-        <p:cNvPr id="1" name=""/>
-        <p:cNvGrpSpPr/>
-        <p:nvPr/>
-      </p:nvGrpSpPr>
-      <p:grpSpPr>
-        <a:xfrm>
-          <a:off x="0" y="0"/>
-          <a:ext cx="0" cy="0"/>
-          <a:chOff x="0" y="0"/>
-          <a:chExt cx="0" cy="0"/>
-        </a:xfrm>
-      </p:grpSpPr>
-      <p:sp>
-        <p:nvSpPr>
-          <p:cNvPr id="2" name="Title 1"/>
-          <p:cNvSpPr>
-            <a:spLocks noGrp="1"/>
-          </p:cNvSpPr>
-          <p:nvPr>
-            <p:ph type="title"/>
-          </p:nvPr>
-        </p:nvSpPr>
-        <p:spPr/>
-        <p:txBody>
-          <a:bodyPr>
-            <a:normAutofit/>
-          </a:bodyPr>
-          <a:lstStyle/>
-          <a:p>
-            <a:r>
-              <a:rPr lang="en-US" sz="4400" dirty="0">
-                <a:solidFill>
-                  <a:schemeClr val="tx1"/>
-                </a:solidFill>
-                <a:latin typeface="Segoe UI Light" panose="020B0502040204020203" pitchFamily="34" charset="0"/>
-                <a:cs typeface="Segoe UI Light" panose="020B0502040204020203" pitchFamily="34" charset="0"/>
-              </a:rPr>
-              <a:t>Abstract and learning objectives</a:t>
-            </a:r>
-          </a:p>
-        </p:txBody>
-      </p:sp>
-      <p:sp>
-        <p:nvSpPr>
-          <p:cNvPr id="9" name="TextBox 8">
-            <a:extLst>
-              <a:ext uri="{FF2B5EF4-FFF2-40B4-BE49-F238E27FC236}">
-                <a16:creationId xmlns:a16="http://schemas.microsoft.com/office/drawing/2014/main" id="{0F86F9F9-39B5-4CE6-AF48-9ADAE40EA728}"/>
-              </a:ext>
-            </a:extLst>
-          </p:cNvPr>
-          <p:cNvSpPr txBox="1"/>
-          <p:nvPr/>
-        </p:nvSpPr>
-        <p:spPr>
-          <a:xfrm>
-            <a:off x="340285" y="1354387"/>
-            <a:ext cx="11584795" cy="5503613"/>
-          </a:xfrm>
-          <a:prstGeom prst="rect">
-            <a:avLst/>
-          </a:prstGeom>
-          <a:noFill/>
-        </p:spPr>
-        <p:txBody>
-          <a:bodyPr wrap="square" lIns="182880" tIns="146304" rIns="182880" bIns="146304" rtlCol="0">
-            <a:normAutofit/>
-          </a:bodyPr>
-          <a:lstStyle/>
-          <a:p>
-            <a:pPr>
-              <a:lnSpc>
-                <a:spcPct val="90000"/>
-              </a:lnSpc>
-              <a:spcAft>
-                <a:spcPts val="600"/>
-              </a:spcAft>
-            </a:pPr>
-            <a:r>
-              <a:rPr lang="en-US" sz="3600" dirty="0">
-                <a:latin typeface="+mj-lt"/>
-              </a:rPr>
-              <a:t>Abstract</a:t>
-            </a:r>
-          </a:p>
-          <a:p>
-            <a:pPr>
-              <a:lnSpc>
-                <a:spcPct val="90000"/>
-              </a:lnSpc>
-              <a:spcAft>
-                <a:spcPts val="600"/>
-              </a:spcAft>
-            </a:pPr>
-            <a:r>
-              <a:rPr lang="en-US" sz="2400" dirty="0">
-                <a:latin typeface="Segoe UI Semilight" panose="020B0402040204020203" pitchFamily="34" charset="0"/>
-                <a:cs typeface="Segoe UI Semilight" panose="020B0402040204020203" pitchFamily="34" charset="0"/>
-              </a:rPr>
-              <a:t>In this whiteboard design session, you will design a proof of concept (POC) for conducting a site analysis for a customer to compare cost, performance, and level of effort required to migrate from Oracle to SQL Server. You will evaluate the dependent applications and reports that will need to be updated, and come up with a migration plan. In addition, you will look at ways to help the customer take advantage of new SQL Server features to improve performance and resiliency, as well as explore ways to migrate from an old version of SQL Server to the latest version and consider the impact of migrating from on-premises to the cloud.</a:t>
-            </a:r>
-          </a:p>
-          <a:p>
-            <a:pPr>
-              <a:lnSpc>
-                <a:spcPct val="90000"/>
-              </a:lnSpc>
-              <a:spcAft>
-                <a:spcPts val="600"/>
-              </a:spcAft>
-            </a:pPr>
-            <a:endParaRPr lang="en-US" sz="2400" dirty="0">
-              <a:latin typeface="Segoe UI Semilight" panose="020B0402040204020203" pitchFamily="34" charset="0"/>
-              <a:cs typeface="Segoe UI Semilight" panose="020B0402040204020203" pitchFamily="34" charset="0"/>
-            </a:endParaRPr>
-          </a:p>
-          <a:p>
-            <a:pPr>
-              <a:lnSpc>
-                <a:spcPct val="90000"/>
-              </a:lnSpc>
-              <a:spcAft>
-                <a:spcPts val="600"/>
-              </a:spcAft>
-            </a:pPr>
-            <a:r>
-              <a:rPr lang="en-US" sz="2400" dirty="0">
-                <a:latin typeface="Segoe UI Semilight" panose="020B0402040204020203" pitchFamily="34" charset="0"/>
-                <a:cs typeface="Segoe UI Semilight" panose="020B0402040204020203" pitchFamily="34" charset="0"/>
-              </a:rPr>
-              <a:t>At the end of this whiteboard design session, you will be better able to design a database migration plan and implementation.</a:t>
-            </a:r>
-          </a:p>
-        </p:txBody>
-      </p:sp>
-    </p:spTree>
-    <p:extLst>
-      <p:ext uri="{BB962C8B-B14F-4D97-AF65-F5344CB8AC3E}">
-        <p14:creationId xmlns:p14="http://schemas.microsoft.com/office/powerpoint/2010/main" val="772880493"/>
-      </p:ext>
-    </p:extLst>
-  </p:cSld>
-  <p:clrMapOvr>
-    <a:masterClrMapping/>
-  </p:clrMapOvr>
-  <mc:AlternateContent xmlns:mc="http://schemas.openxmlformats.org/markup-compatibility/2006" xmlns:p14="http://schemas.microsoft.com/office/powerpoint/2010/main">
-    <mc:Choice Requires="p14">
-      <p:transition spd="med" p14:dur="700">
-        <p:fade/>
-      </p:transition>
-    </mc:Choice>
-    <mc:Fallback xmlns="">
-      <p:transition spd="med">
-        <p:fade/>
-      </p:transition>
-    </mc:Fallback>
-  </mc:AlternateContent>
-</p:sld>
-</file>
-
-<file path=ppt/slides/slide20.xml><?xml version="1.0" encoding="utf-8"?>
+<file path=ppt/slides/slide21.xml><?xml version="1.0" encoding="utf-8"?>
 <p:sld xmlns:a="http://schemas.openxmlformats.org/drawingml/2006/main" xmlns:r="http://schemas.openxmlformats.org/officeDocument/2006/relationships" xmlns:p="http://schemas.openxmlformats.org/presentationml/2006/main">
   <p:cSld>
     <p:spTree>
@@ -22766,7 +23214,7 @@
 </p:sld>
 </file>
 
-<file path=ppt/slides/slide21.xml><?xml version="1.0" encoding="utf-8"?>
+<file path=ppt/slides/slide22.xml><?xml version="1.0" encoding="utf-8"?>
 <p:sld xmlns:a="http://schemas.openxmlformats.org/drawingml/2006/main" xmlns:r="http://schemas.openxmlformats.org/officeDocument/2006/relationships" xmlns:p="http://schemas.openxmlformats.org/presentationml/2006/main">
   <p:cSld>
     <p:spTree>
@@ -22978,7 +23426,7 @@
 </p:sld>
 </file>
 
-<file path=ppt/slides/slide22.xml><?xml version="1.0" encoding="utf-8"?>
+<file path=ppt/slides/slide23.xml><?xml version="1.0" encoding="utf-8"?>
 <p:sld xmlns:a="http://schemas.openxmlformats.org/drawingml/2006/main" xmlns:r="http://schemas.openxmlformats.org/officeDocument/2006/relationships" xmlns:p="http://schemas.openxmlformats.org/presentationml/2006/main">
   <p:cSld>
     <p:spTree>
@@ -23251,7 +23699,7 @@
 </p:sld>
 </file>
 
-<file path=ppt/slides/slide23.xml><?xml version="1.0" encoding="utf-8"?>
+<file path=ppt/slides/slide24.xml><?xml version="1.0" encoding="utf-8"?>
 <p:sld xmlns:a="http://schemas.openxmlformats.org/drawingml/2006/main" xmlns:r="http://schemas.openxmlformats.org/officeDocument/2006/relationships" xmlns:p="http://schemas.openxmlformats.org/presentationml/2006/main">
   <p:cSld>
     <p:spTree>
@@ -23538,7 +23986,7 @@
 </p:sld>
 </file>
 
-<file path=ppt/slides/slide24.xml><?xml version="1.0" encoding="utf-8"?>
+<file path=ppt/slides/slide25.xml><?xml version="1.0" encoding="utf-8"?>
 <p:sld xmlns:a="http://schemas.openxmlformats.org/drawingml/2006/main" xmlns:r="http://schemas.openxmlformats.org/officeDocument/2006/relationships" xmlns:p="http://schemas.openxmlformats.org/presentationml/2006/main">
   <p:cSld>
     <p:spTree>
@@ -23825,7 +24273,7 @@
 </p:sld>
 </file>
 
-<file path=ppt/slides/slide25.xml><?xml version="1.0" encoding="utf-8"?>
+<file path=ppt/slides/slide26.xml><?xml version="1.0" encoding="utf-8"?>
 <p:sld xmlns:a="http://schemas.openxmlformats.org/drawingml/2006/main" xmlns:r="http://schemas.openxmlformats.org/officeDocument/2006/relationships" xmlns:p="http://schemas.openxmlformats.org/presentationml/2006/main">
   <p:cSld>
     <p:spTree>
@@ -23998,7 +24446,7 @@
 </p:sld>
 </file>
 
-<file path=ppt/slides/slide26.xml><?xml version="1.0" encoding="utf-8"?>
+<file path=ppt/slides/slide27.xml><?xml version="1.0" encoding="utf-8"?>
 <p:sld xmlns:a="http://schemas.openxmlformats.org/drawingml/2006/main" xmlns:r="http://schemas.openxmlformats.org/officeDocument/2006/relationships" xmlns:p="http://schemas.openxmlformats.org/presentationml/2006/main">
   <p:cSld>
     <p:bg>

--- a/Whiteboard design session/WDS trainer presentation - Data platform upgrade and migration.pptx
+++ b/Whiteboard design session/WDS trainer presentation - Data platform upgrade and migration.pptx
@@ -227,7 +227,7 @@
           <a:p>
             <a:fld id="{52A13B17-C506-4D51-BB37-16B365906619}" type="datetimeFigureOut">
               <a:rPr lang="en-US" smtClean="0"/>
-              <a:t>6/28/2018</a:t>
+              <a:t>7/10/2018</a:t>
             </a:fld>
             <a:endParaRPr lang="en-US" dirty="0"/>
           </a:p>
@@ -6232,7 +6232,7 @@
                   <a:prstClr val="black"/>
                 </a:solidFill>
               </a:rPr>
-              <a:t>6/28/2018 10:52 AM</a:t>
+              <a:t>7/10/2018 10:40 PM</a:t>
             </a:fld>
             <a:endParaRPr lang="en-US" dirty="0">
               <a:solidFill>
@@ -20005,7 +20005,7 @@
         </p:spPr>
         <p:txBody>
           <a:bodyPr>
-            <a:normAutofit fontScale="92500" lnSpcReduction="10000"/>
+            <a:normAutofit fontScale="85000" lnSpcReduction="10000"/>
           </a:bodyPr>
           <a:lstStyle/>
           <a:p>
@@ -20066,8 +20066,32 @@
                   <a:schemeClr val="tx1"/>
                 </a:solidFill>
               </a:rPr>
-              <a:t>How will SSIS, SSRS, SSAS, SQL Agent Jobs, and security be migrated?</a:t>
-            </a:r>
+              <a:t>How will SSIS, SSRS, and SSAS be migrated?</a:t>
+            </a:r>
+          </a:p>
+          <a:p>
+            <a:endParaRPr lang="en-US" sz="3600" dirty="0">
+              <a:solidFill>
+                <a:schemeClr val="tx1"/>
+              </a:solidFill>
+            </a:endParaRPr>
+          </a:p>
+          <a:p>
+            <a:r>
+              <a:rPr lang="en-US" sz="3600" dirty="0">
+                <a:solidFill>
+                  <a:schemeClr val="tx1"/>
+                </a:solidFill>
+              </a:rPr>
+              <a:t>How will SQL Agent Jobs and security be migrated?</a:t>
+            </a:r>
+          </a:p>
+          <a:p>
+            <a:endParaRPr lang="en-US" sz="3600" dirty="0">
+              <a:solidFill>
+                <a:schemeClr val="tx1"/>
+              </a:solidFill>
+            </a:endParaRPr>
           </a:p>
           <a:p>
             <a:endParaRPr lang="en-US" sz="3600" dirty="0">
@@ -23503,7 +23527,7 @@
         </p:spPr>
         <p:txBody>
           <a:bodyPr>
-            <a:normAutofit/>
+            <a:normAutofit lnSpcReduction="10000"/>
           </a:bodyPr>
           <a:lstStyle/>
           <a:p>
@@ -23542,12 +23566,29 @@
           </a:p>
           <a:p>
             <a:r>
-              <a:rPr lang="en-US" sz="3300" dirty="0">
+              <a:rPr lang="en-US" sz="3200" dirty="0">
                 <a:solidFill>
                   <a:schemeClr val="tx1"/>
                 </a:solidFill>
               </a:rPr>
-              <a:t>Do apps and reports need to be rewritten?</a:t>
+              <a:t>Do apps need to be rewritten?</a:t>
+            </a:r>
+          </a:p>
+          <a:p>
+            <a:endParaRPr lang="en-US" sz="3200" dirty="0">
+              <a:solidFill>
+                <a:schemeClr val="tx1"/>
+              </a:solidFill>
+            </a:endParaRPr>
+          </a:p>
+          <a:p>
+            <a:r>
+              <a:rPr lang="en-US" sz="3200" dirty="0">
+                <a:solidFill>
+                  <a:schemeClr val="tx1"/>
+                </a:solidFill>
+              </a:rPr>
+              <a:t>Do reports need to be rewritten?</a:t>
             </a:r>
           </a:p>
           <a:p>
@@ -24063,7 +24104,7 @@
         </p:spPr>
         <p:txBody>
           <a:bodyPr>
-            <a:normAutofit fontScale="92500" lnSpcReduction="10000"/>
+            <a:normAutofit fontScale="92500" lnSpcReduction="20000"/>
           </a:bodyPr>
           <a:lstStyle/>
           <a:p>
@@ -24124,8 +24165,32 @@
                   <a:schemeClr val="tx1"/>
                 </a:solidFill>
               </a:rPr>
-              <a:t>How will SSIS, SSRS, SSAS, SQL Agent Jobs, and security be migrated?</a:t>
-            </a:r>
+              <a:t>How will SSIS, SSRS, and SSAS be migrated?</a:t>
+            </a:r>
+          </a:p>
+          <a:p>
+            <a:endParaRPr lang="en-US" sz="3600" dirty="0">
+              <a:solidFill>
+                <a:schemeClr val="tx1"/>
+              </a:solidFill>
+            </a:endParaRPr>
+          </a:p>
+          <a:p>
+            <a:r>
+              <a:rPr lang="en-US" sz="3600" dirty="0">
+                <a:solidFill>
+                  <a:schemeClr val="tx1"/>
+                </a:solidFill>
+              </a:rPr>
+              <a:t>How will Agent Jobs and security be migrated?</a:t>
+            </a:r>
+          </a:p>
+          <a:p>
+            <a:endParaRPr lang="en-US" sz="3600" dirty="0">
+              <a:solidFill>
+                <a:schemeClr val="tx1"/>
+              </a:solidFill>
+            </a:endParaRPr>
           </a:p>
           <a:p>
             <a:endParaRPr lang="en-US" sz="3600" dirty="0">
@@ -25815,7 +25880,7 @@
         </p:spPr>
         <p:txBody>
           <a:bodyPr>
-            <a:normAutofit/>
+            <a:normAutofit fontScale="92500" lnSpcReduction="10000"/>
           </a:bodyPr>
           <a:lstStyle/>
           <a:p>
@@ -25859,7 +25924,24 @@
                   <a:schemeClr val="tx1"/>
                 </a:solidFill>
               </a:rPr>
-              <a:t>Do apps and reports need to be rewritten?</a:t>
+              <a:t>Do apps need to be rewritten?</a:t>
+            </a:r>
+          </a:p>
+          <a:p>
+            <a:endParaRPr lang="en-US" sz="3600" dirty="0">
+              <a:solidFill>
+                <a:schemeClr val="tx1"/>
+              </a:solidFill>
+            </a:endParaRPr>
+          </a:p>
+          <a:p>
+            <a:r>
+              <a:rPr lang="en-US" sz="3600" dirty="0">
+                <a:solidFill>
+                  <a:schemeClr val="tx1"/>
+                </a:solidFill>
+              </a:rPr>
+              <a:t>Do reports need to be rewritten?</a:t>
             </a:r>
           </a:p>
           <a:p>

--- a/Whiteboard design session/WDS trainer presentation - Data platform upgrade and migration.pptx
+++ b/Whiteboard design session/WDS trainer presentation - Data platform upgrade and migration.pptx
@@ -227,7 +227,7 @@
           <a:p>
             <a:fld id="{52A13B17-C506-4D51-BB37-16B365906619}" type="datetimeFigureOut">
               <a:rPr lang="en-US" smtClean="0"/>
-              <a:t>10/24/2018</a:t>
+              <a:t>4/22/2019</a:t>
             </a:fld>
             <a:endParaRPr lang="en-US" dirty="0"/>
           </a:p>
@@ -6232,7 +6232,7 @@
                   <a:prstClr val="black"/>
                 </a:solidFill>
               </a:rPr>
-              <a:t>10/24/2018 3:31 PM</a:t>
+              <a:t>4/22/2019 7:43 PM</a:t>
             </a:fld>
             <a:endParaRPr lang="en-US" dirty="0">
               <a:solidFill>

--- a/Whiteboard design session/WDS trainer presentation - Data platform upgrade and migration.pptx
+++ b/Whiteboard design session/WDS trainer presentation - Data platform upgrade and migration.pptx
@@ -227,7 +227,7 @@
           <a:p>
             <a:fld id="{52A13B17-C506-4D51-BB37-16B365906619}" type="datetimeFigureOut">
               <a:rPr lang="en-US" smtClean="0"/>
-              <a:t>4/22/2019</a:t>
+              <a:t>11/15/2019</a:t>
             </a:fld>
             <a:endParaRPr lang="en-US" dirty="0"/>
           </a:p>
@@ -6232,7 +6232,7 @@
                   <a:prstClr val="black"/>
                 </a:solidFill>
               </a:rPr>
-              <a:t>4/22/2019 7:43 PM</a:t>
+              <a:t>11/15/2019 11:59 AM</a:t>
             </a:fld>
             <a:endParaRPr lang="en-US" dirty="0">
               <a:solidFill>
@@ -8055,7 +8055,7 @@
       </p:transition>
     </mc:Fallback>
   </mc:AlternateContent>
-  <p:extLst mod="1">
+  <p:extLst>
     <p:ext uri="{DCECCB84-F9BA-43D5-87BE-67443E8EF086}">
       <p15:sldGuideLst xmlns:p15="http://schemas.microsoft.com/office/powerpoint/2012/main">
         <p15:guide id="1" pos="288">
@@ -19060,7 +19060,7 @@
       </a:lvl9pPr>
     </p:otherStyle>
   </p:txStyles>
-  <p:extLst mod="1">
+  <p:extLst>
     <p:ext uri="{27BBF7A9-308A-43DC-89C8-2F10F3537804}">
       <p15:sldGuideLst xmlns:p15="http://schemas.microsoft.com/office/powerpoint/2012/main">
         <p15:guide id="1" orient="horz" pos="187">
@@ -19675,7 +19675,7 @@
       </a:lvl9pPr>
     </p:otherStyle>
   </p:txStyles>
-  <p:extLst mod="1">
+  <p:extLst>
     <p:ext uri="{27BBF7A9-308A-43DC-89C8-2F10F3537804}">
       <p15:sldGuideLst xmlns:p15="http://schemas.microsoft.com/office/powerpoint/2012/main">
         <p15:guide id="1" orient="horz" pos="187">
@@ -21990,10 +21990,10 @@
       </p:sp>
       <p:pic>
         <p:nvPicPr>
-          <p:cNvPr id="6" name="Picture 5" descr="An arrow labeled SSMA 7.6 points from an Oracle database icon to a SQL Server 2017 Enterprise icon." title="Database migration">
+          <p:cNvPr id="4" name="Picture 3" descr="Database migration&#10;&#10;An arrow labeled SSMA for Oracle points from an Oracle database icon to a SQL Server 2017 Enterprise icon.">
             <a:extLst>
               <a:ext uri="{FF2B5EF4-FFF2-40B4-BE49-F238E27FC236}">
-                <a16:creationId xmlns:a16="http://schemas.microsoft.com/office/drawing/2014/main" id="{AA43FC61-108E-4A06-989E-C92D062D1AF6}"/>
+                <a16:creationId xmlns:a16="http://schemas.microsoft.com/office/drawing/2014/main" id="{0F371F2A-F8BF-4D85-978B-DDA622BCF6EC}"/>
               </a:ext>
             </a:extLst>
           </p:cNvPr>
@@ -22003,21 +22003,15 @@
           <p:nvPr/>
         </p:nvPicPr>
         <p:blipFill>
-          <a:blip r:embed="rId3">
-            <a:extLst>
-              <a:ext uri="{28A0092B-C50C-407E-A947-70E740481C1C}">
-                <a14:useLocalDpi xmlns:a14="http://schemas.microsoft.com/office/drawing/2010/main" val="0"/>
-              </a:ext>
-            </a:extLst>
-          </a:blip>
+          <a:blip r:embed="rId3"/>
           <a:stretch>
             <a:fillRect/>
           </a:stretch>
         </p:blipFill>
         <p:spPr>
           <a:xfrm>
-            <a:off x="1983891" y="2878812"/>
-            <a:ext cx="8224217" cy="3115326"/>
+            <a:off x="1071846" y="2842914"/>
+            <a:ext cx="10048306" cy="3803470"/>
           </a:xfrm>
           <a:prstGeom prst="rect">
             <a:avLst/>
@@ -22370,7 +22364,7 @@
                 <a:latin typeface="Segoe UI Semilight" panose="020B0402040204020203" pitchFamily="34" charset="0"/>
                 <a:cs typeface="Segoe UI Semilight" panose="020B0402040204020203" pitchFamily="34" charset="0"/>
               </a:rPr>
-              <a:t>In this whiteboard design session, you will design a proof of concept (POC) for conducting a site analysis for a customer to compare cost, performance, and level of effort required to migrate from Oracle to SQL Server. You will evaluate the dependent applications and reports that will need to be updated, and come up with a migration plan. In addition, you will look at ways to help the customer take advantage of new SQL Server features to improve performance and resiliency, as well as explore ways to migrate from an old version of SQL Server to the latest version and consider the impact of migrating from on-premises to the cloud.</a:t>
+              <a:t>In this whiteboard design session, you work with a group to design a proof of concept (POC) for conducting a site analysis for a customer to compare cost, performance, and level of effort required to migrate from Oracle to SQL Server. You evaluate the dependent applications and reports that need to be updated and come up with a migration plan. Also, you review ways to help the customer take advantage of new SQL Server features to improve performance and resiliency, as well as explore ways to migrate from an old version of SQL Server to the latest version and consider the impact of migrating from on-premises to the cloud.</a:t>
             </a:r>
           </a:p>
           <a:p>
@@ -22528,120 +22522,9 @@
           </a:p>
         </p:txBody>
       </p:sp>
-      <p:sp>
-        <p:nvSpPr>
-          <p:cNvPr id="12" name="TextBox 11">
-            <a:extLst>
-              <a:ext uri="{FF2B5EF4-FFF2-40B4-BE49-F238E27FC236}">
-                <a16:creationId xmlns:a16="http://schemas.microsoft.com/office/drawing/2014/main" id="{3AFF97A9-0AF3-4824-957B-3ACAD7EE8722}"/>
-              </a:ext>
-            </a:extLst>
-          </p:cNvPr>
-          <p:cNvSpPr txBox="1"/>
-          <p:nvPr/>
-        </p:nvSpPr>
-        <p:spPr>
-          <a:xfrm>
-            <a:off x="1232791" y="4702300"/>
-            <a:ext cx="1791196" cy="1446550"/>
-          </a:xfrm>
-          <a:prstGeom prst="rect">
-            <a:avLst/>
-          </a:prstGeom>
-          <a:noFill/>
-        </p:spPr>
-        <p:txBody>
-          <a:bodyPr wrap="none" lIns="182880" tIns="146304" rIns="182880" bIns="146304" rtlCol="0">
-            <a:spAutoFit/>
-          </a:bodyPr>
-          <a:lstStyle/>
-          <a:p>
-            <a:pPr>
-              <a:lnSpc>
-                <a:spcPct val="90000"/>
-              </a:lnSpc>
-              <a:spcAft>
-                <a:spcPts val="600"/>
-              </a:spcAft>
-            </a:pPr>
-            <a:r>
-              <a:rPr lang="en-US" sz="3200" dirty="0">
-                <a:gradFill>
-                  <a:gsLst>
-                    <a:gs pos="2917">
-                      <a:schemeClr val="tx1"/>
-                    </a:gs>
-                    <a:gs pos="30000">
-                      <a:schemeClr val="tx1"/>
-                    </a:gs>
-                  </a:gsLst>
-                  <a:lin ang="5400000" scaled="0"/>
-                </a:gradFill>
-              </a:rPr>
-              <a:t>Reports</a:t>
-            </a:r>
-          </a:p>
-          <a:p>
-            <a:pPr marL="457200" indent="-457200">
-              <a:lnSpc>
-                <a:spcPct val="90000"/>
-              </a:lnSpc>
-              <a:spcAft>
-                <a:spcPts val="600"/>
-              </a:spcAft>
-              <a:buFont typeface="Arial" panose="020B0604020202020204" pitchFamily="34" charset="0"/>
-              <a:buChar char="•"/>
-            </a:pPr>
-            <a:r>
-              <a:rPr lang="en-US" sz="2000" dirty="0">
-                <a:gradFill>
-                  <a:gsLst>
-                    <a:gs pos="2917">
-                      <a:schemeClr val="tx1"/>
-                    </a:gs>
-                    <a:gs pos="30000">
-                      <a:schemeClr val="tx1"/>
-                    </a:gs>
-                  </a:gsLst>
-                  <a:lin ang="5400000" scaled="0"/>
-                </a:gradFill>
-              </a:rPr>
-              <a:t>Identify</a:t>
-            </a:r>
-          </a:p>
-          <a:p>
-            <a:pPr marL="457200" indent="-457200">
-              <a:lnSpc>
-                <a:spcPct val="90000"/>
-              </a:lnSpc>
-              <a:spcAft>
-                <a:spcPts val="600"/>
-              </a:spcAft>
-              <a:buFont typeface="Arial" panose="020B0604020202020204" pitchFamily="34" charset="0"/>
-              <a:buChar char="•"/>
-            </a:pPr>
-            <a:r>
-              <a:rPr lang="en-US" sz="2000" dirty="0">
-                <a:gradFill>
-                  <a:gsLst>
-                    <a:gs pos="2917">
-                      <a:schemeClr val="tx1"/>
-                    </a:gs>
-                    <a:gs pos="30000">
-                      <a:schemeClr val="tx1"/>
-                    </a:gs>
-                  </a:gsLst>
-                  <a:lin ang="5400000" scaled="0"/>
-                </a:gradFill>
-              </a:rPr>
-              <a:t>Upgrade</a:t>
-            </a:r>
-          </a:p>
-        </p:txBody>
-      </p:sp>
       <p:pic>
         <p:nvPicPr>
-          <p:cNvPr id="19" name="Picture 18" descr="Reports icon" title="Reports Icon">
+          <p:cNvPr id="19" name="Picture 18" descr="Reports Icon">
             <a:extLst>
               <a:ext uri="{FF2B5EF4-FFF2-40B4-BE49-F238E27FC236}">
                 <a16:creationId xmlns:a16="http://schemas.microsoft.com/office/drawing/2014/main" id="{3386CA8E-1068-4507-B344-C10117D8AF06}"/>
@@ -22677,10 +22560,10 @@
       </p:pic>
       <p:sp>
         <p:nvSpPr>
-          <p:cNvPr id="14" name="TextBox 13">
+          <p:cNvPr id="12" name="TextBox 11">
             <a:extLst>
               <a:ext uri="{FF2B5EF4-FFF2-40B4-BE49-F238E27FC236}">
-                <a16:creationId xmlns:a16="http://schemas.microsoft.com/office/drawing/2014/main" id="{D2BCA0CA-8B9C-43C6-9E74-3EFAB9DDC970}"/>
+                <a16:creationId xmlns:a16="http://schemas.microsoft.com/office/drawing/2014/main" id="{3AFF97A9-0AF3-4824-957B-3ACAD7EE8722}"/>
               </a:ext>
             </a:extLst>
           </p:cNvPr>
@@ -22689,8 +22572,8 @@
         </p:nvSpPr>
         <p:spPr>
           <a:xfrm>
-            <a:off x="4455711" y="4702300"/>
-            <a:ext cx="3280578" cy="1800493"/>
+            <a:off x="1232791" y="4702300"/>
+            <a:ext cx="1791196" cy="1446550"/>
           </a:xfrm>
           <a:prstGeom prst="rect">
             <a:avLst/>
@@ -22725,7 +22608,7 @@
                   <a:lin ang="5400000" scaled="0"/>
                 </a:gradFill>
               </a:rPr>
-              <a:t>Data Warehouse</a:t>
+              <a:t>Reports</a:t>
             </a:r>
           </a:p>
           <a:p>
@@ -22753,7 +22636,7 @@
                   <a:lin ang="5400000" scaled="0"/>
                 </a:gradFill>
               </a:rPr>
-              <a:t>Assess</a:t>
+              <a:t>Identify</a:t>
             </a:r>
           </a:p>
           <a:p>
@@ -22781,42 +22664,14 @@
                   <a:lin ang="5400000" scaled="0"/>
                 </a:gradFill>
               </a:rPr>
-              <a:t>Plan</a:t>
-            </a:r>
-          </a:p>
-          <a:p>
-            <a:pPr marL="457200" indent="-457200">
-              <a:lnSpc>
-                <a:spcPct val="90000"/>
-              </a:lnSpc>
-              <a:spcAft>
-                <a:spcPts val="600"/>
-              </a:spcAft>
-              <a:buFont typeface="Arial" panose="020B0604020202020204" pitchFamily="34" charset="0"/>
-              <a:buChar char="•"/>
-            </a:pPr>
-            <a:r>
-              <a:rPr lang="en-US" sz="2000" dirty="0">
-                <a:gradFill>
-                  <a:gsLst>
-                    <a:gs pos="2917">
-                      <a:schemeClr val="tx1"/>
-                    </a:gs>
-                    <a:gs pos="30000">
-                      <a:schemeClr val="tx1"/>
-                    </a:gs>
-                  </a:gsLst>
-                  <a:lin ang="5400000" scaled="0"/>
-                </a:gradFill>
-              </a:rPr>
-              <a:t>Migrate</a:t>
+              <a:t>Upgrade</a:t>
             </a:r>
           </a:p>
         </p:txBody>
       </p:sp>
       <p:pic>
         <p:nvPicPr>
-          <p:cNvPr id="17" name="Picture 16" descr="SQL Data Warehouse icon" title="SQL Data Warehouse icon">
+          <p:cNvPr id="17" name="Picture 16" descr="SQL Data Warehouse icon">
             <a:extLst>
               <a:ext uri="{FF2B5EF4-FFF2-40B4-BE49-F238E27FC236}">
                 <a16:creationId xmlns:a16="http://schemas.microsoft.com/office/drawing/2014/main" id="{90062F34-1328-4FBC-83F7-C2757E5892FC}"/>
@@ -22852,10 +22707,10 @@
       </p:pic>
       <p:sp>
         <p:nvSpPr>
-          <p:cNvPr id="13" name="TextBox 12">
+          <p:cNvPr id="14" name="TextBox 13">
             <a:extLst>
               <a:ext uri="{FF2B5EF4-FFF2-40B4-BE49-F238E27FC236}">
-                <a16:creationId xmlns:a16="http://schemas.microsoft.com/office/drawing/2014/main" id="{0742C611-9397-4536-8354-EC9D2FD0C4D3}"/>
+                <a16:creationId xmlns:a16="http://schemas.microsoft.com/office/drawing/2014/main" id="{D2BCA0CA-8B9C-43C6-9E74-3EFAB9DDC970}"/>
               </a:ext>
             </a:extLst>
           </p:cNvPr>
@@ -22864,8 +22719,8 @@
         </p:nvSpPr>
         <p:spPr>
           <a:xfrm>
-            <a:off x="8599573" y="4702300"/>
-            <a:ext cx="2991682" cy="2542234"/>
+            <a:off x="4455711" y="4702300"/>
+            <a:ext cx="3280578" cy="1800493"/>
           </a:xfrm>
           <a:prstGeom prst="rect">
             <a:avLst/>
@@ -22873,7 +22728,7 @@
           <a:noFill/>
         </p:spPr>
         <p:txBody>
-          <a:bodyPr wrap="square" lIns="182880" tIns="146304" rIns="182880" bIns="146304" rtlCol="0">
+          <a:bodyPr wrap="none" lIns="182880" tIns="146304" rIns="182880" bIns="146304" rtlCol="0">
             <a:spAutoFit/>
           </a:bodyPr>
           <a:lstStyle/>
@@ -22900,7 +22755,7 @@
                   <a:lin ang="5400000" scaled="0"/>
                 </a:gradFill>
               </a:rPr>
-              <a:t>Data Migration Assistant</a:t>
+              <a:t>Data Warehouse</a:t>
             </a:r>
           </a:p>
           <a:p>
@@ -22928,7 +22783,7 @@
                   <a:lin ang="5400000" scaled="0"/>
                 </a:gradFill>
               </a:rPr>
-              <a:t>Assessment</a:t>
+              <a:t>Assess</a:t>
             </a:r>
           </a:p>
           <a:p>
@@ -22956,7 +22811,7 @@
                   <a:lin ang="5400000" scaled="0"/>
                 </a:gradFill>
               </a:rPr>
-              <a:t>Migration</a:t>
+              <a:t>Plan</a:t>
             </a:r>
           </a:p>
           <a:p>
@@ -22984,39 +22839,14 @@
                   <a:lin ang="5400000" scaled="0"/>
                 </a:gradFill>
               </a:rPr>
-              <a:t>Report</a:t>
-            </a:r>
-          </a:p>
-          <a:p>
-            <a:pPr marL="457200" indent="-457200">
-              <a:lnSpc>
-                <a:spcPct val="90000"/>
-              </a:lnSpc>
-              <a:spcAft>
-                <a:spcPts val="600"/>
-              </a:spcAft>
-              <a:buFont typeface="Arial" panose="020B0604020202020204" pitchFamily="34" charset="0"/>
-              <a:buChar char="•"/>
-            </a:pPr>
-            <a:endParaRPr lang="en-US" sz="1600" dirty="0">
-              <a:gradFill>
-                <a:gsLst>
-                  <a:gs pos="2917">
-                    <a:schemeClr val="tx1"/>
-                  </a:gs>
-                  <a:gs pos="30000">
-                    <a:schemeClr val="tx1"/>
-                  </a:gs>
-                </a:gsLst>
-                <a:lin ang="5400000" scaled="0"/>
-              </a:gradFill>
-            </a:endParaRPr>
+              <a:t>Migrate</a:t>
+            </a:r>
           </a:p>
         </p:txBody>
       </p:sp>
       <p:pic>
         <p:nvPicPr>
-          <p:cNvPr id="15" name="Picture 14" descr="Data Migration Assistant icon" title="Data Migration Assistant icon">
+          <p:cNvPr id="15" name="Picture 14" descr="Data Migration Assistant icon">
             <a:extLst>
               <a:ext uri="{FF2B5EF4-FFF2-40B4-BE49-F238E27FC236}">
                 <a16:creationId xmlns:a16="http://schemas.microsoft.com/office/drawing/2014/main" id="{4E8A22CE-3B64-41F7-9EE3-EE76265A4534}"/>
@@ -23050,6 +22880,170 @@
           </a:prstGeom>
         </p:spPr>
       </p:pic>
+      <p:sp>
+        <p:nvSpPr>
+          <p:cNvPr id="13" name="TextBox 12">
+            <a:extLst>
+              <a:ext uri="{FF2B5EF4-FFF2-40B4-BE49-F238E27FC236}">
+                <a16:creationId xmlns:a16="http://schemas.microsoft.com/office/drawing/2014/main" id="{0742C611-9397-4536-8354-EC9D2FD0C4D3}"/>
+              </a:ext>
+            </a:extLst>
+          </p:cNvPr>
+          <p:cNvSpPr txBox="1"/>
+          <p:nvPr/>
+        </p:nvSpPr>
+        <p:spPr>
+          <a:xfrm>
+            <a:off x="8599573" y="4702300"/>
+            <a:ext cx="2991682" cy="2542234"/>
+          </a:xfrm>
+          <a:prstGeom prst="rect">
+            <a:avLst/>
+          </a:prstGeom>
+          <a:noFill/>
+        </p:spPr>
+        <p:txBody>
+          <a:bodyPr wrap="square" lIns="182880" tIns="146304" rIns="182880" bIns="146304" rtlCol="0">
+            <a:spAutoFit/>
+          </a:bodyPr>
+          <a:lstStyle/>
+          <a:p>
+            <a:pPr>
+              <a:lnSpc>
+                <a:spcPct val="90000"/>
+              </a:lnSpc>
+              <a:spcAft>
+                <a:spcPts val="600"/>
+              </a:spcAft>
+            </a:pPr>
+            <a:r>
+              <a:rPr lang="en-US" sz="3200" dirty="0">
+                <a:gradFill>
+                  <a:gsLst>
+                    <a:gs pos="2917">
+                      <a:schemeClr val="tx1"/>
+                    </a:gs>
+                    <a:gs pos="30000">
+                      <a:schemeClr val="tx1"/>
+                    </a:gs>
+                  </a:gsLst>
+                  <a:lin ang="5400000" scaled="0"/>
+                </a:gradFill>
+              </a:rPr>
+              <a:t>Data Migration Assistant</a:t>
+            </a:r>
+          </a:p>
+          <a:p>
+            <a:pPr marL="457200" indent="-457200">
+              <a:lnSpc>
+                <a:spcPct val="90000"/>
+              </a:lnSpc>
+              <a:spcAft>
+                <a:spcPts val="600"/>
+              </a:spcAft>
+              <a:buFont typeface="Arial" panose="020B0604020202020204" pitchFamily="34" charset="0"/>
+              <a:buChar char="•"/>
+            </a:pPr>
+            <a:r>
+              <a:rPr lang="en-US" sz="2000" dirty="0">
+                <a:gradFill>
+                  <a:gsLst>
+                    <a:gs pos="2917">
+                      <a:schemeClr val="tx1"/>
+                    </a:gs>
+                    <a:gs pos="30000">
+                      <a:schemeClr val="tx1"/>
+                    </a:gs>
+                  </a:gsLst>
+                  <a:lin ang="5400000" scaled="0"/>
+                </a:gradFill>
+              </a:rPr>
+              <a:t>Assessment</a:t>
+            </a:r>
+          </a:p>
+          <a:p>
+            <a:pPr marL="457200" indent="-457200">
+              <a:lnSpc>
+                <a:spcPct val="90000"/>
+              </a:lnSpc>
+              <a:spcAft>
+                <a:spcPts val="600"/>
+              </a:spcAft>
+              <a:buFont typeface="Arial" panose="020B0604020202020204" pitchFamily="34" charset="0"/>
+              <a:buChar char="•"/>
+            </a:pPr>
+            <a:r>
+              <a:rPr lang="en-US" sz="2000" dirty="0">
+                <a:gradFill>
+                  <a:gsLst>
+                    <a:gs pos="2917">
+                      <a:schemeClr val="tx1"/>
+                    </a:gs>
+                    <a:gs pos="30000">
+                      <a:schemeClr val="tx1"/>
+                    </a:gs>
+                  </a:gsLst>
+                  <a:lin ang="5400000" scaled="0"/>
+                </a:gradFill>
+              </a:rPr>
+              <a:t>Migration</a:t>
+            </a:r>
+          </a:p>
+          <a:p>
+            <a:pPr marL="457200" indent="-457200">
+              <a:lnSpc>
+                <a:spcPct val="90000"/>
+              </a:lnSpc>
+              <a:spcAft>
+                <a:spcPts val="600"/>
+              </a:spcAft>
+              <a:buFont typeface="Arial" panose="020B0604020202020204" pitchFamily="34" charset="0"/>
+              <a:buChar char="•"/>
+            </a:pPr>
+            <a:r>
+              <a:rPr lang="en-US" sz="2000" dirty="0">
+                <a:gradFill>
+                  <a:gsLst>
+                    <a:gs pos="2917">
+                      <a:schemeClr val="tx1"/>
+                    </a:gs>
+                    <a:gs pos="30000">
+                      <a:schemeClr val="tx1"/>
+                    </a:gs>
+                  </a:gsLst>
+                  <a:lin ang="5400000" scaled="0"/>
+                </a:gradFill>
+              </a:rPr>
+              <a:t>Report</a:t>
+            </a:r>
+          </a:p>
+          <a:p>
+            <a:pPr marL="457200" indent="-457200">
+              <a:lnSpc>
+                <a:spcPct val="90000"/>
+              </a:lnSpc>
+              <a:spcAft>
+                <a:spcPts val="600"/>
+              </a:spcAft>
+              <a:buFont typeface="Arial" panose="020B0604020202020204" pitchFamily="34" charset="0"/>
+              <a:buChar char="•"/>
+            </a:pPr>
+            <a:endParaRPr lang="en-US" sz="1600" dirty="0">
+              <a:gradFill>
+                <a:gsLst>
+                  <a:gs pos="2917">
+                    <a:schemeClr val="tx1"/>
+                  </a:gs>
+                  <a:gs pos="30000">
+                    <a:schemeClr val="tx1"/>
+                  </a:gs>
+                </a:gsLst>
+                <a:lin ang="5400000" scaled="0"/>
+              </a:gradFill>
+            </a:endParaRPr>
+          </a:p>
+        </p:txBody>
+      </p:sp>
     </p:spTree>
     <p:extLst>
       <p:ext uri="{BB962C8B-B14F-4D97-AF65-F5344CB8AC3E}">
